--- a/ResearchGate/Pizza Ordering Chatbot Using Amazon Lex/PIZZA ORDERING CHATBOT USING AMAZON LEX.pptx
+++ b/ResearchGate/Pizza Ordering Chatbot Using Amazon Lex/PIZZA ORDERING CHATBOT USING AMAZON LEX.pptx
@@ -36,15 +36,14 @@
     <p:sldId id="281" r:id="rId31"/>
     <p:sldId id="282" r:id="rId32"/>
     <p:sldId id="283" r:id="rId33"/>
-    <p:sldId id="284" r:id="rId34"/>
   </p:sldIdLst>
   <p:sldSz cy="5143500" cx="9144000"/>
   <p:notesSz cx="6858000" cy="9144000"/>
   <p:embeddedFontLst>
     <p:embeddedFont>
       <p:font typeface="Play"/>
-      <p:regular r:id="rId35"/>
-      <p:bold r:id="rId36"/>
+      <p:regular r:id="rId34"/>
+      <p:bold r:id="rId35"/>
     </p:embeddedFont>
   </p:embeddedFontLst>
   <p:defaultTextStyle>
@@ -1154,7 +1153,7 @@
       </p:grpSpPr>
       <p:sp>
         <p:nvSpPr>
-          <p:cNvPr id="177" name="Google Shape;177;g11a44ce9054_0_40:notes"/>
+          <p:cNvPr id="177" name="Google Shape;177;g11a44ce9054_0_178:notes"/>
           <p:cNvSpPr/>
           <p:nvPr>
             <p:ph idx="2" type="sldImg"/>
@@ -1189,7 +1188,7 @@
       </p:sp>
       <p:sp>
         <p:nvSpPr>
-          <p:cNvPr id="178" name="Google Shape;178;g11a44ce9054_0_40:notes"/>
+          <p:cNvPr id="178" name="Google Shape;178;g11a44ce9054_0_178:notes"/>
           <p:cNvSpPr txBox="1"/>
           <p:nvPr>
             <p:ph idx="1" type="body"/>
@@ -1239,7 +1238,7 @@
   <p:cSld>
     <p:spTree>
       <p:nvGrpSpPr>
-        <p:cNvPr id="183" name="Shape 183"/>
+        <p:cNvPr id="182" name="Shape 182"/>
         <p:cNvGrpSpPr/>
         <p:nvPr/>
       </p:nvGrpSpPr>
@@ -1253,7 +1252,7 @@
       </p:grpSpPr>
       <p:sp>
         <p:nvSpPr>
-          <p:cNvPr id="184" name="Google Shape;184;g11a44ce9054_0_178:notes"/>
+          <p:cNvPr id="183" name="Google Shape;183;g11a44ce9054_0_183:notes"/>
           <p:cNvSpPr/>
           <p:nvPr>
             <p:ph idx="2" type="sldImg"/>
@@ -1288,7 +1287,7 @@
       </p:sp>
       <p:sp>
         <p:nvSpPr>
-          <p:cNvPr id="185" name="Google Shape;185;g11a44ce9054_0_178:notes"/>
+          <p:cNvPr id="184" name="Google Shape;184;g11a44ce9054_0_183:notes"/>
           <p:cNvSpPr txBox="1"/>
           <p:nvPr>
             <p:ph idx="1" type="body"/>
@@ -1338,7 +1337,7 @@
   <p:cSld>
     <p:spTree>
       <p:nvGrpSpPr>
-        <p:cNvPr id="189" name="Shape 189"/>
+        <p:cNvPr id="201" name="Shape 201"/>
         <p:cNvGrpSpPr/>
         <p:nvPr/>
       </p:nvGrpSpPr>
@@ -1352,7 +1351,7 @@
       </p:grpSpPr>
       <p:sp>
         <p:nvSpPr>
-          <p:cNvPr id="190" name="Google Shape;190;g11a44ce9054_0_183:notes"/>
+          <p:cNvPr id="202" name="Google Shape;202;g11a44ce9054_0_202:notes"/>
           <p:cNvSpPr/>
           <p:nvPr>
             <p:ph idx="2" type="sldImg"/>
@@ -1387,7 +1386,7 @@
       </p:sp>
       <p:sp>
         <p:nvSpPr>
-          <p:cNvPr id="191" name="Google Shape;191;g11a44ce9054_0_183:notes"/>
+          <p:cNvPr id="203" name="Google Shape;203;g11a44ce9054_0_202:notes"/>
           <p:cNvSpPr txBox="1"/>
           <p:nvPr>
             <p:ph idx="1" type="body"/>
@@ -1437,7 +1436,7 @@
   <p:cSld>
     <p:spTree>
       <p:nvGrpSpPr>
-        <p:cNvPr id="208" name="Shape 208"/>
+        <p:cNvPr id="207" name="Shape 207"/>
         <p:cNvGrpSpPr/>
         <p:nvPr/>
       </p:nvGrpSpPr>
@@ -1451,7 +1450,7 @@
       </p:grpSpPr>
       <p:sp>
         <p:nvSpPr>
-          <p:cNvPr id="209" name="Google Shape;209;g11a44ce9054_0_202:notes"/>
+          <p:cNvPr id="208" name="Google Shape;208;g11a44ce9054_0_207:notes"/>
           <p:cNvSpPr/>
           <p:nvPr>
             <p:ph idx="2" type="sldImg"/>
@@ -1486,7 +1485,7 @@
       </p:sp>
       <p:sp>
         <p:nvSpPr>
-          <p:cNvPr id="210" name="Google Shape;210;g11a44ce9054_0_202:notes"/>
+          <p:cNvPr id="209" name="Google Shape;209;g11a44ce9054_0_207:notes"/>
           <p:cNvSpPr txBox="1"/>
           <p:nvPr>
             <p:ph idx="1" type="body"/>
@@ -1536,7 +1535,7 @@
   <p:cSld>
     <p:spTree>
       <p:nvGrpSpPr>
-        <p:cNvPr id="214" name="Shape 214"/>
+        <p:cNvPr id="213" name="Shape 213"/>
         <p:cNvGrpSpPr/>
         <p:nvPr/>
       </p:nvGrpSpPr>
@@ -1550,7 +1549,7 @@
       </p:grpSpPr>
       <p:sp>
         <p:nvSpPr>
-          <p:cNvPr id="215" name="Google Shape;215;g11a44ce9054_0_207:notes"/>
+          <p:cNvPr id="214" name="Google Shape;214;g11a44ce9054_0_214:notes"/>
           <p:cNvSpPr/>
           <p:nvPr>
             <p:ph idx="2" type="sldImg"/>
@@ -1585,7 +1584,7 @@
       </p:sp>
       <p:sp>
         <p:nvSpPr>
-          <p:cNvPr id="216" name="Google Shape;216;g11a44ce9054_0_207:notes"/>
+          <p:cNvPr id="215" name="Google Shape;215;g11a44ce9054_0_214:notes"/>
           <p:cNvSpPr txBox="1"/>
           <p:nvPr>
             <p:ph idx="1" type="body"/>
@@ -1635,7 +1634,7 @@
   <p:cSld>
     <p:spTree>
       <p:nvGrpSpPr>
-        <p:cNvPr id="220" name="Shape 220"/>
+        <p:cNvPr id="230" name="Shape 230"/>
         <p:cNvGrpSpPr/>
         <p:nvPr/>
       </p:nvGrpSpPr>
@@ -1649,106 +1648,7 @@
       </p:grpSpPr>
       <p:sp>
         <p:nvSpPr>
-          <p:cNvPr id="221" name="Google Shape;221;g11a44ce9054_0_214:notes"/>
-          <p:cNvSpPr/>
-          <p:nvPr>
-            <p:ph idx="2" type="sldImg"/>
-          </p:nvPr>
-        </p:nvSpPr>
-        <p:spPr>
-          <a:xfrm>
-            <a:off x="381300" y="685800"/>
-            <a:ext cx="6096000" cy="3429000"/>
-          </a:xfrm>
-          <a:custGeom>
-            <a:rect b="b" l="l" r="r" t="t"/>
-            <a:pathLst>
-              <a:path extrusionOk="0" h="120000" w="120000">
-                <a:moveTo>
-                  <a:pt x="0" y="0"/>
-                </a:moveTo>
-                <a:lnTo>
-                  <a:pt x="120000" y="0"/>
-                </a:lnTo>
-                <a:lnTo>
-                  <a:pt x="120000" y="120000"/>
-                </a:lnTo>
-                <a:lnTo>
-                  <a:pt x="0" y="120000"/>
-                </a:lnTo>
-                <a:close/>
-              </a:path>
-            </a:pathLst>
-          </a:custGeom>
-        </p:spPr>
-      </p:sp>
-      <p:sp>
-        <p:nvSpPr>
-          <p:cNvPr id="222" name="Google Shape;222;g11a44ce9054_0_214:notes"/>
-          <p:cNvSpPr txBox="1"/>
-          <p:nvPr>
-            <p:ph idx="1" type="body"/>
-          </p:nvPr>
-        </p:nvSpPr>
-        <p:spPr>
-          <a:xfrm>
-            <a:off x="685800" y="4343400"/>
-            <a:ext cx="5486400" cy="4114800"/>
-          </a:xfrm>
-          <a:prstGeom prst="rect">
-            <a:avLst/>
-          </a:prstGeom>
-        </p:spPr>
-        <p:txBody>
-          <a:bodyPr anchorCtr="0" anchor="t" bIns="91425" lIns="91425" spcFirstLastPara="1" rIns="91425" wrap="square" tIns="91425">
-            <a:noAutofit/>
-          </a:bodyPr>
-          <a:lstStyle/>
-          <a:p>
-            <a:pPr indent="0" lvl="0" marL="0" rtl="0" algn="l">
-              <a:spcBef>
-                <a:spcPts val="0"/>
-              </a:spcBef>
-              <a:spcAft>
-                <a:spcPts val="0"/>
-              </a:spcAft>
-              <a:buNone/>
-            </a:pPr>
-            <a:r>
-              <a:t/>
-            </a:r>
-            <a:endParaRPr/>
-          </a:p>
-        </p:txBody>
-      </p:sp>
-    </p:spTree>
-  </p:cSld>
-  <p:clrMapOvr>
-    <a:masterClrMapping/>
-  </p:clrMapOvr>
-</p:notes>
-</file>
-
-<file path=ppt/notesSlides/notesSlide19.xml><?xml version="1.0" encoding="utf-8"?>
-<p:notes xmlns:a="http://schemas.openxmlformats.org/drawingml/2006/main" xmlns:r="http://schemas.openxmlformats.org/officeDocument/2006/relationships" xmlns:mc="http://schemas.openxmlformats.org/markup-compatibility/2006" xmlns:mv="urn:schemas-microsoft-com:mac:vml" xmlns:p="http://schemas.openxmlformats.org/presentationml/2006/main" xmlns:c="http://schemas.openxmlformats.org/drawingml/2006/chart" xmlns:dgm="http://schemas.openxmlformats.org/drawingml/2006/diagram" xmlns:o="urn:schemas-microsoft-com:office:office" xmlns:v="urn:schemas-microsoft-com:vml" xmlns:pvml="urn:schemas-microsoft-com:office:powerpoint" xmlns:com="http://schemas.openxmlformats.org/drawingml/2006/compatibility" xmlns:p14="http://schemas.microsoft.com/office/powerpoint/2010/main" xmlns:p15="http://schemas.microsoft.com/office/powerpoint/2012/main" xmlns:ahyp="http://schemas.microsoft.com/office/drawing/2018/hyperlinkcolor" showMasterPhAnim="0" showMasterSp="0">
-  <p:cSld>
-    <p:spTree>
-      <p:nvGrpSpPr>
-        <p:cNvPr id="237" name="Shape 237"/>
-        <p:cNvGrpSpPr/>
-        <p:nvPr/>
-      </p:nvGrpSpPr>
-      <p:grpSpPr>
-        <a:xfrm>
-          <a:off x="0" y="0"/>
-          <a:ext cx="0" cy="0"/>
-          <a:chOff x="0" y="0"/>
-          <a:chExt cx="0" cy="0"/>
-        </a:xfrm>
-      </p:grpSpPr>
-      <p:sp>
-        <p:nvSpPr>
-          <p:cNvPr id="238" name="Google Shape;238;g11067ab5da8_1_806:notes"/>
+          <p:cNvPr id="231" name="Google Shape;231;g11067ab5da8_1_806:notes"/>
           <p:cNvSpPr/>
           <p:nvPr>
             <p:ph idx="2" type="sldImg"/>
@@ -1793,7 +1693,7 @@
       </p:sp>
       <p:sp>
         <p:nvSpPr>
-          <p:cNvPr id="239" name="Google Shape;239;g11067ab5da8_1_806:notes"/>
+          <p:cNvPr id="232" name="Google Shape;232;g11067ab5da8_1_806:notes"/>
           <p:cNvSpPr txBox="1"/>
           <p:nvPr>
             <p:ph idx="1" type="body"/>
@@ -1829,6 +1729,105 @@
                 <a:spcPts val="0"/>
               </a:spcAft>
               <a:buSzPts val="1100"/>
+              <a:buNone/>
+            </a:pPr>
+            <a:r>
+              <a:t/>
+            </a:r>
+            <a:endParaRPr/>
+          </a:p>
+        </p:txBody>
+      </p:sp>
+    </p:spTree>
+  </p:cSld>
+  <p:clrMapOvr>
+    <a:masterClrMapping/>
+  </p:clrMapOvr>
+</p:notes>
+</file>
+
+<file path=ppt/notesSlides/notesSlide19.xml><?xml version="1.0" encoding="utf-8"?>
+<p:notes xmlns:a="http://schemas.openxmlformats.org/drawingml/2006/main" xmlns:r="http://schemas.openxmlformats.org/officeDocument/2006/relationships" xmlns:mc="http://schemas.openxmlformats.org/markup-compatibility/2006" xmlns:mv="urn:schemas-microsoft-com:mac:vml" xmlns:p="http://schemas.openxmlformats.org/presentationml/2006/main" xmlns:c="http://schemas.openxmlformats.org/drawingml/2006/chart" xmlns:dgm="http://schemas.openxmlformats.org/drawingml/2006/diagram" xmlns:o="urn:schemas-microsoft-com:office:office" xmlns:v="urn:schemas-microsoft-com:vml" xmlns:pvml="urn:schemas-microsoft-com:office:powerpoint" xmlns:com="http://schemas.openxmlformats.org/drawingml/2006/compatibility" xmlns:p14="http://schemas.microsoft.com/office/powerpoint/2010/main" xmlns:p15="http://schemas.microsoft.com/office/powerpoint/2012/main" xmlns:ahyp="http://schemas.microsoft.com/office/drawing/2018/hyperlinkcolor" showMasterPhAnim="0" showMasterSp="0">
+  <p:cSld>
+    <p:spTree>
+      <p:nvGrpSpPr>
+        <p:cNvPr id="236" name="Shape 236"/>
+        <p:cNvGrpSpPr/>
+        <p:nvPr/>
+      </p:nvGrpSpPr>
+      <p:grpSpPr>
+        <a:xfrm>
+          <a:off x="0" y="0"/>
+          <a:ext cx="0" cy="0"/>
+          <a:chOff x="0" y="0"/>
+          <a:chExt cx="0" cy="0"/>
+        </a:xfrm>
+      </p:grpSpPr>
+      <p:sp>
+        <p:nvSpPr>
+          <p:cNvPr id="237" name="Google Shape;237;g1192491db6b_0_110:notes"/>
+          <p:cNvSpPr/>
+          <p:nvPr>
+            <p:ph idx="2" type="sldImg"/>
+          </p:nvPr>
+        </p:nvSpPr>
+        <p:spPr>
+          <a:xfrm>
+            <a:off x="381300" y="685800"/>
+            <a:ext cx="6096000" cy="3429000"/>
+          </a:xfrm>
+          <a:custGeom>
+            <a:rect b="b" l="l" r="r" t="t"/>
+            <a:pathLst>
+              <a:path extrusionOk="0" h="120000" w="120000">
+                <a:moveTo>
+                  <a:pt x="0" y="0"/>
+                </a:moveTo>
+                <a:lnTo>
+                  <a:pt x="120000" y="0"/>
+                </a:lnTo>
+                <a:lnTo>
+                  <a:pt x="120000" y="120000"/>
+                </a:lnTo>
+                <a:lnTo>
+                  <a:pt x="0" y="120000"/>
+                </a:lnTo>
+                <a:close/>
+              </a:path>
+            </a:pathLst>
+          </a:custGeom>
+        </p:spPr>
+      </p:sp>
+      <p:sp>
+        <p:nvSpPr>
+          <p:cNvPr id="238" name="Google Shape;238;g1192491db6b_0_110:notes"/>
+          <p:cNvSpPr txBox="1"/>
+          <p:nvPr>
+            <p:ph idx="1" type="body"/>
+          </p:nvPr>
+        </p:nvSpPr>
+        <p:spPr>
+          <a:xfrm>
+            <a:off x="685800" y="4343400"/>
+            <a:ext cx="5486400" cy="4114800"/>
+          </a:xfrm>
+          <a:prstGeom prst="rect">
+            <a:avLst/>
+          </a:prstGeom>
+        </p:spPr>
+        <p:txBody>
+          <a:bodyPr anchorCtr="0" anchor="t" bIns="91425" lIns="91425" spcFirstLastPara="1" rIns="91425" wrap="square" tIns="91425">
+            <a:noAutofit/>
+          </a:bodyPr>
+          <a:lstStyle/>
+          <a:p>
+            <a:pPr indent="0" lvl="0" marL="0" rtl="0" algn="l">
+              <a:spcBef>
+                <a:spcPts val="0"/>
+              </a:spcBef>
+              <a:spcAft>
+                <a:spcPts val="0"/>
+              </a:spcAft>
               <a:buNone/>
             </a:pPr>
             <a:r>
@@ -1968,7 +1967,7 @@
   <p:cSld>
     <p:spTree>
       <p:nvGrpSpPr>
-        <p:cNvPr id="243" name="Shape 243"/>
+        <p:cNvPr id="245" name="Shape 245"/>
         <p:cNvGrpSpPr/>
         <p:nvPr/>
       </p:nvGrpSpPr>
@@ -1982,7 +1981,7 @@
       </p:grpSpPr>
       <p:sp>
         <p:nvSpPr>
-          <p:cNvPr id="244" name="Google Shape;244;g1192491db6b_0_110:notes"/>
+          <p:cNvPr id="246" name="Google Shape;246;g1192491db6b_0_100:notes"/>
           <p:cNvSpPr/>
           <p:nvPr>
             <p:ph idx="2" type="sldImg"/>
@@ -2017,7 +2016,7 @@
       </p:sp>
       <p:sp>
         <p:nvSpPr>
-          <p:cNvPr id="245" name="Google Shape;245;g1192491db6b_0_110:notes"/>
+          <p:cNvPr id="247" name="Google Shape;247;g1192491db6b_0_100:notes"/>
           <p:cNvSpPr txBox="1"/>
           <p:nvPr>
             <p:ph idx="1" type="body"/>
@@ -2067,7 +2066,7 @@
   <p:cSld>
     <p:spTree>
       <p:nvGrpSpPr>
-        <p:cNvPr id="251" name="Shape 251"/>
+        <p:cNvPr id="255" name="Shape 255"/>
         <p:cNvGrpSpPr/>
         <p:nvPr/>
       </p:nvGrpSpPr>
@@ -2081,7 +2080,7 @@
       </p:grpSpPr>
       <p:sp>
         <p:nvSpPr>
-          <p:cNvPr id="252" name="Google Shape;252;g1192491db6b_0_100:notes"/>
+          <p:cNvPr id="256" name="Google Shape;256;g119b2ef0887_0_51:notes"/>
           <p:cNvSpPr/>
           <p:nvPr>
             <p:ph idx="2" type="sldImg"/>
@@ -2116,7 +2115,7 @@
       </p:sp>
       <p:sp>
         <p:nvSpPr>
-          <p:cNvPr id="253" name="Google Shape;253;g1192491db6b_0_100:notes"/>
+          <p:cNvPr id="257" name="Google Shape;257;g119b2ef0887_0_51:notes"/>
           <p:cNvSpPr txBox="1"/>
           <p:nvPr>
             <p:ph idx="1" type="body"/>
@@ -2166,7 +2165,7 @@
   <p:cSld>
     <p:spTree>
       <p:nvGrpSpPr>
-        <p:cNvPr id="260" name="Shape 260"/>
+        <p:cNvPr id="264" name="Shape 264"/>
         <p:cNvGrpSpPr/>
         <p:nvPr/>
       </p:nvGrpSpPr>
@@ -2180,7 +2179,7 @@
       </p:grpSpPr>
       <p:sp>
         <p:nvSpPr>
-          <p:cNvPr id="261" name="Google Shape;261;g119b2ef0887_0_51:notes"/>
+          <p:cNvPr id="265" name="Google Shape;265;g119b2ef0887_0_59:notes"/>
           <p:cNvSpPr/>
           <p:nvPr>
             <p:ph idx="2" type="sldImg"/>
@@ -2215,7 +2214,7 @@
       </p:sp>
       <p:sp>
         <p:nvSpPr>
-          <p:cNvPr id="262" name="Google Shape;262;g119b2ef0887_0_51:notes"/>
+          <p:cNvPr id="266" name="Google Shape;266;g119b2ef0887_0_59:notes"/>
           <p:cNvSpPr txBox="1"/>
           <p:nvPr>
             <p:ph idx="1" type="body"/>
@@ -2265,7 +2264,7 @@
   <p:cSld>
     <p:spTree>
       <p:nvGrpSpPr>
-        <p:cNvPr id="269" name="Shape 269"/>
+        <p:cNvPr id="272" name="Shape 272"/>
         <p:cNvGrpSpPr/>
         <p:nvPr/>
       </p:nvGrpSpPr>
@@ -2279,7 +2278,7 @@
       </p:grpSpPr>
       <p:sp>
         <p:nvSpPr>
-          <p:cNvPr id="270" name="Google Shape;270;g119b2ef0887_0_59:notes"/>
+          <p:cNvPr id="273" name="Google Shape;273;g119b2ef0887_0_66:notes"/>
           <p:cNvSpPr/>
           <p:nvPr>
             <p:ph idx="2" type="sldImg"/>
@@ -2314,7 +2313,7 @@
       </p:sp>
       <p:sp>
         <p:nvSpPr>
-          <p:cNvPr id="271" name="Google Shape;271;g119b2ef0887_0_59:notes"/>
+          <p:cNvPr id="274" name="Google Shape;274;g119b2ef0887_0_66:notes"/>
           <p:cNvSpPr txBox="1"/>
           <p:nvPr>
             <p:ph idx="1" type="body"/>
@@ -2364,7 +2363,7 @@
   <p:cSld>
     <p:spTree>
       <p:nvGrpSpPr>
-        <p:cNvPr id="277" name="Shape 277"/>
+        <p:cNvPr id="279" name="Shape 279"/>
         <p:cNvGrpSpPr/>
         <p:nvPr/>
       </p:nvGrpSpPr>
@@ -2378,7 +2377,7 @@
       </p:grpSpPr>
       <p:sp>
         <p:nvSpPr>
-          <p:cNvPr id="278" name="Google Shape;278;g119b2ef0887_0_66:notes"/>
+          <p:cNvPr id="280" name="Google Shape;280;g119b2ef0887_0_72:notes"/>
           <p:cNvSpPr/>
           <p:nvPr>
             <p:ph idx="2" type="sldImg"/>
@@ -2413,7 +2412,7 @@
       </p:sp>
       <p:sp>
         <p:nvSpPr>
-          <p:cNvPr id="279" name="Google Shape;279;g119b2ef0887_0_66:notes"/>
+          <p:cNvPr id="281" name="Google Shape;281;g119b2ef0887_0_72:notes"/>
           <p:cNvSpPr txBox="1"/>
           <p:nvPr>
             <p:ph idx="1" type="body"/>
@@ -2463,7 +2462,7 @@
   <p:cSld>
     <p:spTree>
       <p:nvGrpSpPr>
-        <p:cNvPr id="284" name="Shape 284"/>
+        <p:cNvPr id="288" name="Shape 288"/>
         <p:cNvGrpSpPr/>
         <p:nvPr/>
       </p:nvGrpSpPr>
@@ -2477,7 +2476,7 @@
       </p:grpSpPr>
       <p:sp>
         <p:nvSpPr>
-          <p:cNvPr id="285" name="Google Shape;285;g119b2ef0887_0_72:notes"/>
+          <p:cNvPr id="289" name="Google Shape;289;g119b2ef0887_0_80:notes"/>
           <p:cNvSpPr/>
           <p:nvPr>
             <p:ph idx="2" type="sldImg"/>
@@ -2512,7 +2511,7 @@
       </p:sp>
       <p:sp>
         <p:nvSpPr>
-          <p:cNvPr id="286" name="Google Shape;286;g119b2ef0887_0_72:notes"/>
+          <p:cNvPr id="290" name="Google Shape;290;g119b2ef0887_0_80:notes"/>
           <p:cNvSpPr txBox="1"/>
           <p:nvPr>
             <p:ph idx="1" type="body"/>
@@ -2562,7 +2561,7 @@
   <p:cSld>
     <p:spTree>
       <p:nvGrpSpPr>
-        <p:cNvPr id="293" name="Shape 293"/>
+        <p:cNvPr id="295" name="Shape 295"/>
         <p:cNvGrpSpPr/>
         <p:nvPr/>
       </p:nvGrpSpPr>
@@ -2576,7 +2575,7 @@
       </p:grpSpPr>
       <p:sp>
         <p:nvSpPr>
-          <p:cNvPr id="294" name="Google Shape;294;g119b2ef0887_0_80:notes"/>
+          <p:cNvPr id="296" name="Google Shape;296;g119b2ef0887_0_86:notes"/>
           <p:cNvSpPr/>
           <p:nvPr>
             <p:ph idx="2" type="sldImg"/>
@@ -2611,7 +2610,7 @@
       </p:sp>
       <p:sp>
         <p:nvSpPr>
-          <p:cNvPr id="295" name="Google Shape;295;g119b2ef0887_0_80:notes"/>
+          <p:cNvPr id="297" name="Google Shape;297;g119b2ef0887_0_86:notes"/>
           <p:cNvSpPr txBox="1"/>
           <p:nvPr>
             <p:ph idx="1" type="body"/>
@@ -2661,7 +2660,7 @@
   <p:cSld>
     <p:spTree>
       <p:nvGrpSpPr>
-        <p:cNvPr id="300" name="Shape 300"/>
+        <p:cNvPr id="302" name="Shape 302"/>
         <p:cNvGrpSpPr/>
         <p:nvPr/>
       </p:nvGrpSpPr>
@@ -2675,106 +2674,7 @@
       </p:grpSpPr>
       <p:sp>
         <p:nvSpPr>
-          <p:cNvPr id="301" name="Google Shape;301;g119b2ef0887_0_86:notes"/>
-          <p:cNvSpPr/>
-          <p:nvPr>
-            <p:ph idx="2" type="sldImg"/>
-          </p:nvPr>
-        </p:nvSpPr>
-        <p:spPr>
-          <a:xfrm>
-            <a:off x="381300" y="685800"/>
-            <a:ext cx="6096000" cy="3429000"/>
-          </a:xfrm>
-          <a:custGeom>
-            <a:rect b="b" l="l" r="r" t="t"/>
-            <a:pathLst>
-              <a:path extrusionOk="0" h="120000" w="120000">
-                <a:moveTo>
-                  <a:pt x="0" y="0"/>
-                </a:moveTo>
-                <a:lnTo>
-                  <a:pt x="120000" y="0"/>
-                </a:lnTo>
-                <a:lnTo>
-                  <a:pt x="120000" y="120000"/>
-                </a:lnTo>
-                <a:lnTo>
-                  <a:pt x="0" y="120000"/>
-                </a:lnTo>
-                <a:close/>
-              </a:path>
-            </a:pathLst>
-          </a:custGeom>
-        </p:spPr>
-      </p:sp>
-      <p:sp>
-        <p:nvSpPr>
-          <p:cNvPr id="302" name="Google Shape;302;g119b2ef0887_0_86:notes"/>
-          <p:cNvSpPr txBox="1"/>
-          <p:nvPr>
-            <p:ph idx="1" type="body"/>
-          </p:nvPr>
-        </p:nvSpPr>
-        <p:spPr>
-          <a:xfrm>
-            <a:off x="685800" y="4343400"/>
-            <a:ext cx="5486400" cy="4114800"/>
-          </a:xfrm>
-          <a:prstGeom prst="rect">
-            <a:avLst/>
-          </a:prstGeom>
-        </p:spPr>
-        <p:txBody>
-          <a:bodyPr anchorCtr="0" anchor="t" bIns="91425" lIns="91425" spcFirstLastPara="1" rIns="91425" wrap="square" tIns="91425">
-            <a:noAutofit/>
-          </a:bodyPr>
-          <a:lstStyle/>
-          <a:p>
-            <a:pPr indent="0" lvl="0" marL="0" rtl="0" algn="l">
-              <a:spcBef>
-                <a:spcPts val="0"/>
-              </a:spcBef>
-              <a:spcAft>
-                <a:spcPts val="0"/>
-              </a:spcAft>
-              <a:buNone/>
-            </a:pPr>
-            <a:r>
-              <a:t/>
-            </a:r>
-            <a:endParaRPr/>
-          </a:p>
-        </p:txBody>
-      </p:sp>
-    </p:spTree>
-  </p:cSld>
-  <p:clrMapOvr>
-    <a:masterClrMapping/>
-  </p:clrMapOvr>
-</p:notes>
-</file>
-
-<file path=ppt/notesSlides/notesSlide28.xml><?xml version="1.0" encoding="utf-8"?>
-<p:notes xmlns:a="http://schemas.openxmlformats.org/drawingml/2006/main" xmlns:r="http://schemas.openxmlformats.org/officeDocument/2006/relationships" xmlns:mc="http://schemas.openxmlformats.org/markup-compatibility/2006" xmlns:mv="urn:schemas-microsoft-com:mac:vml" xmlns:p="http://schemas.openxmlformats.org/presentationml/2006/main" xmlns:c="http://schemas.openxmlformats.org/drawingml/2006/chart" xmlns:dgm="http://schemas.openxmlformats.org/drawingml/2006/diagram" xmlns:o="urn:schemas-microsoft-com:office:office" xmlns:v="urn:schemas-microsoft-com:vml" xmlns:pvml="urn:schemas-microsoft-com:office:powerpoint" xmlns:com="http://schemas.openxmlformats.org/drawingml/2006/compatibility" xmlns:p14="http://schemas.microsoft.com/office/powerpoint/2010/main" xmlns:p15="http://schemas.microsoft.com/office/powerpoint/2012/main" xmlns:ahyp="http://schemas.microsoft.com/office/drawing/2018/hyperlinkcolor" showMasterPhAnim="0" showMasterSp="0">
-  <p:cSld>
-    <p:spTree>
-      <p:nvGrpSpPr>
-        <p:cNvPr id="307" name="Shape 307"/>
-        <p:cNvGrpSpPr/>
-        <p:nvPr/>
-      </p:nvGrpSpPr>
-      <p:grpSpPr>
-        <a:xfrm>
-          <a:off x="0" y="0"/>
-          <a:ext cx="0" cy="0"/>
-          <a:chOff x="0" y="0"/>
-          <a:chExt cx="0" cy="0"/>
-        </a:xfrm>
-      </p:grpSpPr>
-      <p:sp>
-        <p:nvSpPr>
-          <p:cNvPr id="308" name="Google Shape;308;g11067ab5da8_1_856:notes"/>
+          <p:cNvPr id="303" name="Google Shape;303;g11067ab5da8_1_856:notes"/>
           <p:cNvSpPr/>
           <p:nvPr>
             <p:ph idx="2" type="sldImg"/>
@@ -2819,7 +2719,7 @@
       </p:sp>
       <p:sp>
         <p:nvSpPr>
-          <p:cNvPr id="309" name="Google Shape;309;g11067ab5da8_1_856:notes"/>
+          <p:cNvPr id="304" name="Google Shape;304;g11067ab5da8_1_856:notes"/>
           <p:cNvSpPr txBox="1"/>
           <p:nvPr>
             <p:ph idx="1" type="body"/>
@@ -2872,12 +2772,12 @@
 </p:notes>
 </file>
 
-<file path=ppt/notesSlides/notesSlide29.xml><?xml version="1.0" encoding="utf-8"?>
+<file path=ppt/notesSlides/notesSlide28.xml><?xml version="1.0" encoding="utf-8"?>
 <p:notes xmlns:a="http://schemas.openxmlformats.org/drawingml/2006/main" xmlns:r="http://schemas.openxmlformats.org/officeDocument/2006/relationships" xmlns:mc="http://schemas.openxmlformats.org/markup-compatibility/2006" xmlns:mv="urn:schemas-microsoft-com:mac:vml" xmlns:p="http://schemas.openxmlformats.org/presentationml/2006/main" xmlns:c="http://schemas.openxmlformats.org/drawingml/2006/chart" xmlns:dgm="http://schemas.openxmlformats.org/drawingml/2006/diagram" xmlns:o="urn:schemas-microsoft-com:office:office" xmlns:v="urn:schemas-microsoft-com:vml" xmlns:pvml="urn:schemas-microsoft-com:office:powerpoint" xmlns:com="http://schemas.openxmlformats.org/drawingml/2006/compatibility" xmlns:p14="http://schemas.microsoft.com/office/powerpoint/2010/main" xmlns:p15="http://schemas.microsoft.com/office/powerpoint/2012/main" xmlns:ahyp="http://schemas.microsoft.com/office/drawing/2018/hyperlinkcolor" showMasterPhAnim="0" showMasterSp="0">
   <p:cSld>
     <p:spTree>
       <p:nvGrpSpPr>
-        <p:cNvPr id="313" name="Shape 313"/>
+        <p:cNvPr id="308" name="Shape 308"/>
         <p:cNvGrpSpPr/>
         <p:nvPr/>
       </p:nvGrpSpPr>
@@ -2891,7 +2791,7 @@
       </p:grpSpPr>
       <p:sp>
         <p:nvSpPr>
-          <p:cNvPr id="314" name="Google Shape;314;g11067ab5da8_1_906:notes"/>
+          <p:cNvPr id="309" name="Google Shape;309;g11067ab5da8_1_906:notes"/>
           <p:cNvSpPr/>
           <p:nvPr>
             <p:ph idx="2" type="sldImg"/>
@@ -2936,7 +2836,7 @@
       </p:sp>
       <p:sp>
         <p:nvSpPr>
-          <p:cNvPr id="315" name="Google Shape;315;g11067ab5da8_1_906:notes"/>
+          <p:cNvPr id="310" name="Google Shape;310;g11067ab5da8_1_906:notes"/>
           <p:cNvSpPr txBox="1"/>
           <p:nvPr>
             <p:ph idx="1" type="body"/>
@@ -10197,7 +10097,7 @@
         </p:nvSpPr>
         <p:spPr>
           <a:xfrm>
-            <a:off x="270900" y="198100"/>
+            <a:off x="270900" y="223538"/>
             <a:ext cx="8602200" cy="492600"/>
           </a:xfrm>
           <a:prstGeom prst="rect">
@@ -10241,7 +10141,7 @@
                 <a:cs typeface="Play"/>
                 <a:sym typeface="Play"/>
               </a:rPr>
-              <a:t>Amazon Polly</a:t>
+              <a:t>Amazon Lex - Use Cases</a:t>
             </a:r>
             <a:endParaRPr b="1" sz="2000">
               <a:solidFill>
@@ -10263,248 +10163,6 @@
         </p:nvSpPr>
         <p:spPr>
           <a:xfrm>
-            <a:off x="270900" y="777075"/>
-            <a:ext cx="8602200" cy="2168700"/>
-          </a:xfrm>
-          <a:prstGeom prst="rect">
-            <a:avLst/>
-          </a:prstGeom>
-          <a:noFill/>
-          <a:ln>
-            <a:noFill/>
-          </a:ln>
-        </p:spPr>
-        <p:txBody>
-          <a:bodyPr anchorCtr="0" anchor="ctr" bIns="91425" lIns="91425" spcFirstLastPara="1" rIns="91425" wrap="square" tIns="91425">
-            <a:noAutofit/>
-          </a:bodyPr>
-          <a:lstStyle/>
-          <a:p>
-            <a:pPr indent="-317500" lvl="0" marL="457200" rtl="0" algn="just">
-              <a:lnSpc>
-                <a:spcPct val="150000"/>
-              </a:lnSpc>
-              <a:spcBef>
-                <a:spcPts val="0"/>
-              </a:spcBef>
-              <a:spcAft>
-                <a:spcPts val="0"/>
-              </a:spcAft>
-              <a:buSzPts val="1400"/>
-              <a:buFont typeface="Play"/>
-              <a:buChar char="-"/>
-            </a:pPr>
-            <a:r>
-              <a:rPr lang="en-GB">
-                <a:highlight>
-                  <a:srgbClr val="FFFFFF"/>
-                </a:highlight>
-                <a:latin typeface="Play"/>
-                <a:ea typeface="Play"/>
-                <a:cs typeface="Play"/>
-                <a:sym typeface="Play"/>
-              </a:rPr>
-              <a:t>Amazon Polly is a service that converts text into natural speech, allowing developers to create applications that talk back to users with a custom voice and build speech-enabled applications and products using Text-to-Speech (TTS) service. </a:t>
-            </a:r>
-            <a:endParaRPr>
-              <a:highlight>
-                <a:srgbClr val="FFFFFF"/>
-              </a:highlight>
-              <a:latin typeface="Play"/>
-              <a:ea typeface="Play"/>
-              <a:cs typeface="Play"/>
-              <a:sym typeface="Play"/>
-            </a:endParaRPr>
-          </a:p>
-          <a:p>
-            <a:pPr indent="0" lvl="0" marL="0" rtl="0" algn="just">
-              <a:lnSpc>
-                <a:spcPct val="150000"/>
-              </a:lnSpc>
-              <a:spcBef>
-                <a:spcPts val="0"/>
-              </a:spcBef>
-              <a:spcAft>
-                <a:spcPts val="0"/>
-              </a:spcAft>
-              <a:buNone/>
-            </a:pPr>
-            <a:r>
-              <a:t/>
-            </a:r>
-            <a:endParaRPr>
-              <a:highlight>
-                <a:srgbClr val="FFFFFF"/>
-              </a:highlight>
-              <a:latin typeface="Play"/>
-              <a:ea typeface="Play"/>
-              <a:cs typeface="Play"/>
-              <a:sym typeface="Play"/>
-            </a:endParaRPr>
-          </a:p>
-          <a:p>
-            <a:pPr indent="-317500" lvl="0" marL="457200" rtl="0" algn="just">
-              <a:lnSpc>
-                <a:spcPct val="150000"/>
-              </a:lnSpc>
-              <a:spcBef>
-                <a:spcPts val="0"/>
-              </a:spcBef>
-              <a:spcAft>
-                <a:spcPts val="0"/>
-              </a:spcAft>
-              <a:buSzPts val="1400"/>
-              <a:buFont typeface="Play"/>
-              <a:buChar char="-"/>
-            </a:pPr>
-            <a:r>
-              <a:rPr lang="en-GB">
-                <a:highlight>
-                  <a:srgbClr val="FFFFFF"/>
-                </a:highlight>
-                <a:latin typeface="Play"/>
-                <a:ea typeface="Play"/>
-                <a:cs typeface="Play"/>
-                <a:sym typeface="Play"/>
-              </a:rPr>
-              <a:t>Amazon Polly is offered with over a dozen languages in both male and female voices to help target global audiences.</a:t>
-            </a:r>
-            <a:endParaRPr>
-              <a:latin typeface="Play"/>
-              <a:ea typeface="Play"/>
-              <a:cs typeface="Play"/>
-              <a:sym typeface="Play"/>
-            </a:endParaRPr>
-          </a:p>
-        </p:txBody>
-      </p:sp>
-      <p:pic>
-        <p:nvPicPr>
-          <p:cNvPr id="182" name="Google Shape;182;p25"/>
-          <p:cNvPicPr preferRelativeResize="0"/>
-          <p:nvPr/>
-        </p:nvPicPr>
-        <p:blipFill>
-          <a:blip r:embed="rId3">
-            <a:alphaModFix/>
-          </a:blip>
-          <a:stretch>
-            <a:fillRect/>
-          </a:stretch>
-        </p:blipFill>
-        <p:spPr>
-          <a:xfrm>
-            <a:off x="2309175" y="2945775"/>
-            <a:ext cx="4525650" cy="1918100"/>
-          </a:xfrm>
-          <a:prstGeom prst="rect">
-            <a:avLst/>
-          </a:prstGeom>
-          <a:noFill/>
-          <a:ln>
-            <a:noFill/>
-          </a:ln>
-        </p:spPr>
-      </p:pic>
-    </p:spTree>
-  </p:cSld>
-  <p:clrMapOvr>
-    <a:masterClrMapping/>
-  </p:clrMapOvr>
-</p:sld>
-</file>
-
-<file path=ppt/slides/slide14.xml><?xml version="1.0" encoding="utf-8"?>
-<p:sld xmlns:a="http://schemas.openxmlformats.org/drawingml/2006/main" xmlns:r="http://schemas.openxmlformats.org/officeDocument/2006/relationships" xmlns:mc="http://schemas.openxmlformats.org/markup-compatibility/2006" xmlns:mv="urn:schemas-microsoft-com:mac:vml" xmlns:p="http://schemas.openxmlformats.org/presentationml/2006/main" xmlns:c="http://schemas.openxmlformats.org/drawingml/2006/chart" xmlns:dgm="http://schemas.openxmlformats.org/drawingml/2006/diagram" xmlns:o="urn:schemas-microsoft-com:office:office" xmlns:v="urn:schemas-microsoft-com:vml" xmlns:pvml="urn:schemas-microsoft-com:office:powerpoint" xmlns:com="http://schemas.openxmlformats.org/drawingml/2006/compatibility" xmlns:p14="http://schemas.microsoft.com/office/powerpoint/2010/main" xmlns:p15="http://schemas.microsoft.com/office/powerpoint/2012/main" xmlns:ahyp="http://schemas.microsoft.com/office/drawing/2018/hyperlinkcolor">
-  <p:cSld>
-    <p:spTree>
-      <p:nvGrpSpPr>
-        <p:cNvPr id="186" name="Shape 186"/>
-        <p:cNvGrpSpPr/>
-        <p:nvPr/>
-      </p:nvGrpSpPr>
-      <p:grpSpPr>
-        <a:xfrm>
-          <a:off x="0" y="0"/>
-          <a:ext cx="0" cy="0"/>
-          <a:chOff x="0" y="0"/>
-          <a:chExt cx="0" cy="0"/>
-        </a:xfrm>
-      </p:grpSpPr>
-      <p:sp>
-        <p:nvSpPr>
-          <p:cNvPr id="187" name="Google Shape;187;p26"/>
-          <p:cNvSpPr txBox="1"/>
-          <p:nvPr/>
-        </p:nvSpPr>
-        <p:spPr>
-          <a:xfrm>
-            <a:off x="270900" y="223538"/>
-            <a:ext cx="8602200" cy="492600"/>
-          </a:xfrm>
-          <a:prstGeom prst="rect">
-            <a:avLst/>
-          </a:prstGeom>
-          <a:noFill/>
-          <a:ln>
-            <a:noFill/>
-          </a:ln>
-        </p:spPr>
-        <p:txBody>
-          <a:bodyPr anchorCtr="0" anchor="t" bIns="91425" lIns="91425" spcFirstLastPara="1" rIns="91425" wrap="square" tIns="91425">
-            <a:spAutoFit/>
-          </a:bodyPr>
-          <a:lstStyle/>
-          <a:p>
-            <a:pPr indent="0" lvl="0" marL="0" marR="0" rtl="0" algn="just">
-              <a:lnSpc>
-                <a:spcPct val="100000"/>
-              </a:lnSpc>
-              <a:spcBef>
-                <a:spcPts val="0"/>
-              </a:spcBef>
-              <a:spcAft>
-                <a:spcPts val="0"/>
-              </a:spcAft>
-              <a:buClr>
-                <a:srgbClr val="000000"/>
-              </a:buClr>
-              <a:buSzPts val="2000"/>
-              <a:buFont typeface="Arial"/>
-              <a:buNone/>
-            </a:pPr>
-            <a:r>
-              <a:rPr b="1" lang="en-GB" sz="2000">
-                <a:solidFill>
-                  <a:schemeClr val="dk1"/>
-                </a:solidFill>
-                <a:latin typeface="Play"/>
-                <a:ea typeface="Play"/>
-                <a:cs typeface="Play"/>
-                <a:sym typeface="Play"/>
-              </a:rPr>
-              <a:t>Amazon Lex - Use Cases</a:t>
-            </a:r>
-            <a:endParaRPr b="1" sz="2000">
-              <a:solidFill>
-                <a:schemeClr val="dk1"/>
-              </a:solidFill>
-              <a:latin typeface="Play"/>
-              <a:ea typeface="Play"/>
-              <a:cs typeface="Play"/>
-              <a:sym typeface="Play"/>
-            </a:endParaRPr>
-          </a:p>
-        </p:txBody>
-      </p:sp>
-      <p:sp>
-        <p:nvSpPr>
-          <p:cNvPr id="188" name="Google Shape;188;p26"/>
-          <p:cNvSpPr txBox="1"/>
-          <p:nvPr/>
-        </p:nvSpPr>
-        <p:spPr>
-          <a:xfrm>
             <a:off x="206200" y="777075"/>
             <a:ext cx="8602200" cy="3993300"/>
           </a:xfrm>
@@ -10965,6 +10623,662 @@
               <a:solidFill>
                 <a:schemeClr val="dk1"/>
               </a:solidFill>
+              <a:latin typeface="Play"/>
+              <a:ea typeface="Play"/>
+              <a:cs typeface="Play"/>
+              <a:sym typeface="Play"/>
+            </a:endParaRPr>
+          </a:p>
+        </p:txBody>
+      </p:sp>
+    </p:spTree>
+  </p:cSld>
+  <p:clrMapOvr>
+    <a:masterClrMapping/>
+  </p:clrMapOvr>
+</p:sld>
+</file>
+
+<file path=ppt/slides/slide14.xml><?xml version="1.0" encoding="utf-8"?>
+<p:sld xmlns:a="http://schemas.openxmlformats.org/drawingml/2006/main" xmlns:r="http://schemas.openxmlformats.org/officeDocument/2006/relationships" xmlns:mc="http://schemas.openxmlformats.org/markup-compatibility/2006" xmlns:mv="urn:schemas-microsoft-com:mac:vml" xmlns:p="http://schemas.openxmlformats.org/presentationml/2006/main" xmlns:c="http://schemas.openxmlformats.org/drawingml/2006/chart" xmlns:dgm="http://schemas.openxmlformats.org/drawingml/2006/diagram" xmlns:o="urn:schemas-microsoft-com:office:office" xmlns:v="urn:schemas-microsoft-com:vml" xmlns:pvml="urn:schemas-microsoft-com:office:powerpoint" xmlns:com="http://schemas.openxmlformats.org/drawingml/2006/compatibility" xmlns:p14="http://schemas.microsoft.com/office/powerpoint/2010/main" xmlns:p15="http://schemas.microsoft.com/office/powerpoint/2012/main" xmlns:ahyp="http://schemas.microsoft.com/office/drawing/2018/hyperlinkcolor">
+  <p:cSld>
+    <p:spTree>
+      <p:nvGrpSpPr>
+        <p:cNvPr id="185" name="Shape 185"/>
+        <p:cNvGrpSpPr/>
+        <p:nvPr/>
+      </p:nvGrpSpPr>
+      <p:grpSpPr>
+        <a:xfrm>
+          <a:off x="0" y="0"/>
+          <a:ext cx="0" cy="0"/>
+          <a:chOff x="0" y="0"/>
+          <a:chExt cx="0" cy="0"/>
+        </a:xfrm>
+      </p:grpSpPr>
+      <p:sp>
+        <p:nvSpPr>
+          <p:cNvPr id="186" name="Google Shape;186;p26"/>
+          <p:cNvSpPr txBox="1"/>
+          <p:nvPr/>
+        </p:nvSpPr>
+        <p:spPr>
+          <a:xfrm>
+            <a:off x="270900" y="223538"/>
+            <a:ext cx="8602200" cy="492600"/>
+          </a:xfrm>
+          <a:prstGeom prst="rect">
+            <a:avLst/>
+          </a:prstGeom>
+          <a:noFill/>
+          <a:ln>
+            <a:noFill/>
+          </a:ln>
+        </p:spPr>
+        <p:txBody>
+          <a:bodyPr anchorCtr="0" anchor="t" bIns="91425" lIns="91425" spcFirstLastPara="1" rIns="91425" wrap="square" tIns="91425">
+            <a:spAutoFit/>
+          </a:bodyPr>
+          <a:lstStyle/>
+          <a:p>
+            <a:pPr indent="0" lvl="0" marL="0" marR="0" rtl="0" algn="just">
+              <a:lnSpc>
+                <a:spcPct val="100000"/>
+              </a:lnSpc>
+              <a:spcBef>
+                <a:spcPts val="0"/>
+              </a:spcBef>
+              <a:spcAft>
+                <a:spcPts val="0"/>
+              </a:spcAft>
+              <a:buClr>
+                <a:srgbClr val="000000"/>
+              </a:buClr>
+              <a:buSzPts val="2000"/>
+              <a:buFont typeface="Arial"/>
+              <a:buNone/>
+            </a:pPr>
+            <a:r>
+              <a:rPr b="1" lang="en-GB" sz="2000">
+                <a:solidFill>
+                  <a:schemeClr val="dk1"/>
+                </a:solidFill>
+                <a:latin typeface="Play"/>
+                <a:ea typeface="Play"/>
+                <a:cs typeface="Play"/>
+                <a:sym typeface="Play"/>
+              </a:rPr>
+              <a:t>How Amazon Lex Operates?</a:t>
+            </a:r>
+            <a:endParaRPr b="1" sz="2000">
+              <a:solidFill>
+                <a:schemeClr val="dk1"/>
+              </a:solidFill>
+              <a:latin typeface="Play"/>
+              <a:ea typeface="Play"/>
+              <a:cs typeface="Play"/>
+              <a:sym typeface="Play"/>
+            </a:endParaRPr>
+          </a:p>
+        </p:txBody>
+      </p:sp>
+      <p:pic>
+        <p:nvPicPr>
+          <p:cNvPr id="187" name="Google Shape;187;p26"/>
+          <p:cNvPicPr preferRelativeResize="0"/>
+          <p:nvPr/>
+        </p:nvPicPr>
+        <p:blipFill>
+          <a:blip r:embed="rId3">
+            <a:alphaModFix/>
+          </a:blip>
+          <a:stretch>
+            <a:fillRect/>
+          </a:stretch>
+        </p:blipFill>
+        <p:spPr>
+          <a:xfrm>
+            <a:off x="1154261" y="1381823"/>
+            <a:ext cx="1582325" cy="1685550"/>
+          </a:xfrm>
+          <a:prstGeom prst="rect">
+            <a:avLst/>
+          </a:prstGeom>
+          <a:noFill/>
+          <a:ln>
+            <a:noFill/>
+          </a:ln>
+        </p:spPr>
+      </p:pic>
+      <p:pic>
+        <p:nvPicPr>
+          <p:cNvPr id="188" name="Google Shape;188;p26"/>
+          <p:cNvPicPr preferRelativeResize="0"/>
+          <p:nvPr/>
+        </p:nvPicPr>
+        <p:blipFill rotWithShape="1">
+          <a:blip r:embed="rId4">
+            <a:alphaModFix/>
+          </a:blip>
+          <a:srcRect b="0" l="35868" r="36619" t="0"/>
+          <a:stretch/>
+        </p:blipFill>
+        <p:spPr>
+          <a:xfrm>
+            <a:off x="4163100" y="1480812"/>
+            <a:ext cx="1072200" cy="1487575"/>
+          </a:xfrm>
+          <a:prstGeom prst="rect">
+            <a:avLst/>
+          </a:prstGeom>
+          <a:noFill/>
+          <a:ln>
+            <a:noFill/>
+          </a:ln>
+        </p:spPr>
+      </p:pic>
+      <p:sp>
+        <p:nvSpPr>
+          <p:cNvPr id="189" name="Google Shape;189;p26"/>
+          <p:cNvSpPr/>
+          <p:nvPr/>
+        </p:nvSpPr>
+        <p:spPr>
+          <a:xfrm>
+            <a:off x="7281650" y="1199957"/>
+            <a:ext cx="1309500" cy="2049300"/>
+          </a:xfrm>
+          <a:prstGeom prst="rect">
+            <a:avLst/>
+          </a:prstGeom>
+          <a:noFill/>
+          <a:ln cap="flat" cmpd="sng" w="9525">
+            <a:solidFill>
+              <a:schemeClr val="dk2"/>
+            </a:solidFill>
+            <a:prstDash val="dash"/>
+            <a:round/>
+            <a:headEnd len="sm" w="sm" type="none"/>
+            <a:tailEnd len="sm" w="sm" type="none"/>
+          </a:ln>
+        </p:spPr>
+        <p:txBody>
+          <a:bodyPr anchorCtr="0" anchor="ctr" bIns="91425" lIns="91425" spcFirstLastPara="1" rIns="91425" wrap="square" tIns="91425">
+            <a:noAutofit/>
+          </a:bodyPr>
+          <a:lstStyle/>
+          <a:p>
+            <a:pPr indent="0" lvl="0" marL="0" rtl="0" algn="l">
+              <a:lnSpc>
+                <a:spcPct val="115000"/>
+              </a:lnSpc>
+              <a:spcBef>
+                <a:spcPts val="0"/>
+              </a:spcBef>
+              <a:spcAft>
+                <a:spcPts val="0"/>
+              </a:spcAft>
+              <a:buNone/>
+            </a:pPr>
+            <a:r>
+              <a:t/>
+            </a:r>
+            <a:endParaRPr/>
+          </a:p>
+        </p:txBody>
+      </p:sp>
+      <p:sp>
+        <p:nvSpPr>
+          <p:cNvPr id="190" name="Google Shape;190;p26"/>
+          <p:cNvSpPr txBox="1"/>
+          <p:nvPr/>
+        </p:nvSpPr>
+        <p:spPr>
+          <a:xfrm>
+            <a:off x="7281615" y="1225731"/>
+            <a:ext cx="1309500" cy="477000"/>
+          </a:xfrm>
+          <a:prstGeom prst="rect">
+            <a:avLst/>
+          </a:prstGeom>
+          <a:noFill/>
+          <a:ln>
+            <a:noFill/>
+          </a:ln>
+        </p:spPr>
+        <p:txBody>
+          <a:bodyPr anchorCtr="0" anchor="ctr" bIns="91425" lIns="91425" spcFirstLastPara="1" rIns="91425" wrap="square" tIns="91425">
+            <a:noAutofit/>
+          </a:bodyPr>
+          <a:lstStyle/>
+          <a:p>
+            <a:pPr indent="0" lvl="0" marL="0" rtl="0" algn="ctr">
+              <a:lnSpc>
+                <a:spcPct val="115000"/>
+              </a:lnSpc>
+              <a:spcBef>
+                <a:spcPts val="0"/>
+              </a:spcBef>
+              <a:spcAft>
+                <a:spcPts val="0"/>
+              </a:spcAft>
+              <a:buNone/>
+            </a:pPr>
+            <a:r>
+              <a:rPr lang="en-GB">
+                <a:latin typeface="Play"/>
+                <a:ea typeface="Play"/>
+                <a:cs typeface="Play"/>
+                <a:sym typeface="Play"/>
+              </a:rPr>
+              <a:t>Amazon DynamoDB</a:t>
+            </a:r>
+            <a:endParaRPr>
+              <a:latin typeface="Play"/>
+              <a:ea typeface="Play"/>
+              <a:cs typeface="Play"/>
+              <a:sym typeface="Play"/>
+            </a:endParaRPr>
+          </a:p>
+        </p:txBody>
+      </p:sp>
+      <p:sp>
+        <p:nvSpPr>
+          <p:cNvPr id="191" name="Google Shape;191;p26"/>
+          <p:cNvSpPr txBox="1"/>
+          <p:nvPr/>
+        </p:nvSpPr>
+        <p:spPr>
+          <a:xfrm>
+            <a:off x="7281650" y="1741202"/>
+            <a:ext cx="1309500" cy="477000"/>
+          </a:xfrm>
+          <a:prstGeom prst="rect">
+            <a:avLst/>
+          </a:prstGeom>
+          <a:noFill/>
+          <a:ln>
+            <a:noFill/>
+          </a:ln>
+        </p:spPr>
+        <p:txBody>
+          <a:bodyPr anchorCtr="0" anchor="ctr" bIns="91425" lIns="91425" spcFirstLastPara="1" rIns="91425" wrap="square" tIns="91425">
+            <a:noAutofit/>
+          </a:bodyPr>
+          <a:lstStyle/>
+          <a:p>
+            <a:pPr indent="0" lvl="0" marL="0" rtl="0" algn="ctr">
+              <a:lnSpc>
+                <a:spcPct val="115000"/>
+              </a:lnSpc>
+              <a:spcBef>
+                <a:spcPts val="0"/>
+              </a:spcBef>
+              <a:spcAft>
+                <a:spcPts val="0"/>
+              </a:spcAft>
+              <a:buNone/>
+            </a:pPr>
+            <a:r>
+              <a:rPr lang="en-GB">
+                <a:latin typeface="Play"/>
+                <a:ea typeface="Play"/>
+                <a:cs typeface="Play"/>
+                <a:sym typeface="Play"/>
+              </a:rPr>
+              <a:t>Amazon SNS</a:t>
+            </a:r>
+            <a:endParaRPr>
+              <a:latin typeface="Play"/>
+              <a:ea typeface="Play"/>
+              <a:cs typeface="Play"/>
+              <a:sym typeface="Play"/>
+            </a:endParaRPr>
+          </a:p>
+        </p:txBody>
+      </p:sp>
+      <p:sp>
+        <p:nvSpPr>
+          <p:cNvPr id="192" name="Google Shape;192;p26"/>
+          <p:cNvSpPr txBox="1"/>
+          <p:nvPr/>
+        </p:nvSpPr>
+        <p:spPr>
+          <a:xfrm>
+            <a:off x="7281650" y="2256673"/>
+            <a:ext cx="1309500" cy="477000"/>
+          </a:xfrm>
+          <a:prstGeom prst="rect">
+            <a:avLst/>
+          </a:prstGeom>
+          <a:noFill/>
+          <a:ln>
+            <a:noFill/>
+          </a:ln>
+        </p:spPr>
+        <p:txBody>
+          <a:bodyPr anchorCtr="0" anchor="ctr" bIns="91425" lIns="91425" spcFirstLastPara="1" rIns="91425" wrap="square" tIns="91425">
+            <a:noAutofit/>
+          </a:bodyPr>
+          <a:lstStyle/>
+          <a:p>
+            <a:pPr indent="0" lvl="0" marL="0" rtl="0" algn="ctr">
+              <a:lnSpc>
+                <a:spcPct val="115000"/>
+              </a:lnSpc>
+              <a:spcBef>
+                <a:spcPts val="0"/>
+              </a:spcBef>
+              <a:spcAft>
+                <a:spcPts val="0"/>
+              </a:spcAft>
+              <a:buNone/>
+            </a:pPr>
+            <a:r>
+              <a:rPr lang="en-GB">
+                <a:latin typeface="Play"/>
+                <a:ea typeface="Play"/>
+                <a:cs typeface="Play"/>
+                <a:sym typeface="Play"/>
+              </a:rPr>
+              <a:t>Amazon SES</a:t>
+            </a:r>
+            <a:endParaRPr>
+              <a:latin typeface="Play"/>
+              <a:ea typeface="Play"/>
+              <a:cs typeface="Play"/>
+              <a:sym typeface="Play"/>
+            </a:endParaRPr>
+          </a:p>
+        </p:txBody>
+      </p:sp>
+      <p:sp>
+        <p:nvSpPr>
+          <p:cNvPr id="193" name="Google Shape;193;p26"/>
+          <p:cNvSpPr txBox="1"/>
+          <p:nvPr/>
+        </p:nvSpPr>
+        <p:spPr>
+          <a:xfrm>
+            <a:off x="7281615" y="2772144"/>
+            <a:ext cx="1309500" cy="477000"/>
+          </a:xfrm>
+          <a:prstGeom prst="rect">
+            <a:avLst/>
+          </a:prstGeom>
+          <a:noFill/>
+          <a:ln>
+            <a:noFill/>
+          </a:ln>
+        </p:spPr>
+        <p:txBody>
+          <a:bodyPr anchorCtr="0" anchor="ctr" bIns="91425" lIns="91425" spcFirstLastPara="1" rIns="91425" wrap="square" tIns="91425">
+            <a:noAutofit/>
+          </a:bodyPr>
+          <a:lstStyle/>
+          <a:p>
+            <a:pPr indent="0" lvl="0" marL="0" rtl="0" algn="ctr">
+              <a:lnSpc>
+                <a:spcPct val="115000"/>
+              </a:lnSpc>
+              <a:spcBef>
+                <a:spcPts val="0"/>
+              </a:spcBef>
+              <a:spcAft>
+                <a:spcPts val="0"/>
+              </a:spcAft>
+              <a:buNone/>
+            </a:pPr>
+            <a:r>
+              <a:rPr lang="en-GB">
+                <a:latin typeface="Play"/>
+                <a:ea typeface="Play"/>
+                <a:cs typeface="Play"/>
+                <a:sym typeface="Play"/>
+              </a:rPr>
+              <a:t>Other AWS Services</a:t>
+            </a:r>
+            <a:endParaRPr>
+              <a:latin typeface="Play"/>
+              <a:ea typeface="Play"/>
+              <a:cs typeface="Play"/>
+              <a:sym typeface="Play"/>
+            </a:endParaRPr>
+          </a:p>
+        </p:txBody>
+      </p:sp>
+      <p:cxnSp>
+        <p:nvCxnSpPr>
+          <p:cNvPr id="194" name="Google Shape;194;p26"/>
+          <p:cNvCxnSpPr/>
+          <p:nvPr/>
+        </p:nvCxnSpPr>
+        <p:spPr>
+          <a:xfrm>
+            <a:off x="7292625" y="1737788"/>
+            <a:ext cx="1324800" cy="0"/>
+          </a:xfrm>
+          <a:prstGeom prst="straightConnector1">
+            <a:avLst/>
+          </a:prstGeom>
+          <a:noFill/>
+          <a:ln cap="flat" cmpd="sng" w="9525">
+            <a:solidFill>
+              <a:schemeClr val="dk2"/>
+            </a:solidFill>
+            <a:prstDash val="dash"/>
+            <a:round/>
+            <a:headEnd len="med" w="med" type="none"/>
+            <a:tailEnd len="med" w="med" type="none"/>
+          </a:ln>
+        </p:spPr>
+      </p:cxnSp>
+      <p:cxnSp>
+        <p:nvCxnSpPr>
+          <p:cNvPr id="195" name="Google Shape;195;p26"/>
+          <p:cNvCxnSpPr/>
+          <p:nvPr/>
+        </p:nvCxnSpPr>
+        <p:spPr>
+          <a:xfrm>
+            <a:off x="7273975" y="2256663"/>
+            <a:ext cx="1324800" cy="0"/>
+          </a:xfrm>
+          <a:prstGeom prst="straightConnector1">
+            <a:avLst/>
+          </a:prstGeom>
+          <a:noFill/>
+          <a:ln cap="flat" cmpd="sng" w="9525">
+            <a:solidFill>
+              <a:schemeClr val="dk2"/>
+            </a:solidFill>
+            <a:prstDash val="dash"/>
+            <a:round/>
+            <a:headEnd len="med" w="med" type="none"/>
+            <a:tailEnd len="med" w="med" type="none"/>
+          </a:ln>
+        </p:spPr>
+      </p:cxnSp>
+      <p:cxnSp>
+        <p:nvCxnSpPr>
+          <p:cNvPr id="196" name="Google Shape;196;p26"/>
+          <p:cNvCxnSpPr/>
+          <p:nvPr/>
+        </p:nvCxnSpPr>
+        <p:spPr>
+          <a:xfrm>
+            <a:off x="7273975" y="2733663"/>
+            <a:ext cx="1324800" cy="0"/>
+          </a:xfrm>
+          <a:prstGeom prst="straightConnector1">
+            <a:avLst/>
+          </a:prstGeom>
+          <a:noFill/>
+          <a:ln cap="flat" cmpd="sng" w="9525">
+            <a:solidFill>
+              <a:schemeClr val="dk2"/>
+            </a:solidFill>
+            <a:prstDash val="dash"/>
+            <a:round/>
+            <a:headEnd len="med" w="med" type="none"/>
+            <a:tailEnd len="med" w="med" type="none"/>
+          </a:ln>
+        </p:spPr>
+      </p:cxnSp>
+      <p:cxnSp>
+        <p:nvCxnSpPr>
+          <p:cNvPr id="197" name="Google Shape;197;p26"/>
+          <p:cNvCxnSpPr/>
+          <p:nvPr/>
+        </p:nvCxnSpPr>
+        <p:spPr>
+          <a:xfrm>
+            <a:off x="5615950" y="2033400"/>
+            <a:ext cx="1011900" cy="0"/>
+          </a:xfrm>
+          <a:prstGeom prst="straightConnector1">
+            <a:avLst/>
+          </a:prstGeom>
+          <a:noFill/>
+          <a:ln cap="flat" cmpd="sng" w="9525">
+            <a:solidFill>
+              <a:schemeClr val="dk2"/>
+            </a:solidFill>
+            <a:prstDash val="dash"/>
+            <a:round/>
+            <a:headEnd len="med" w="med" type="none"/>
+            <a:tailEnd len="med" w="med" type="triangle"/>
+          </a:ln>
+        </p:spPr>
+      </p:cxnSp>
+      <p:cxnSp>
+        <p:nvCxnSpPr>
+          <p:cNvPr id="198" name="Google Shape;198;p26"/>
+          <p:cNvCxnSpPr/>
+          <p:nvPr/>
+        </p:nvCxnSpPr>
+        <p:spPr>
+          <a:xfrm>
+            <a:off x="2837025" y="2033388"/>
+            <a:ext cx="1011900" cy="0"/>
+          </a:xfrm>
+          <a:prstGeom prst="straightConnector1">
+            <a:avLst/>
+          </a:prstGeom>
+          <a:noFill/>
+          <a:ln cap="flat" cmpd="sng" w="9525">
+            <a:solidFill>
+              <a:schemeClr val="dk2"/>
+            </a:solidFill>
+            <a:prstDash val="dash"/>
+            <a:round/>
+            <a:headEnd len="med" w="med" type="none"/>
+            <a:tailEnd len="med" w="med" type="triangle"/>
+          </a:ln>
+        </p:spPr>
+      </p:cxnSp>
+      <p:sp>
+        <p:nvSpPr>
+          <p:cNvPr id="199" name="Google Shape;199;p26"/>
+          <p:cNvSpPr txBox="1"/>
+          <p:nvPr/>
+        </p:nvSpPr>
+        <p:spPr>
+          <a:xfrm>
+            <a:off x="461450" y="3493925"/>
+            <a:ext cx="2967900" cy="1182900"/>
+          </a:xfrm>
+          <a:prstGeom prst="rect">
+            <a:avLst/>
+          </a:prstGeom>
+          <a:noFill/>
+          <a:ln>
+            <a:noFill/>
+          </a:ln>
+        </p:spPr>
+        <p:txBody>
+          <a:bodyPr anchorCtr="0" anchor="ctr" bIns="91425" lIns="91425" spcFirstLastPara="1" rIns="91425" wrap="square" tIns="91425">
+            <a:noAutofit/>
+          </a:bodyPr>
+          <a:lstStyle/>
+          <a:p>
+            <a:pPr indent="0" lvl="0" marL="0" rtl="0" algn="ctr">
+              <a:lnSpc>
+                <a:spcPct val="150000"/>
+              </a:lnSpc>
+              <a:spcBef>
+                <a:spcPts val="0"/>
+              </a:spcBef>
+              <a:spcAft>
+                <a:spcPts val="0"/>
+              </a:spcAft>
+              <a:buNone/>
+            </a:pPr>
+            <a:r>
+              <a:rPr lang="en-GB">
+                <a:latin typeface="Play"/>
+                <a:ea typeface="Play"/>
+                <a:cs typeface="Play"/>
+                <a:sym typeface="Play"/>
+              </a:rPr>
+              <a:t>Chatbot receives user input. It can reply with answers, perform actions or ask more input.</a:t>
+            </a:r>
+            <a:endParaRPr>
+              <a:latin typeface="Play"/>
+              <a:ea typeface="Play"/>
+              <a:cs typeface="Play"/>
+              <a:sym typeface="Play"/>
+            </a:endParaRPr>
+          </a:p>
+        </p:txBody>
+      </p:sp>
+      <p:sp>
+        <p:nvSpPr>
+          <p:cNvPr id="200" name="Google Shape;200;p26"/>
+          <p:cNvSpPr txBox="1"/>
+          <p:nvPr/>
+        </p:nvSpPr>
+        <p:spPr>
+          <a:xfrm>
+            <a:off x="5134400" y="3493925"/>
+            <a:ext cx="3869100" cy="1182900"/>
+          </a:xfrm>
+          <a:prstGeom prst="rect">
+            <a:avLst/>
+          </a:prstGeom>
+          <a:noFill/>
+          <a:ln>
+            <a:noFill/>
+          </a:ln>
+        </p:spPr>
+        <p:txBody>
+          <a:bodyPr anchorCtr="0" anchor="ctr" bIns="91425" lIns="91425" spcFirstLastPara="1" rIns="91425" wrap="square" tIns="91425">
+            <a:noAutofit/>
+          </a:bodyPr>
+          <a:lstStyle/>
+          <a:p>
+            <a:pPr indent="0" lvl="0" marL="0" rtl="0" algn="ctr">
+              <a:lnSpc>
+                <a:spcPct val="150000"/>
+              </a:lnSpc>
+              <a:spcBef>
+                <a:spcPts val="0"/>
+              </a:spcBef>
+              <a:spcAft>
+                <a:spcPts val="0"/>
+              </a:spcAft>
+              <a:buNone/>
+            </a:pPr>
+            <a:r>
+              <a:rPr lang="en-GB">
+                <a:latin typeface="Play"/>
+                <a:ea typeface="Play"/>
+                <a:cs typeface="Play"/>
+                <a:sym typeface="Play"/>
+              </a:rPr>
+              <a:t>Chatbot triggers AWS Lambda. Lambda function performs necessary action by integrating with other AWS services.</a:t>
+            </a:r>
+            <a:endParaRPr>
               <a:latin typeface="Play"/>
               <a:ea typeface="Play"/>
               <a:cs typeface="Play"/>
@@ -10986,7 +11300,7 @@
   <p:cSld>
     <p:spTree>
       <p:nvGrpSpPr>
-        <p:cNvPr id="192" name="Shape 192"/>
+        <p:cNvPr id="204" name="Shape 204"/>
         <p:cNvGrpSpPr/>
         <p:nvPr/>
       </p:nvGrpSpPr>
@@ -11000,7 +11314,7 @@
       </p:grpSpPr>
       <p:sp>
         <p:nvSpPr>
-          <p:cNvPr id="193" name="Google Shape;193;p27"/>
+          <p:cNvPr id="205" name="Google Shape;205;p27"/>
           <p:cNvSpPr txBox="1"/>
           <p:nvPr/>
         </p:nvSpPr>
@@ -11050,7 +11364,7 @@
                 <a:cs typeface="Play"/>
                 <a:sym typeface="Play"/>
               </a:rPr>
-              <a:t>How Amazon Lex Operates?</a:t>
+              <a:t>Steps to follow while working with Amazon Lex</a:t>
             </a:r>
             <a:endParaRPr b="1" sz="2000">
               <a:solidFill>
@@ -11064,24 +11378,16 @@
           </a:p>
         </p:txBody>
       </p:sp>
-      <p:pic>
-        <p:nvPicPr>
-          <p:cNvPr id="194" name="Google Shape;194;p27"/>
-          <p:cNvPicPr preferRelativeResize="0"/>
+      <p:sp>
+        <p:nvSpPr>
+          <p:cNvPr id="206" name="Google Shape;206;p27"/>
+          <p:cNvSpPr txBox="1"/>
           <p:nvPr/>
-        </p:nvPicPr>
-        <p:blipFill>
-          <a:blip r:embed="rId3">
-            <a:alphaModFix/>
-          </a:blip>
-          <a:stretch>
-            <a:fillRect/>
-          </a:stretch>
-        </p:blipFill>
-        <p:spPr>
-          <a:xfrm>
-            <a:off x="1154261" y="1381823"/>
-            <a:ext cx="1582325" cy="1685550"/>
+        </p:nvSpPr>
+        <p:spPr>
+          <a:xfrm>
+            <a:off x="337475" y="910350"/>
+            <a:ext cx="7540500" cy="2549100"/>
           </a:xfrm>
           <a:prstGeom prst="rect">
             <a:avLst/>
@@ -11089,59 +11395,6 @@
           <a:noFill/>
           <a:ln>
             <a:noFill/>
-          </a:ln>
-        </p:spPr>
-      </p:pic>
-      <p:pic>
-        <p:nvPicPr>
-          <p:cNvPr id="195" name="Google Shape;195;p27"/>
-          <p:cNvPicPr preferRelativeResize="0"/>
-          <p:nvPr/>
-        </p:nvPicPr>
-        <p:blipFill rotWithShape="1">
-          <a:blip r:embed="rId4">
-            <a:alphaModFix/>
-          </a:blip>
-          <a:srcRect b="0" l="35868" r="36619" t="0"/>
-          <a:stretch/>
-        </p:blipFill>
-        <p:spPr>
-          <a:xfrm>
-            <a:off x="4163100" y="1480812"/>
-            <a:ext cx="1072200" cy="1487575"/>
-          </a:xfrm>
-          <a:prstGeom prst="rect">
-            <a:avLst/>
-          </a:prstGeom>
-          <a:noFill/>
-          <a:ln>
-            <a:noFill/>
-          </a:ln>
-        </p:spPr>
-      </p:pic>
-      <p:sp>
-        <p:nvSpPr>
-          <p:cNvPr id="196" name="Google Shape;196;p27"/>
-          <p:cNvSpPr/>
-          <p:nvPr/>
-        </p:nvSpPr>
-        <p:spPr>
-          <a:xfrm>
-            <a:off x="7281650" y="1199957"/>
-            <a:ext cx="1309500" cy="2049300"/>
-          </a:xfrm>
-          <a:prstGeom prst="rect">
-            <a:avLst/>
-          </a:prstGeom>
-          <a:noFill/>
-          <a:ln cap="flat" cmpd="sng" w="9525">
-            <a:solidFill>
-              <a:schemeClr val="dk2"/>
-            </a:solidFill>
-            <a:prstDash val="dash"/>
-            <a:round/>
-            <a:headEnd len="sm" w="sm" type="none"/>
-            <a:tailEnd len="sm" w="sm" type="none"/>
           </a:ln>
         </p:spPr>
         <p:txBody>
@@ -11150,9 +11403,9 @@
           </a:bodyPr>
           <a:lstStyle/>
           <a:p>
-            <a:pPr indent="0" lvl="0" marL="0" rtl="0" algn="l">
+            <a:pPr indent="-317500" lvl="0" marL="457200" rtl="0" algn="just">
               <a:lnSpc>
-                <a:spcPct val="115000"/>
+                <a:spcPct val="150000"/>
               </a:lnSpc>
               <a:spcBef>
                 <a:spcPts val="0"/>
@@ -11160,51 +11413,9 @@
               <a:spcAft>
                 <a:spcPts val="0"/>
               </a:spcAft>
-              <a:buNone/>
-            </a:pPr>
-            <a:r>
-              <a:t/>
-            </a:r>
-            <a:endParaRPr/>
-          </a:p>
-        </p:txBody>
-      </p:sp>
-      <p:sp>
-        <p:nvSpPr>
-          <p:cNvPr id="197" name="Google Shape;197;p27"/>
-          <p:cNvSpPr txBox="1"/>
-          <p:nvPr/>
-        </p:nvSpPr>
-        <p:spPr>
-          <a:xfrm>
-            <a:off x="7281615" y="1225731"/>
-            <a:ext cx="1309500" cy="477000"/>
-          </a:xfrm>
-          <a:prstGeom prst="rect">
-            <a:avLst/>
-          </a:prstGeom>
-          <a:noFill/>
-          <a:ln>
-            <a:noFill/>
-          </a:ln>
-        </p:spPr>
-        <p:txBody>
-          <a:bodyPr anchorCtr="0" anchor="ctr" bIns="91425" lIns="91425" spcFirstLastPara="1" rIns="91425" wrap="square" tIns="91425">
-            <a:noAutofit/>
-          </a:bodyPr>
-          <a:lstStyle/>
-          <a:p>
-            <a:pPr indent="0" lvl="0" marL="0" rtl="0" algn="ctr">
-              <a:lnSpc>
-                <a:spcPct val="115000"/>
-              </a:lnSpc>
-              <a:spcBef>
-                <a:spcPts val="0"/>
-              </a:spcBef>
-              <a:spcAft>
-                <a:spcPts val="0"/>
-              </a:spcAft>
-              <a:buNone/>
+              <a:buSzPts val="1400"/>
+              <a:buFont typeface="Play"/>
+              <a:buAutoNum type="arabicPeriod"/>
             </a:pPr>
             <a:r>
               <a:rPr lang="en-GB">
@@ -11213,7 +11424,7 @@
                 <a:cs typeface="Play"/>
                 <a:sym typeface="Play"/>
               </a:rPr>
-              <a:t>Amazon DynamoDB</a:t>
+              <a:t>Create a chatbot &amp; configure it with intents, slots &amp; utterances.</a:t>
             </a:r>
             <a:endParaRPr>
               <a:latin typeface="Play"/>
@@ -11222,36 +11433,10 @@
               <a:sym typeface="Play"/>
             </a:endParaRPr>
           </a:p>
-        </p:txBody>
-      </p:sp>
-      <p:sp>
-        <p:nvSpPr>
-          <p:cNvPr id="198" name="Google Shape;198;p27"/>
-          <p:cNvSpPr txBox="1"/>
-          <p:nvPr/>
-        </p:nvSpPr>
-        <p:spPr>
-          <a:xfrm>
-            <a:off x="7281650" y="1741202"/>
-            <a:ext cx="1309500" cy="477000"/>
-          </a:xfrm>
-          <a:prstGeom prst="rect">
-            <a:avLst/>
-          </a:prstGeom>
-          <a:noFill/>
-          <a:ln>
-            <a:noFill/>
-          </a:ln>
-        </p:spPr>
-        <p:txBody>
-          <a:bodyPr anchorCtr="0" anchor="ctr" bIns="91425" lIns="91425" spcFirstLastPara="1" rIns="91425" wrap="square" tIns="91425">
-            <a:noAutofit/>
-          </a:bodyPr>
-          <a:lstStyle/>
           <a:p>
-            <a:pPr indent="0" lvl="0" marL="0" rtl="0" algn="ctr">
+            <a:pPr indent="0" lvl="0" marL="0" rtl="0" algn="just">
               <a:lnSpc>
-                <a:spcPct val="115000"/>
+                <a:spcPct val="150000"/>
               </a:lnSpc>
               <a:spcBef>
                 <a:spcPts val="0"/>
@@ -11262,13 +11447,7 @@
               <a:buNone/>
             </a:pPr>
             <a:r>
-              <a:rPr lang="en-GB">
-                <a:latin typeface="Play"/>
-                <a:ea typeface="Play"/>
-                <a:cs typeface="Play"/>
-                <a:sym typeface="Play"/>
-              </a:rPr>
-              <a:t>Amazon SNS</a:t>
+              <a:t/>
             </a:r>
             <a:endParaRPr>
               <a:latin typeface="Play"/>
@@ -11277,36 +11456,10 @@
               <a:sym typeface="Play"/>
             </a:endParaRPr>
           </a:p>
-        </p:txBody>
-      </p:sp>
-      <p:sp>
-        <p:nvSpPr>
-          <p:cNvPr id="199" name="Google Shape;199;p27"/>
-          <p:cNvSpPr txBox="1"/>
-          <p:nvPr/>
-        </p:nvSpPr>
-        <p:spPr>
-          <a:xfrm>
-            <a:off x="7281650" y="2256673"/>
-            <a:ext cx="1309500" cy="477000"/>
-          </a:xfrm>
-          <a:prstGeom prst="rect">
-            <a:avLst/>
-          </a:prstGeom>
-          <a:noFill/>
-          <a:ln>
-            <a:noFill/>
-          </a:ln>
-        </p:spPr>
-        <p:txBody>
-          <a:bodyPr anchorCtr="0" anchor="ctr" bIns="91425" lIns="91425" spcFirstLastPara="1" rIns="91425" wrap="square" tIns="91425">
-            <a:noAutofit/>
-          </a:bodyPr>
-          <a:lstStyle/>
           <a:p>
-            <a:pPr indent="0" lvl="0" marL="0" rtl="0" algn="ctr">
+            <a:pPr indent="-317500" lvl="0" marL="457200" rtl="0" algn="just">
               <a:lnSpc>
-                <a:spcPct val="115000"/>
+                <a:spcPct val="150000"/>
               </a:lnSpc>
               <a:spcBef>
                 <a:spcPts val="0"/>
@@ -11314,7 +11467,9 @@
               <a:spcAft>
                 <a:spcPts val="0"/>
               </a:spcAft>
-              <a:buNone/>
+              <a:buSzPts val="1400"/>
+              <a:buFont typeface="Play"/>
+              <a:buAutoNum type="arabicPeriod"/>
             </a:pPr>
             <a:r>
               <a:rPr lang="en-GB">
@@ -11323,7 +11478,7 @@
                 <a:cs typeface="Play"/>
                 <a:sym typeface="Play"/>
               </a:rPr>
-              <a:t>Amazon SES</a:t>
+              <a:t>Test the bot on text window slide provided by Lex Console.</a:t>
             </a:r>
             <a:endParaRPr>
               <a:latin typeface="Play"/>
@@ -11332,36 +11487,10 @@
               <a:sym typeface="Play"/>
             </a:endParaRPr>
           </a:p>
-        </p:txBody>
-      </p:sp>
-      <p:sp>
-        <p:nvSpPr>
-          <p:cNvPr id="200" name="Google Shape;200;p27"/>
-          <p:cNvSpPr txBox="1"/>
-          <p:nvPr/>
-        </p:nvSpPr>
-        <p:spPr>
-          <a:xfrm>
-            <a:off x="7281615" y="2772144"/>
-            <a:ext cx="1309500" cy="477000"/>
-          </a:xfrm>
-          <a:prstGeom prst="rect">
-            <a:avLst/>
-          </a:prstGeom>
-          <a:noFill/>
-          <a:ln>
-            <a:noFill/>
-          </a:ln>
-        </p:spPr>
-        <p:txBody>
-          <a:bodyPr anchorCtr="0" anchor="ctr" bIns="91425" lIns="91425" spcFirstLastPara="1" rIns="91425" wrap="square" tIns="91425">
-            <a:noAutofit/>
-          </a:bodyPr>
-          <a:lstStyle/>
           <a:p>
-            <a:pPr indent="0" lvl="0" marL="0" rtl="0" algn="ctr">
+            <a:pPr indent="0" lvl="0" marL="0" rtl="0" algn="just">
               <a:lnSpc>
-                <a:spcPct val="115000"/>
+                <a:spcPct val="150000"/>
               </a:lnSpc>
               <a:spcBef>
                 <a:spcPts val="0"/>
@@ -11372,13 +11501,7 @@
               <a:buNone/>
             </a:pPr>
             <a:r>
-              <a:rPr lang="en-GB">
-                <a:latin typeface="Play"/>
-                <a:ea typeface="Play"/>
-                <a:cs typeface="Play"/>
-                <a:sym typeface="Play"/>
-              </a:rPr>
-              <a:t>Other AWS Services</a:t>
+              <a:t/>
             </a:r>
             <a:endParaRPr>
               <a:latin typeface="Play"/>
@@ -11387,164 +11510,8 @@
               <a:sym typeface="Play"/>
             </a:endParaRPr>
           </a:p>
-        </p:txBody>
-      </p:sp>
-      <p:cxnSp>
-        <p:nvCxnSpPr>
-          <p:cNvPr id="201" name="Google Shape;201;p27"/>
-          <p:cNvCxnSpPr/>
-          <p:nvPr/>
-        </p:nvCxnSpPr>
-        <p:spPr>
-          <a:xfrm>
-            <a:off x="7292625" y="1737788"/>
-            <a:ext cx="1324800" cy="0"/>
-          </a:xfrm>
-          <a:prstGeom prst="straightConnector1">
-            <a:avLst/>
-          </a:prstGeom>
-          <a:noFill/>
-          <a:ln cap="flat" cmpd="sng" w="9525">
-            <a:solidFill>
-              <a:schemeClr val="dk2"/>
-            </a:solidFill>
-            <a:prstDash val="dash"/>
-            <a:round/>
-            <a:headEnd len="med" w="med" type="none"/>
-            <a:tailEnd len="med" w="med" type="none"/>
-          </a:ln>
-        </p:spPr>
-      </p:cxnSp>
-      <p:cxnSp>
-        <p:nvCxnSpPr>
-          <p:cNvPr id="202" name="Google Shape;202;p27"/>
-          <p:cNvCxnSpPr/>
-          <p:nvPr/>
-        </p:nvCxnSpPr>
-        <p:spPr>
-          <a:xfrm>
-            <a:off x="7273975" y="2256663"/>
-            <a:ext cx="1324800" cy="0"/>
-          </a:xfrm>
-          <a:prstGeom prst="straightConnector1">
-            <a:avLst/>
-          </a:prstGeom>
-          <a:noFill/>
-          <a:ln cap="flat" cmpd="sng" w="9525">
-            <a:solidFill>
-              <a:schemeClr val="dk2"/>
-            </a:solidFill>
-            <a:prstDash val="dash"/>
-            <a:round/>
-            <a:headEnd len="med" w="med" type="none"/>
-            <a:tailEnd len="med" w="med" type="none"/>
-          </a:ln>
-        </p:spPr>
-      </p:cxnSp>
-      <p:cxnSp>
-        <p:nvCxnSpPr>
-          <p:cNvPr id="203" name="Google Shape;203;p27"/>
-          <p:cNvCxnSpPr/>
-          <p:nvPr/>
-        </p:nvCxnSpPr>
-        <p:spPr>
-          <a:xfrm>
-            <a:off x="7273975" y="2733663"/>
-            <a:ext cx="1324800" cy="0"/>
-          </a:xfrm>
-          <a:prstGeom prst="straightConnector1">
-            <a:avLst/>
-          </a:prstGeom>
-          <a:noFill/>
-          <a:ln cap="flat" cmpd="sng" w="9525">
-            <a:solidFill>
-              <a:schemeClr val="dk2"/>
-            </a:solidFill>
-            <a:prstDash val="dash"/>
-            <a:round/>
-            <a:headEnd len="med" w="med" type="none"/>
-            <a:tailEnd len="med" w="med" type="none"/>
-          </a:ln>
-        </p:spPr>
-      </p:cxnSp>
-      <p:cxnSp>
-        <p:nvCxnSpPr>
-          <p:cNvPr id="204" name="Google Shape;204;p27"/>
-          <p:cNvCxnSpPr/>
-          <p:nvPr/>
-        </p:nvCxnSpPr>
-        <p:spPr>
-          <a:xfrm>
-            <a:off x="5615950" y="2033400"/>
-            <a:ext cx="1011900" cy="0"/>
-          </a:xfrm>
-          <a:prstGeom prst="straightConnector1">
-            <a:avLst/>
-          </a:prstGeom>
-          <a:noFill/>
-          <a:ln cap="flat" cmpd="sng" w="9525">
-            <a:solidFill>
-              <a:schemeClr val="dk2"/>
-            </a:solidFill>
-            <a:prstDash val="dash"/>
-            <a:round/>
-            <a:headEnd len="med" w="med" type="none"/>
-            <a:tailEnd len="med" w="med" type="triangle"/>
-          </a:ln>
-        </p:spPr>
-      </p:cxnSp>
-      <p:cxnSp>
-        <p:nvCxnSpPr>
-          <p:cNvPr id="205" name="Google Shape;205;p27"/>
-          <p:cNvCxnSpPr/>
-          <p:nvPr/>
-        </p:nvCxnSpPr>
-        <p:spPr>
-          <a:xfrm>
-            <a:off x="2837025" y="2033388"/>
-            <a:ext cx="1011900" cy="0"/>
-          </a:xfrm>
-          <a:prstGeom prst="straightConnector1">
-            <a:avLst/>
-          </a:prstGeom>
-          <a:noFill/>
-          <a:ln cap="flat" cmpd="sng" w="9525">
-            <a:solidFill>
-              <a:schemeClr val="dk2"/>
-            </a:solidFill>
-            <a:prstDash val="dash"/>
-            <a:round/>
-            <a:headEnd len="med" w="med" type="none"/>
-            <a:tailEnd len="med" w="med" type="triangle"/>
-          </a:ln>
-        </p:spPr>
-      </p:cxnSp>
-      <p:sp>
-        <p:nvSpPr>
-          <p:cNvPr id="206" name="Google Shape;206;p27"/>
-          <p:cNvSpPr txBox="1"/>
-          <p:nvPr/>
-        </p:nvSpPr>
-        <p:spPr>
-          <a:xfrm>
-            <a:off x="461450" y="3493925"/>
-            <a:ext cx="2967900" cy="1182900"/>
-          </a:xfrm>
-          <a:prstGeom prst="rect">
-            <a:avLst/>
-          </a:prstGeom>
-          <a:noFill/>
-          <a:ln>
-            <a:noFill/>
-          </a:ln>
-        </p:spPr>
-        <p:txBody>
-          <a:bodyPr anchorCtr="0" anchor="ctr" bIns="91425" lIns="91425" spcFirstLastPara="1" rIns="91425" wrap="square" tIns="91425">
-            <a:noAutofit/>
-          </a:bodyPr>
-          <a:lstStyle/>
           <a:p>
-            <a:pPr indent="0" lvl="0" marL="0" rtl="0" algn="ctr">
+            <a:pPr indent="-317500" lvl="0" marL="457200" rtl="0" algn="just">
               <a:lnSpc>
                 <a:spcPct val="150000"/>
               </a:lnSpc>
@@ -11554,7 +11521,9 @@
               <a:spcAft>
                 <a:spcPts val="0"/>
               </a:spcAft>
-              <a:buNone/>
+              <a:buSzPts val="1400"/>
+              <a:buFont typeface="Play"/>
+              <a:buAutoNum type="arabicPeriod"/>
             </a:pPr>
             <a:r>
               <a:rPr lang="en-GB">
@@ -11563,7 +11532,7 @@
                 <a:cs typeface="Play"/>
                 <a:sym typeface="Play"/>
               </a:rPr>
-              <a:t>Chatbot receives user input. It can reply with answers, perform actions or ask more input.</a:t>
+              <a:t>Publish a version and create an alias.</a:t>
             </a:r>
             <a:endParaRPr>
               <a:latin typeface="Play"/>
@@ -11572,34 +11541,8 @@
               <a:sym typeface="Play"/>
             </a:endParaRPr>
           </a:p>
-        </p:txBody>
-      </p:sp>
-      <p:sp>
-        <p:nvSpPr>
-          <p:cNvPr id="207" name="Google Shape;207;p27"/>
-          <p:cNvSpPr txBox="1"/>
-          <p:nvPr/>
-        </p:nvSpPr>
-        <p:spPr>
-          <a:xfrm>
-            <a:off x="5134400" y="3493925"/>
-            <a:ext cx="3869100" cy="1182900"/>
-          </a:xfrm>
-          <a:prstGeom prst="rect">
-            <a:avLst/>
-          </a:prstGeom>
-          <a:noFill/>
-          <a:ln>
-            <a:noFill/>
-          </a:ln>
-        </p:spPr>
-        <p:txBody>
-          <a:bodyPr anchorCtr="0" anchor="ctr" bIns="91425" lIns="91425" spcFirstLastPara="1" rIns="91425" wrap="square" tIns="91425">
-            <a:noAutofit/>
-          </a:bodyPr>
-          <a:lstStyle/>
           <a:p>
-            <a:pPr indent="0" lvl="0" marL="0" rtl="0" algn="ctr">
+            <a:pPr indent="0" lvl="0" marL="0" rtl="0" algn="just">
               <a:lnSpc>
                 <a:spcPct val="150000"/>
               </a:lnSpc>
@@ -11610,6 +11553,31 @@
                 <a:spcPts val="0"/>
               </a:spcAft>
               <a:buNone/>
+            </a:pPr>
+            <a:r>
+              <a:t/>
+            </a:r>
+            <a:endParaRPr>
+              <a:latin typeface="Play"/>
+              <a:ea typeface="Play"/>
+              <a:cs typeface="Play"/>
+              <a:sym typeface="Play"/>
+            </a:endParaRPr>
+          </a:p>
+          <a:p>
+            <a:pPr indent="-317500" lvl="0" marL="457200" rtl="0" algn="just">
+              <a:lnSpc>
+                <a:spcPct val="150000"/>
+              </a:lnSpc>
+              <a:spcBef>
+                <a:spcPts val="0"/>
+              </a:spcBef>
+              <a:spcAft>
+                <a:spcPts val="0"/>
+              </a:spcAft>
+              <a:buSzPts val="1400"/>
+              <a:buFont typeface="Play"/>
+              <a:buAutoNum type="arabicPeriod"/>
             </a:pPr>
             <a:r>
               <a:rPr lang="en-GB">
@@ -11618,7 +11586,7 @@
                 <a:cs typeface="Play"/>
                 <a:sym typeface="Play"/>
               </a:rPr>
-              <a:t>Chatbot triggers AWS Lambda. Lambda function performs necessary action by integrating with other AWS services.</a:t>
+              <a:t>Deploy the bot on suitable platform.</a:t>
             </a:r>
             <a:endParaRPr>
               <a:latin typeface="Play"/>
@@ -11642,7 +11610,7 @@
   <p:cSld>
     <p:spTree>
       <p:nvGrpSpPr>
-        <p:cNvPr id="211" name="Shape 211"/>
+        <p:cNvPr id="210" name="Shape 210"/>
         <p:cNvGrpSpPr/>
         <p:nvPr/>
       </p:nvGrpSpPr>
@@ -11656,7 +11624,7 @@
       </p:grpSpPr>
       <p:sp>
         <p:nvSpPr>
-          <p:cNvPr id="212" name="Google Shape;212;p28"/>
+          <p:cNvPr id="211" name="Google Shape;211;p28"/>
           <p:cNvSpPr txBox="1"/>
           <p:nvPr/>
         </p:nvSpPr>
@@ -11706,7 +11674,7 @@
                 <a:cs typeface="Play"/>
                 <a:sym typeface="Play"/>
               </a:rPr>
-              <a:t>Steps to follow while working with Amazon Lex</a:t>
+              <a:t>Core Concepts &amp; Terminologies</a:t>
             </a:r>
             <a:endParaRPr b="1" sz="2000">
               <a:solidFill>
@@ -11722,14 +11690,14 @@
       </p:sp>
       <p:sp>
         <p:nvSpPr>
-          <p:cNvPr id="213" name="Google Shape;213;p28"/>
+          <p:cNvPr id="212" name="Google Shape;212;p28"/>
           <p:cNvSpPr txBox="1"/>
           <p:nvPr/>
         </p:nvSpPr>
         <p:spPr>
           <a:xfrm>
-            <a:off x="337475" y="910350"/>
-            <a:ext cx="7540500" cy="2549100"/>
+            <a:off x="271000" y="777075"/>
+            <a:ext cx="8537400" cy="2655000"/>
           </a:xfrm>
           <a:prstGeom prst="rect">
             <a:avLst/>
@@ -11755,20 +11723,41 @@
               <a:spcAft>
                 <a:spcPts val="0"/>
               </a:spcAft>
+              <a:buClr>
+                <a:schemeClr val="dk1"/>
+              </a:buClr>
               <a:buSzPts val="1400"/>
               <a:buFont typeface="Play"/>
-              <a:buAutoNum type="arabicPeriod"/>
+              <a:buChar char="-"/>
             </a:pPr>
             <a:r>
-              <a:rPr lang="en-GB">
+              <a:rPr b="1" lang="en-GB">
+                <a:solidFill>
+                  <a:schemeClr val="dk1"/>
+                </a:solidFill>
                 <a:latin typeface="Play"/>
                 <a:ea typeface="Play"/>
                 <a:cs typeface="Play"/>
                 <a:sym typeface="Play"/>
               </a:rPr>
-              <a:t>Create a chatbot &amp; configure it with intents, slots &amp; utterances.</a:t>
+              <a:t>Amazon Bot: </a:t>
+            </a:r>
+            <a:r>
+              <a:rPr lang="en-GB">
+                <a:solidFill>
+                  <a:schemeClr val="dk1"/>
+                </a:solidFill>
+                <a:latin typeface="Play"/>
+                <a:ea typeface="Play"/>
+                <a:cs typeface="Play"/>
+                <a:sym typeface="Play"/>
+              </a:rPr>
+              <a:t>An artificial intelligence program that simulates interactive conversation.</a:t>
             </a:r>
             <a:endParaRPr>
+              <a:solidFill>
+                <a:schemeClr val="dk1"/>
+              </a:solidFill>
               <a:latin typeface="Play"/>
               <a:ea typeface="Play"/>
               <a:cs typeface="Play"/>
@@ -11776,7 +11765,7 @@
             </a:endParaRPr>
           </a:p>
           <a:p>
-            <a:pPr indent="0" lvl="0" marL="0" rtl="0" algn="just">
+            <a:pPr indent="0" lvl="0" marL="457200" rtl="0" algn="just">
               <a:lnSpc>
                 <a:spcPct val="150000"/>
               </a:lnSpc>
@@ -11792,6 +11781,9 @@
               <a:t/>
             </a:r>
             <a:endParaRPr>
+              <a:solidFill>
+                <a:schemeClr val="dk1"/>
+              </a:solidFill>
               <a:latin typeface="Play"/>
               <a:ea typeface="Play"/>
               <a:cs typeface="Play"/>
@@ -11809,20 +11801,41 @@
               <a:spcAft>
                 <a:spcPts val="0"/>
               </a:spcAft>
+              <a:buClr>
+                <a:schemeClr val="dk1"/>
+              </a:buClr>
               <a:buSzPts val="1400"/>
               <a:buFont typeface="Play"/>
-              <a:buAutoNum type="arabicPeriod"/>
+              <a:buChar char="-"/>
             </a:pPr>
             <a:r>
-              <a:rPr lang="en-GB">
+              <a:rPr b="1" lang="en-GB">
+                <a:solidFill>
+                  <a:schemeClr val="dk1"/>
+                </a:solidFill>
                 <a:latin typeface="Play"/>
                 <a:ea typeface="Play"/>
                 <a:cs typeface="Play"/>
                 <a:sym typeface="Play"/>
               </a:rPr>
-              <a:t>Test the bot on text window slide provided by Lex Console.</a:t>
+              <a:t>Intent: </a:t>
+            </a:r>
+            <a:r>
+              <a:rPr lang="en-GB">
+                <a:solidFill>
+                  <a:schemeClr val="dk1"/>
+                </a:solidFill>
+                <a:latin typeface="Play"/>
+                <a:ea typeface="Play"/>
+                <a:cs typeface="Play"/>
+                <a:sym typeface="Play"/>
+              </a:rPr>
+              <a:t>An intent represents an action that user wants to perform.</a:t>
             </a:r>
             <a:endParaRPr>
+              <a:solidFill>
+                <a:schemeClr val="dk1"/>
+              </a:solidFill>
               <a:latin typeface="Play"/>
               <a:ea typeface="Play"/>
               <a:cs typeface="Play"/>
@@ -11830,7 +11843,7 @@
             </a:endParaRPr>
           </a:p>
           <a:p>
-            <a:pPr indent="0" lvl="0" marL="0" rtl="0" algn="just">
+            <a:pPr indent="0" lvl="0" marL="457200" rtl="0" algn="just">
               <a:lnSpc>
                 <a:spcPct val="150000"/>
               </a:lnSpc>
@@ -11846,6 +11859,9 @@
               <a:t/>
             </a:r>
             <a:endParaRPr>
+              <a:solidFill>
+                <a:schemeClr val="dk1"/>
+              </a:solidFill>
               <a:latin typeface="Play"/>
               <a:ea typeface="Play"/>
               <a:cs typeface="Play"/>
@@ -11863,20 +11879,41 @@
               <a:spcAft>
                 <a:spcPts val="0"/>
               </a:spcAft>
+              <a:buClr>
+                <a:schemeClr val="dk1"/>
+              </a:buClr>
               <a:buSzPts val="1400"/>
               <a:buFont typeface="Play"/>
-              <a:buAutoNum type="arabicPeriod"/>
+              <a:buChar char="-"/>
             </a:pPr>
             <a:r>
-              <a:rPr lang="en-GB">
+              <a:rPr b="1" lang="en-GB">
+                <a:solidFill>
+                  <a:schemeClr val="dk1"/>
+                </a:solidFill>
                 <a:latin typeface="Play"/>
                 <a:ea typeface="Play"/>
                 <a:cs typeface="Play"/>
                 <a:sym typeface="Play"/>
               </a:rPr>
-              <a:t>Publish a version and create an alias.</a:t>
+              <a:t>Slots: </a:t>
+            </a:r>
+            <a:r>
+              <a:rPr lang="en-GB">
+                <a:solidFill>
+                  <a:schemeClr val="dk1"/>
+                </a:solidFill>
+                <a:latin typeface="Play"/>
+                <a:ea typeface="Play"/>
+                <a:cs typeface="Play"/>
+                <a:sym typeface="Play"/>
+              </a:rPr>
+              <a:t>Slots are parameters that intent might require.</a:t>
             </a:r>
             <a:endParaRPr>
+              <a:solidFill>
+                <a:schemeClr val="dk1"/>
+              </a:solidFill>
               <a:latin typeface="Play"/>
               <a:ea typeface="Play"/>
               <a:cs typeface="Play"/>
@@ -11884,7 +11921,7 @@
             </a:endParaRPr>
           </a:p>
           <a:p>
-            <a:pPr indent="0" lvl="0" marL="0" rtl="0" algn="just">
+            <a:pPr indent="0" lvl="0" marL="457200" rtl="0" algn="just">
               <a:lnSpc>
                 <a:spcPct val="150000"/>
               </a:lnSpc>
@@ -11900,6 +11937,9 @@
               <a:t/>
             </a:r>
             <a:endParaRPr>
+              <a:solidFill>
+                <a:schemeClr val="dk1"/>
+              </a:solidFill>
               <a:latin typeface="Play"/>
               <a:ea typeface="Play"/>
               <a:cs typeface="Play"/>
@@ -11917,20 +11957,41 @@
               <a:spcAft>
                 <a:spcPts val="0"/>
               </a:spcAft>
+              <a:buClr>
+                <a:schemeClr val="dk1"/>
+              </a:buClr>
               <a:buSzPts val="1400"/>
               <a:buFont typeface="Play"/>
-              <a:buAutoNum type="arabicPeriod"/>
+              <a:buChar char="-"/>
             </a:pPr>
             <a:r>
-              <a:rPr lang="en-GB">
+              <a:rPr b="1" lang="en-GB">
+                <a:solidFill>
+                  <a:schemeClr val="dk1"/>
+                </a:solidFill>
                 <a:latin typeface="Play"/>
                 <a:ea typeface="Play"/>
                 <a:cs typeface="Play"/>
                 <a:sym typeface="Play"/>
               </a:rPr>
-              <a:t>Deploy the bot on suitable platform.</a:t>
+              <a:t>Slot Types: </a:t>
+            </a:r>
+            <a:r>
+              <a:rPr lang="en-GB">
+                <a:solidFill>
+                  <a:schemeClr val="dk1"/>
+                </a:solidFill>
+                <a:latin typeface="Play"/>
+                <a:ea typeface="Play"/>
+                <a:cs typeface="Play"/>
+                <a:sym typeface="Play"/>
+              </a:rPr>
+              <a:t>Every slot has a type. Can create built-in or custom slot types.</a:t>
             </a:r>
             <a:endParaRPr>
+              <a:solidFill>
+                <a:schemeClr val="dk1"/>
+              </a:solidFill>
               <a:latin typeface="Play"/>
               <a:ea typeface="Play"/>
               <a:cs typeface="Play"/>
@@ -11952,7 +12013,7 @@
   <p:cSld>
     <p:spTree>
       <p:nvGrpSpPr>
-        <p:cNvPr id="217" name="Shape 217"/>
+        <p:cNvPr id="216" name="Shape 216"/>
         <p:cNvGrpSpPr/>
         <p:nvPr/>
       </p:nvGrpSpPr>
@@ -11966,7 +12027,7 @@
       </p:grpSpPr>
       <p:sp>
         <p:nvSpPr>
-          <p:cNvPr id="218" name="Google Shape;218;p29"/>
+          <p:cNvPr id="217" name="Google Shape;217;p29"/>
           <p:cNvSpPr txBox="1"/>
           <p:nvPr/>
         </p:nvSpPr>
@@ -12032,14 +12093,664 @@
       </p:sp>
       <p:sp>
         <p:nvSpPr>
+          <p:cNvPr id="218" name="Google Shape;218;p29"/>
+          <p:cNvSpPr txBox="1"/>
+          <p:nvPr/>
+        </p:nvSpPr>
+        <p:spPr>
+          <a:xfrm>
+            <a:off x="761850" y="1427450"/>
+            <a:ext cx="1714200" cy="447900"/>
+          </a:xfrm>
+          <a:prstGeom prst="rect">
+            <a:avLst/>
+          </a:prstGeom>
+          <a:noFill/>
+          <a:ln>
+            <a:noFill/>
+          </a:ln>
+        </p:spPr>
+        <p:txBody>
+          <a:bodyPr anchorCtr="0" anchor="ctr" bIns="91425" lIns="91425" spcFirstLastPara="1" rIns="91425" wrap="square" tIns="91425">
+            <a:noAutofit/>
+          </a:bodyPr>
+          <a:lstStyle/>
+          <a:p>
+            <a:pPr indent="0" lvl="0" marL="0" rtl="0" algn="ctr">
+              <a:lnSpc>
+                <a:spcPct val="150000"/>
+              </a:lnSpc>
+              <a:spcBef>
+                <a:spcPts val="0"/>
+              </a:spcBef>
+              <a:spcAft>
+                <a:spcPts val="0"/>
+              </a:spcAft>
+              <a:buNone/>
+            </a:pPr>
+            <a:r>
+              <a:rPr lang="en-GB">
+                <a:latin typeface="Play"/>
+                <a:ea typeface="Play"/>
+                <a:cs typeface="Play"/>
+                <a:sym typeface="Play"/>
+              </a:rPr>
+              <a:t>Intent Fulfilment</a:t>
+            </a:r>
+            <a:endParaRPr>
+              <a:latin typeface="Play"/>
+              <a:ea typeface="Play"/>
+              <a:cs typeface="Play"/>
+              <a:sym typeface="Play"/>
+            </a:endParaRPr>
+          </a:p>
+        </p:txBody>
+      </p:sp>
+      <p:sp>
+        <p:nvSpPr>
           <p:cNvPr id="219" name="Google Shape;219;p29"/>
           <p:cNvSpPr txBox="1"/>
           <p:nvPr/>
         </p:nvSpPr>
         <p:spPr>
           <a:xfrm>
-            <a:off x="271000" y="777075"/>
-            <a:ext cx="8537400" cy="2655000"/>
+            <a:off x="607075" y="3436950"/>
+            <a:ext cx="1950900" cy="723300"/>
+          </a:xfrm>
+          <a:prstGeom prst="rect">
+            <a:avLst/>
+          </a:prstGeom>
+          <a:noFill/>
+          <a:ln>
+            <a:noFill/>
+          </a:ln>
+        </p:spPr>
+        <p:txBody>
+          <a:bodyPr anchorCtr="0" anchor="ctr" bIns="91425" lIns="91425" spcFirstLastPara="1" rIns="91425" wrap="square" tIns="91425">
+            <a:noAutofit/>
+          </a:bodyPr>
+          <a:lstStyle/>
+          <a:p>
+            <a:pPr indent="0" lvl="0" marL="0" rtl="0" algn="ctr">
+              <a:lnSpc>
+                <a:spcPct val="150000"/>
+              </a:lnSpc>
+              <a:spcBef>
+                <a:spcPts val="0"/>
+              </a:spcBef>
+              <a:spcAft>
+                <a:spcPts val="0"/>
+              </a:spcAft>
+              <a:buNone/>
+            </a:pPr>
+            <a:r>
+              <a:rPr lang="en-GB">
+                <a:latin typeface="Play"/>
+                <a:ea typeface="Play"/>
+                <a:cs typeface="Play"/>
+                <a:sym typeface="Play"/>
+              </a:rPr>
+              <a:t>Lambda Functions </a:t>
+            </a:r>
+            <a:endParaRPr>
+              <a:latin typeface="Play"/>
+              <a:ea typeface="Play"/>
+              <a:cs typeface="Play"/>
+              <a:sym typeface="Play"/>
+            </a:endParaRPr>
+          </a:p>
+          <a:p>
+            <a:pPr indent="0" lvl="0" marL="0" rtl="0" algn="ctr">
+              <a:lnSpc>
+                <a:spcPct val="150000"/>
+              </a:lnSpc>
+              <a:spcBef>
+                <a:spcPts val="0"/>
+              </a:spcBef>
+              <a:spcAft>
+                <a:spcPts val="0"/>
+              </a:spcAft>
+              <a:buNone/>
+            </a:pPr>
+            <a:r>
+              <a:rPr lang="en-GB">
+                <a:latin typeface="Play"/>
+                <a:ea typeface="Play"/>
+                <a:cs typeface="Play"/>
+                <a:sym typeface="Play"/>
+              </a:rPr>
+              <a:t>As Code Hook</a:t>
+            </a:r>
+            <a:endParaRPr>
+              <a:latin typeface="Play"/>
+              <a:ea typeface="Play"/>
+              <a:cs typeface="Play"/>
+              <a:sym typeface="Play"/>
+            </a:endParaRPr>
+          </a:p>
+        </p:txBody>
+      </p:sp>
+      <p:sp>
+        <p:nvSpPr>
+          <p:cNvPr id="220" name="Google Shape;220;p29"/>
+          <p:cNvSpPr txBox="1"/>
+          <p:nvPr/>
+        </p:nvSpPr>
+        <p:spPr>
+          <a:xfrm>
+            <a:off x="3996975" y="979550"/>
+            <a:ext cx="4705800" cy="447900"/>
+          </a:xfrm>
+          <a:prstGeom prst="rect">
+            <a:avLst/>
+          </a:prstGeom>
+          <a:noFill/>
+          <a:ln>
+            <a:noFill/>
+          </a:ln>
+        </p:spPr>
+        <p:txBody>
+          <a:bodyPr anchorCtr="0" anchor="ctr" bIns="91425" lIns="91425" spcFirstLastPara="1" rIns="91425" wrap="square" tIns="91425">
+            <a:noAutofit/>
+          </a:bodyPr>
+          <a:lstStyle/>
+          <a:p>
+            <a:pPr indent="0" lvl="0" marL="0" rtl="0" algn="just">
+              <a:lnSpc>
+                <a:spcPct val="150000"/>
+              </a:lnSpc>
+              <a:spcBef>
+                <a:spcPts val="0"/>
+              </a:spcBef>
+              <a:spcAft>
+                <a:spcPts val="0"/>
+              </a:spcAft>
+              <a:buNone/>
+            </a:pPr>
+            <a:r>
+              <a:rPr lang="en-GB">
+                <a:latin typeface="Play"/>
+                <a:ea typeface="Play"/>
+                <a:cs typeface="Play"/>
+                <a:sym typeface="Play"/>
+              </a:rPr>
+              <a:t>Built a Lambda function to fulfill the intent.</a:t>
+            </a:r>
+            <a:endParaRPr>
+              <a:latin typeface="Play"/>
+              <a:ea typeface="Play"/>
+              <a:cs typeface="Play"/>
+              <a:sym typeface="Play"/>
+            </a:endParaRPr>
+          </a:p>
+        </p:txBody>
+      </p:sp>
+      <p:sp>
+        <p:nvSpPr>
+          <p:cNvPr id="221" name="Google Shape;221;p29"/>
+          <p:cNvSpPr txBox="1"/>
+          <p:nvPr/>
+        </p:nvSpPr>
+        <p:spPr>
+          <a:xfrm>
+            <a:off x="3996975" y="1875350"/>
+            <a:ext cx="4705800" cy="447900"/>
+          </a:xfrm>
+          <a:prstGeom prst="rect">
+            <a:avLst/>
+          </a:prstGeom>
+          <a:noFill/>
+          <a:ln>
+            <a:noFill/>
+          </a:ln>
+        </p:spPr>
+        <p:txBody>
+          <a:bodyPr anchorCtr="0" anchor="ctr" bIns="91425" lIns="91425" spcFirstLastPara="1" rIns="91425" wrap="square" tIns="91425">
+            <a:noAutofit/>
+          </a:bodyPr>
+          <a:lstStyle/>
+          <a:p>
+            <a:pPr indent="0" lvl="0" marL="0" rtl="0" algn="just">
+              <a:lnSpc>
+                <a:spcPct val="150000"/>
+              </a:lnSpc>
+              <a:spcBef>
+                <a:spcPts val="0"/>
+              </a:spcBef>
+              <a:spcAft>
+                <a:spcPts val="0"/>
+              </a:spcAft>
+              <a:buNone/>
+            </a:pPr>
+            <a:r>
+              <a:rPr lang="en-GB">
+                <a:latin typeface="Play"/>
+                <a:ea typeface="Play"/>
+                <a:cs typeface="Play"/>
+                <a:sym typeface="Play"/>
+              </a:rPr>
+              <a:t>Client application does necessary fulfillment.</a:t>
+            </a:r>
+            <a:endParaRPr>
+              <a:latin typeface="Play"/>
+              <a:ea typeface="Play"/>
+              <a:cs typeface="Play"/>
+              <a:sym typeface="Play"/>
+            </a:endParaRPr>
+          </a:p>
+        </p:txBody>
+      </p:sp>
+      <p:sp>
+        <p:nvSpPr>
+          <p:cNvPr id="222" name="Google Shape;222;p29"/>
+          <p:cNvSpPr txBox="1"/>
+          <p:nvPr/>
+        </p:nvSpPr>
+        <p:spPr>
+          <a:xfrm>
+            <a:off x="3960675" y="2954100"/>
+            <a:ext cx="4742100" cy="447900"/>
+          </a:xfrm>
+          <a:prstGeom prst="rect">
+            <a:avLst/>
+          </a:prstGeom>
+          <a:noFill/>
+          <a:ln>
+            <a:noFill/>
+          </a:ln>
+        </p:spPr>
+        <p:txBody>
+          <a:bodyPr anchorCtr="0" anchor="ctr" bIns="91425" lIns="91425" spcFirstLastPara="1" rIns="91425" wrap="square" tIns="91425">
+            <a:noAutofit/>
+          </a:bodyPr>
+          <a:lstStyle/>
+          <a:p>
+            <a:pPr indent="0" lvl="0" marL="0" rtl="0" algn="just">
+              <a:lnSpc>
+                <a:spcPct val="150000"/>
+              </a:lnSpc>
+              <a:spcBef>
+                <a:spcPts val="0"/>
+              </a:spcBef>
+              <a:spcAft>
+                <a:spcPts val="0"/>
+              </a:spcAft>
+              <a:buNone/>
+            </a:pPr>
+            <a:r>
+              <a:rPr lang="en-GB">
+                <a:latin typeface="Play"/>
+                <a:ea typeface="Play"/>
+                <a:cs typeface="Play"/>
+                <a:sym typeface="Play"/>
+              </a:rPr>
+              <a:t>Customises user interaction.</a:t>
+            </a:r>
+            <a:endParaRPr>
+              <a:latin typeface="Play"/>
+              <a:ea typeface="Play"/>
+              <a:cs typeface="Play"/>
+              <a:sym typeface="Play"/>
+            </a:endParaRPr>
+          </a:p>
+        </p:txBody>
+      </p:sp>
+      <p:sp>
+        <p:nvSpPr>
+          <p:cNvPr id="223" name="Google Shape;223;p29"/>
+          <p:cNvSpPr txBox="1"/>
+          <p:nvPr/>
+        </p:nvSpPr>
+        <p:spPr>
+          <a:xfrm>
+            <a:off x="3996975" y="3557175"/>
+            <a:ext cx="4705800" cy="447900"/>
+          </a:xfrm>
+          <a:prstGeom prst="rect">
+            <a:avLst/>
+          </a:prstGeom>
+          <a:noFill/>
+          <a:ln>
+            <a:noFill/>
+          </a:ln>
+        </p:spPr>
+        <p:txBody>
+          <a:bodyPr anchorCtr="0" anchor="ctr" bIns="91425" lIns="91425" spcFirstLastPara="1" rIns="91425" wrap="square" tIns="91425">
+            <a:noAutofit/>
+          </a:bodyPr>
+          <a:lstStyle/>
+          <a:p>
+            <a:pPr indent="0" lvl="0" marL="0" rtl="0" algn="just">
+              <a:lnSpc>
+                <a:spcPct val="150000"/>
+              </a:lnSpc>
+              <a:spcBef>
+                <a:spcPts val="0"/>
+              </a:spcBef>
+              <a:spcAft>
+                <a:spcPts val="0"/>
+              </a:spcAft>
+              <a:buNone/>
+            </a:pPr>
+            <a:r>
+              <a:rPr lang="en-GB">
+                <a:latin typeface="Play"/>
+                <a:ea typeface="Play"/>
+                <a:cs typeface="Play"/>
+                <a:sym typeface="Play"/>
+              </a:rPr>
+              <a:t>Initiates and Validates user input.</a:t>
+            </a:r>
+            <a:endParaRPr>
+              <a:latin typeface="Play"/>
+              <a:ea typeface="Play"/>
+              <a:cs typeface="Play"/>
+              <a:sym typeface="Play"/>
+            </a:endParaRPr>
+          </a:p>
+        </p:txBody>
+      </p:sp>
+      <p:sp>
+        <p:nvSpPr>
+          <p:cNvPr id="224" name="Google Shape;224;p29"/>
+          <p:cNvSpPr txBox="1"/>
+          <p:nvPr/>
+        </p:nvSpPr>
+        <p:spPr>
+          <a:xfrm>
+            <a:off x="3960675" y="4160250"/>
+            <a:ext cx="4742100" cy="447900"/>
+          </a:xfrm>
+          <a:prstGeom prst="rect">
+            <a:avLst/>
+          </a:prstGeom>
+          <a:noFill/>
+          <a:ln>
+            <a:noFill/>
+          </a:ln>
+        </p:spPr>
+        <p:txBody>
+          <a:bodyPr anchorCtr="0" anchor="ctr" bIns="91425" lIns="91425" spcFirstLastPara="1" rIns="91425" wrap="square" tIns="91425">
+            <a:noAutofit/>
+          </a:bodyPr>
+          <a:lstStyle/>
+          <a:p>
+            <a:pPr indent="0" lvl="0" marL="0" rtl="0" algn="just">
+              <a:lnSpc>
+                <a:spcPct val="150000"/>
+              </a:lnSpc>
+              <a:spcBef>
+                <a:spcPts val="0"/>
+              </a:spcBef>
+              <a:spcAft>
+                <a:spcPts val="0"/>
+              </a:spcAft>
+              <a:buNone/>
+            </a:pPr>
+            <a:r>
+              <a:rPr lang="en-GB">
+                <a:latin typeface="Play"/>
+                <a:ea typeface="Play"/>
+                <a:cs typeface="Play"/>
+                <a:sym typeface="Play"/>
+              </a:rPr>
+              <a:t>Fulfills user’s intent.</a:t>
+            </a:r>
+            <a:endParaRPr>
+              <a:latin typeface="Play"/>
+              <a:ea typeface="Play"/>
+              <a:cs typeface="Play"/>
+              <a:sym typeface="Play"/>
+            </a:endParaRPr>
+          </a:p>
+        </p:txBody>
+      </p:sp>
+      <p:cxnSp>
+        <p:nvCxnSpPr>
+          <p:cNvPr id="225" name="Google Shape;225;p29"/>
+          <p:cNvCxnSpPr>
+            <a:stCxn id="218" idx="3"/>
+            <a:endCxn id="220" idx="1"/>
+          </p:cNvCxnSpPr>
+          <p:nvPr/>
+        </p:nvCxnSpPr>
+        <p:spPr>
+          <a:xfrm flipH="1" rot="10800000">
+            <a:off x="2476050" y="1203500"/>
+            <a:ext cx="1521000" cy="447900"/>
+          </a:xfrm>
+          <a:prstGeom prst="straightConnector1">
+            <a:avLst/>
+          </a:prstGeom>
+          <a:noFill/>
+          <a:ln cap="flat" cmpd="sng" w="9525">
+            <a:solidFill>
+              <a:schemeClr val="dk2"/>
+            </a:solidFill>
+            <a:prstDash val="solid"/>
+            <a:round/>
+            <a:headEnd len="med" w="med" type="none"/>
+            <a:tailEnd len="med" w="med" type="none"/>
+          </a:ln>
+        </p:spPr>
+      </p:cxnSp>
+      <p:cxnSp>
+        <p:nvCxnSpPr>
+          <p:cNvPr id="226" name="Google Shape;226;p29"/>
+          <p:cNvCxnSpPr>
+            <a:stCxn id="218" idx="3"/>
+            <a:endCxn id="221" idx="1"/>
+          </p:cNvCxnSpPr>
+          <p:nvPr/>
+        </p:nvCxnSpPr>
+        <p:spPr>
+          <a:xfrm>
+            <a:off x="2476050" y="1651400"/>
+            <a:ext cx="1521000" cy="447900"/>
+          </a:xfrm>
+          <a:prstGeom prst="straightConnector1">
+            <a:avLst/>
+          </a:prstGeom>
+          <a:noFill/>
+          <a:ln cap="flat" cmpd="sng" w="9525">
+            <a:solidFill>
+              <a:schemeClr val="dk2"/>
+            </a:solidFill>
+            <a:prstDash val="solid"/>
+            <a:round/>
+            <a:headEnd len="med" w="med" type="none"/>
+            <a:tailEnd len="med" w="med" type="none"/>
+          </a:ln>
+        </p:spPr>
+      </p:cxnSp>
+      <p:cxnSp>
+        <p:nvCxnSpPr>
+          <p:cNvPr id="227" name="Google Shape;227;p29"/>
+          <p:cNvCxnSpPr>
+            <a:stCxn id="219" idx="3"/>
+            <a:endCxn id="222" idx="1"/>
+          </p:cNvCxnSpPr>
+          <p:nvPr/>
+        </p:nvCxnSpPr>
+        <p:spPr>
+          <a:xfrm flipH="1" rot="10800000">
+            <a:off x="2557975" y="3178200"/>
+            <a:ext cx="1402800" cy="620400"/>
+          </a:xfrm>
+          <a:prstGeom prst="straightConnector1">
+            <a:avLst/>
+          </a:prstGeom>
+          <a:noFill/>
+          <a:ln cap="flat" cmpd="sng" w="9525">
+            <a:solidFill>
+              <a:schemeClr val="dk2"/>
+            </a:solidFill>
+            <a:prstDash val="solid"/>
+            <a:round/>
+            <a:headEnd len="med" w="med" type="none"/>
+            <a:tailEnd len="med" w="med" type="none"/>
+          </a:ln>
+        </p:spPr>
+      </p:cxnSp>
+      <p:cxnSp>
+        <p:nvCxnSpPr>
+          <p:cNvPr id="228" name="Google Shape;228;p29"/>
+          <p:cNvCxnSpPr>
+            <a:stCxn id="219" idx="3"/>
+            <a:endCxn id="223" idx="1"/>
+          </p:cNvCxnSpPr>
+          <p:nvPr/>
+        </p:nvCxnSpPr>
+        <p:spPr>
+          <a:xfrm flipH="1" rot="10800000">
+            <a:off x="2557975" y="3781200"/>
+            <a:ext cx="1439100" cy="17400"/>
+          </a:xfrm>
+          <a:prstGeom prst="straightConnector1">
+            <a:avLst/>
+          </a:prstGeom>
+          <a:noFill/>
+          <a:ln cap="flat" cmpd="sng" w="9525">
+            <a:solidFill>
+              <a:schemeClr val="dk2"/>
+            </a:solidFill>
+            <a:prstDash val="solid"/>
+            <a:round/>
+            <a:headEnd len="med" w="med" type="none"/>
+            <a:tailEnd len="med" w="med" type="none"/>
+          </a:ln>
+        </p:spPr>
+      </p:cxnSp>
+      <p:cxnSp>
+        <p:nvCxnSpPr>
+          <p:cNvPr id="229" name="Google Shape;229;p29"/>
+          <p:cNvCxnSpPr>
+            <a:stCxn id="219" idx="3"/>
+            <a:endCxn id="224" idx="1"/>
+          </p:cNvCxnSpPr>
+          <p:nvPr/>
+        </p:nvCxnSpPr>
+        <p:spPr>
+          <a:xfrm>
+            <a:off x="2557975" y="3798600"/>
+            <a:ext cx="1402800" cy="585600"/>
+          </a:xfrm>
+          <a:prstGeom prst="straightConnector1">
+            <a:avLst/>
+          </a:prstGeom>
+          <a:noFill/>
+          <a:ln cap="flat" cmpd="sng" w="9525">
+            <a:solidFill>
+              <a:schemeClr val="dk2"/>
+            </a:solidFill>
+            <a:prstDash val="solid"/>
+            <a:round/>
+            <a:headEnd len="med" w="med" type="none"/>
+            <a:tailEnd len="med" w="med" type="none"/>
+          </a:ln>
+        </p:spPr>
+      </p:cxnSp>
+    </p:spTree>
+  </p:cSld>
+  <p:clrMapOvr>
+    <a:masterClrMapping/>
+  </p:clrMapOvr>
+</p:sld>
+</file>
+
+<file path=ppt/slides/slide18.xml><?xml version="1.0" encoding="utf-8"?>
+<p:sld xmlns:a="http://schemas.openxmlformats.org/drawingml/2006/main" xmlns:r="http://schemas.openxmlformats.org/officeDocument/2006/relationships" xmlns:mc="http://schemas.openxmlformats.org/markup-compatibility/2006" xmlns:mv="urn:schemas-microsoft-com:mac:vml" xmlns:p="http://schemas.openxmlformats.org/presentationml/2006/main" xmlns:c="http://schemas.openxmlformats.org/drawingml/2006/chart" xmlns:dgm="http://schemas.openxmlformats.org/drawingml/2006/diagram" xmlns:o="urn:schemas-microsoft-com:office:office" xmlns:v="urn:schemas-microsoft-com:vml" xmlns:pvml="urn:schemas-microsoft-com:office:powerpoint" xmlns:com="http://schemas.openxmlformats.org/drawingml/2006/compatibility" xmlns:p14="http://schemas.microsoft.com/office/powerpoint/2010/main" xmlns:p15="http://schemas.microsoft.com/office/powerpoint/2012/main" xmlns:ahyp="http://schemas.microsoft.com/office/drawing/2018/hyperlinkcolor">
+  <p:cSld>
+    <p:spTree>
+      <p:nvGrpSpPr>
+        <p:cNvPr id="233" name="Shape 233"/>
+        <p:cNvGrpSpPr/>
+        <p:nvPr/>
+      </p:nvGrpSpPr>
+      <p:grpSpPr>
+        <a:xfrm>
+          <a:off x="0" y="0"/>
+          <a:ext cx="0" cy="0"/>
+          <a:chOff x="0" y="0"/>
+          <a:chExt cx="0" cy="0"/>
+        </a:xfrm>
+      </p:grpSpPr>
+      <p:sp>
+        <p:nvSpPr>
+          <p:cNvPr id="234" name="Google Shape;234;p30"/>
+          <p:cNvSpPr txBox="1"/>
+          <p:nvPr/>
+        </p:nvSpPr>
+        <p:spPr>
+          <a:xfrm>
+            <a:off x="270900" y="234375"/>
+            <a:ext cx="8602200" cy="492600"/>
+          </a:xfrm>
+          <a:prstGeom prst="rect">
+            <a:avLst/>
+          </a:prstGeom>
+          <a:noFill/>
+          <a:ln>
+            <a:noFill/>
+          </a:ln>
+        </p:spPr>
+        <p:txBody>
+          <a:bodyPr anchorCtr="0" anchor="t" bIns="91425" lIns="91425" spcFirstLastPara="1" rIns="91425" wrap="square" tIns="91425">
+            <a:spAutoFit/>
+          </a:bodyPr>
+          <a:lstStyle/>
+          <a:p>
+            <a:pPr indent="0" lvl="0" marL="0" marR="0" rtl="0" algn="l">
+              <a:lnSpc>
+                <a:spcPct val="100000"/>
+              </a:lnSpc>
+              <a:spcBef>
+                <a:spcPts val="0"/>
+              </a:spcBef>
+              <a:spcAft>
+                <a:spcPts val="0"/>
+              </a:spcAft>
+              <a:buClr>
+                <a:srgbClr val="000000"/>
+              </a:buClr>
+              <a:buSzPts val="2000"/>
+              <a:buFont typeface="Arial"/>
+              <a:buNone/>
+            </a:pPr>
+            <a:r>
+              <a:rPr b="1" lang="en-GB" sz="2000">
+                <a:solidFill>
+                  <a:schemeClr val="dk1"/>
+                </a:solidFill>
+                <a:latin typeface="Play"/>
+                <a:ea typeface="Play"/>
+                <a:cs typeface="Play"/>
+                <a:sym typeface="Play"/>
+              </a:rPr>
+              <a:t>Conclusion</a:t>
+            </a:r>
+            <a:endParaRPr b="1" i="0" sz="2000" u="none" cap="none" strike="noStrike">
+              <a:solidFill>
+                <a:schemeClr val="dk1"/>
+              </a:solidFill>
+              <a:latin typeface="Play"/>
+              <a:ea typeface="Play"/>
+              <a:cs typeface="Play"/>
+              <a:sym typeface="Play"/>
+            </a:endParaRPr>
+          </a:p>
+        </p:txBody>
+      </p:sp>
+      <p:sp>
+        <p:nvSpPr>
+          <p:cNvPr id="235" name="Google Shape;235;p30"/>
+          <p:cNvSpPr txBox="1"/>
+          <p:nvPr/>
+        </p:nvSpPr>
+        <p:spPr>
+          <a:xfrm>
+            <a:off x="270900" y="813625"/>
+            <a:ext cx="8602200" cy="4049400"/>
           </a:xfrm>
           <a:prstGeom prst="rect">
             <a:avLst/>
@@ -12073,18 +12784,6 @@
               <a:buChar char="-"/>
             </a:pPr>
             <a:r>
-              <a:rPr b="1" lang="en-GB">
-                <a:solidFill>
-                  <a:schemeClr val="dk1"/>
-                </a:solidFill>
-                <a:latin typeface="Play"/>
-                <a:ea typeface="Play"/>
-                <a:cs typeface="Play"/>
-                <a:sym typeface="Play"/>
-              </a:rPr>
-              <a:t>Amazon Bot: </a:t>
-            </a:r>
-            <a:r>
               <a:rPr lang="en-GB">
                 <a:solidFill>
                   <a:schemeClr val="dk1"/>
@@ -12094,7 +12793,7 @@
                 <a:cs typeface="Play"/>
                 <a:sym typeface="Play"/>
               </a:rPr>
-              <a:t>An artificial intelligence program that simulates interactive conversation.</a:t>
+              <a:t>This project focuses on creating a Pizza Ordering Chatbot using Amazon Lex to help the user order pizza, where the user can select the type of pizza, the crust, the appetizers.  </a:t>
             </a:r>
             <a:endParaRPr>
               <a:solidFill>
@@ -12107,7 +12806,7 @@
             </a:endParaRPr>
           </a:p>
           <a:p>
-            <a:pPr indent="0" lvl="0" marL="457200" rtl="0" algn="just">
+            <a:pPr indent="0" lvl="0" marL="457200" marR="0" rtl="0" algn="just">
               <a:lnSpc>
                 <a:spcPct val="150000"/>
               </a:lnSpc>
@@ -12133,7 +12832,7 @@
             </a:endParaRPr>
           </a:p>
           <a:p>
-            <a:pPr indent="-317500" lvl="0" marL="457200" rtl="0" algn="just">
+            <a:pPr indent="-317500" lvl="0" marL="457200" marR="0" rtl="0" algn="just">
               <a:lnSpc>
                 <a:spcPct val="150000"/>
               </a:lnSpc>
@@ -12150,18 +12849,6 @@
               <a:buFont typeface="Play"/>
               <a:buChar char="-"/>
             </a:pPr>
-            <a:r>
-              <a:rPr b="1" lang="en-GB">
-                <a:solidFill>
-                  <a:schemeClr val="dk1"/>
-                </a:solidFill>
-                <a:latin typeface="Play"/>
-                <a:ea typeface="Play"/>
-                <a:cs typeface="Play"/>
-                <a:sym typeface="Play"/>
-              </a:rPr>
-              <a:t>Intent: </a:t>
-            </a:r>
             <a:r>
               <a:rPr lang="en-GB">
                 <a:solidFill>
@@ -12172,7 +12859,79 @@
                 <a:cs typeface="Play"/>
                 <a:sym typeface="Play"/>
               </a:rPr>
-              <a:t>An intent represents an action that user wants to perform.</a:t>
+              <a:t>Through the proposed system, PizzaOrdering chatbot will </a:t>
+            </a:r>
+            <a:r>
+              <a:rPr lang="en-GB">
+                <a:solidFill>
+                  <a:schemeClr val="dk1"/>
+                </a:solidFill>
+                <a:latin typeface="Play"/>
+                <a:ea typeface="Play"/>
+                <a:cs typeface="Play"/>
+                <a:sym typeface="Play"/>
+              </a:rPr>
+              <a:t>efficiently</a:t>
+            </a:r>
+            <a:r>
+              <a:rPr lang="en-GB">
+                <a:solidFill>
+                  <a:schemeClr val="dk1"/>
+                </a:solidFill>
+                <a:latin typeface="Play"/>
+                <a:ea typeface="Play"/>
+                <a:cs typeface="Play"/>
+                <a:sym typeface="Play"/>
+              </a:rPr>
+              <a:t> </a:t>
+            </a:r>
+            <a:r>
+              <a:rPr lang="en-GB">
+                <a:solidFill>
+                  <a:schemeClr val="dk1"/>
+                </a:solidFill>
+                <a:latin typeface="Play"/>
+                <a:ea typeface="Play"/>
+                <a:cs typeface="Play"/>
+                <a:sym typeface="Play"/>
+              </a:rPr>
+              <a:t>handle</a:t>
+            </a:r>
+            <a:r>
+              <a:rPr lang="en-GB">
+                <a:solidFill>
+                  <a:schemeClr val="dk1"/>
+                </a:solidFill>
+                <a:latin typeface="Play"/>
+                <a:ea typeface="Play"/>
+                <a:cs typeface="Play"/>
+                <a:sym typeface="Play"/>
+              </a:rPr>
+              <a:t> the customers and take their order in a simple yet </a:t>
+            </a:r>
+            <a:r>
+              <a:rPr lang="en-GB">
+                <a:solidFill>
+                  <a:schemeClr val="dk1"/>
+                </a:solidFill>
+                <a:latin typeface="Play"/>
+                <a:ea typeface="Play"/>
+                <a:cs typeface="Play"/>
+                <a:sym typeface="Play"/>
+              </a:rPr>
+              <a:t>coherent</a:t>
+            </a:r>
+            <a:r>
+              <a:rPr lang="en-GB">
+                <a:solidFill>
+                  <a:schemeClr val="dk1"/>
+                </a:solidFill>
+                <a:latin typeface="Play"/>
+                <a:ea typeface="Play"/>
+                <a:cs typeface="Play"/>
+                <a:sym typeface="Play"/>
+              </a:rPr>
+              <a:t> way. </a:t>
             </a:r>
             <a:endParaRPr>
               <a:solidFill>
@@ -12185,7 +12944,7 @@
             </a:endParaRPr>
           </a:p>
           <a:p>
-            <a:pPr indent="0" lvl="0" marL="457200" rtl="0" algn="just">
+            <a:pPr indent="0" lvl="0" marL="457200" marR="0" rtl="0" algn="just">
               <a:lnSpc>
                 <a:spcPct val="150000"/>
               </a:lnSpc>
@@ -12211,7 +12970,7 @@
             </a:endParaRPr>
           </a:p>
           <a:p>
-            <a:pPr indent="-317500" lvl="0" marL="457200" rtl="0" algn="just">
+            <a:pPr indent="-317500" lvl="0" marL="457200" marR="0" rtl="0" algn="just">
               <a:lnSpc>
                 <a:spcPct val="150000"/>
               </a:lnSpc>
@@ -12228,18 +12987,6 @@
               <a:buFont typeface="Play"/>
               <a:buChar char="-"/>
             </a:pPr>
-            <a:r>
-              <a:rPr b="1" lang="en-GB">
-                <a:solidFill>
-                  <a:schemeClr val="dk1"/>
-                </a:solidFill>
-                <a:latin typeface="Play"/>
-                <a:ea typeface="Play"/>
-                <a:cs typeface="Play"/>
-                <a:sym typeface="Play"/>
-              </a:rPr>
-              <a:t>Slots: </a:t>
-            </a:r>
             <a:r>
               <a:rPr lang="en-GB">
                 <a:solidFill>
@@ -12250,7 +12997,55 @@
                 <a:cs typeface="Play"/>
                 <a:sym typeface="Play"/>
               </a:rPr>
-              <a:t>Slots are parameters that intent might require.</a:t>
+              <a:t>The chatbot carries out the conversation in a </a:t>
+            </a:r>
+            <a:r>
+              <a:rPr lang="en-GB">
+                <a:solidFill>
+                  <a:schemeClr val="dk1"/>
+                </a:solidFill>
+                <a:latin typeface="Play"/>
+                <a:ea typeface="Play"/>
+                <a:cs typeface="Play"/>
+                <a:sym typeface="Play"/>
+              </a:rPr>
+              <a:t>pleasant</a:t>
+            </a:r>
+            <a:r>
+              <a:rPr lang="en-GB">
+                <a:solidFill>
+                  <a:schemeClr val="dk1"/>
+                </a:solidFill>
+                <a:latin typeface="Play"/>
+                <a:ea typeface="Play"/>
+                <a:cs typeface="Play"/>
+                <a:sym typeface="Play"/>
+              </a:rPr>
+              <a:t> way and is methodically asking for the type of pizza, the pizza crust and appetizers. It </a:t>
+            </a:r>
+            <a:r>
+              <a:rPr lang="en-GB">
+                <a:solidFill>
+                  <a:schemeClr val="dk1"/>
+                </a:solidFill>
+                <a:latin typeface="Play"/>
+                <a:ea typeface="Play"/>
+                <a:cs typeface="Play"/>
+                <a:sym typeface="Play"/>
+              </a:rPr>
+              <a:t>additionally</a:t>
+            </a:r>
+            <a:r>
+              <a:rPr lang="en-GB">
+                <a:solidFill>
+                  <a:schemeClr val="dk1"/>
+                </a:solidFill>
+                <a:latin typeface="Play"/>
+                <a:ea typeface="Play"/>
+                <a:cs typeface="Play"/>
+                <a:sym typeface="Play"/>
+              </a:rPr>
+              <a:t> ask for the delivery time and ask for confirmation as well. </a:t>
             </a:r>
             <a:endParaRPr>
               <a:solidFill>
@@ -12263,7 +13058,7 @@
             </a:endParaRPr>
           </a:p>
           <a:p>
-            <a:pPr indent="0" lvl="0" marL="457200" rtl="0" algn="just">
+            <a:pPr indent="0" lvl="0" marL="457200" marR="0" rtl="0" algn="just">
               <a:lnSpc>
                 <a:spcPct val="150000"/>
               </a:lnSpc>
@@ -12289,7 +13084,7 @@
             </a:endParaRPr>
           </a:p>
           <a:p>
-            <a:pPr indent="-317500" lvl="0" marL="457200" rtl="0" algn="just">
+            <a:pPr indent="-317500" lvl="0" marL="457200" marR="0" rtl="0" algn="just">
               <a:lnSpc>
                 <a:spcPct val="150000"/>
               </a:lnSpc>
@@ -12306,18 +13101,6 @@
               <a:buFont typeface="Play"/>
               <a:buChar char="-"/>
             </a:pPr>
-            <a:r>
-              <a:rPr b="1" lang="en-GB">
-                <a:solidFill>
-                  <a:schemeClr val="dk1"/>
-                </a:solidFill>
-                <a:latin typeface="Play"/>
-                <a:ea typeface="Play"/>
-                <a:cs typeface="Play"/>
-                <a:sym typeface="Play"/>
-              </a:rPr>
-              <a:t>Slot Types: </a:t>
-            </a:r>
             <a:r>
               <a:rPr lang="en-GB">
                 <a:solidFill>
@@ -12328,7 +13111,31 @@
                 <a:cs typeface="Play"/>
                 <a:sym typeface="Play"/>
               </a:rPr>
-              <a:t>Every slot has a type. Can create built-in or custom slot types.</a:t>
+              <a:t>Using Amazon Lex, we can furthermore </a:t>
+            </a:r>
+            <a:r>
+              <a:rPr lang="en-GB">
+                <a:solidFill>
+                  <a:schemeClr val="dk1"/>
+                </a:solidFill>
+                <a:latin typeface="Play"/>
+                <a:ea typeface="Play"/>
+                <a:cs typeface="Play"/>
+                <a:sym typeface="Play"/>
+              </a:rPr>
+              <a:t>enhance</a:t>
+            </a:r>
+            <a:r>
+              <a:rPr lang="en-GB">
+                <a:solidFill>
+                  <a:schemeClr val="dk1"/>
+                </a:solidFill>
+                <a:latin typeface="Play"/>
+                <a:ea typeface="Play"/>
+                <a:cs typeface="Play"/>
+                <a:sym typeface="Play"/>
+              </a:rPr>
+              <a:t> the look and the utterances of the chatbot and deploy it on a full scale website using Amazon Cloud Services. </a:t>
             </a:r>
             <a:endParaRPr>
               <a:solidFill>
@@ -12350,12 +13157,12 @@
 </p:sld>
 </file>
 
-<file path=ppt/slides/slide18.xml><?xml version="1.0" encoding="utf-8"?>
+<file path=ppt/slides/slide19.xml><?xml version="1.0" encoding="utf-8"?>
 <p:sld xmlns:a="http://schemas.openxmlformats.org/drawingml/2006/main" xmlns:r="http://schemas.openxmlformats.org/officeDocument/2006/relationships" xmlns:mc="http://schemas.openxmlformats.org/markup-compatibility/2006" xmlns:mv="urn:schemas-microsoft-com:mac:vml" xmlns:p="http://schemas.openxmlformats.org/presentationml/2006/main" xmlns:c="http://schemas.openxmlformats.org/drawingml/2006/chart" xmlns:dgm="http://schemas.openxmlformats.org/drawingml/2006/diagram" xmlns:o="urn:schemas-microsoft-com:office:office" xmlns:v="urn:schemas-microsoft-com:vml" xmlns:pvml="urn:schemas-microsoft-com:office:powerpoint" xmlns:com="http://schemas.openxmlformats.org/drawingml/2006/compatibility" xmlns:p14="http://schemas.microsoft.com/office/powerpoint/2010/main" xmlns:p15="http://schemas.microsoft.com/office/powerpoint/2012/main" xmlns:ahyp="http://schemas.microsoft.com/office/drawing/2018/hyperlinkcolor">
   <p:cSld>
     <p:spTree>
       <p:nvGrpSpPr>
-        <p:cNvPr id="223" name="Shape 223"/>
+        <p:cNvPr id="239" name="Shape 239"/>
         <p:cNvGrpSpPr/>
         <p:nvPr/>
       </p:nvGrpSpPr>
@@ -12369,7 +13176,7 @@
       </p:grpSpPr>
       <p:sp>
         <p:nvSpPr>
-          <p:cNvPr id="224" name="Google Shape;224;p30"/>
+          <p:cNvPr id="240" name="Google Shape;240;p31"/>
           <p:cNvSpPr txBox="1"/>
           <p:nvPr/>
         </p:nvSpPr>
@@ -12419,7 +13226,19 @@
                 <a:cs typeface="Play"/>
                 <a:sym typeface="Play"/>
               </a:rPr>
-              <a:t>Core Concepts &amp; Terminologies</a:t>
+              <a:t>Chatbot </a:t>
+            </a:r>
+            <a:r>
+              <a:rPr b="1" lang="en-GB" sz="2000">
+                <a:solidFill>
+                  <a:schemeClr val="dk1"/>
+                </a:solidFill>
+                <a:latin typeface="Play"/>
+                <a:ea typeface="Play"/>
+                <a:cs typeface="Play"/>
+                <a:sym typeface="Play"/>
+              </a:rPr>
+              <a:t>Demo</a:t>
             </a:r>
             <a:endParaRPr b="1" sz="2000">
               <a:solidFill>
@@ -12435,1493 +13254,7 @@
       </p:sp>
       <p:sp>
         <p:nvSpPr>
-          <p:cNvPr id="225" name="Google Shape;225;p30"/>
-          <p:cNvSpPr txBox="1"/>
-          <p:nvPr/>
-        </p:nvSpPr>
-        <p:spPr>
-          <a:xfrm>
-            <a:off x="761850" y="1427450"/>
-            <a:ext cx="1714200" cy="447900"/>
-          </a:xfrm>
-          <a:prstGeom prst="rect">
-            <a:avLst/>
-          </a:prstGeom>
-          <a:noFill/>
-          <a:ln>
-            <a:noFill/>
-          </a:ln>
-        </p:spPr>
-        <p:txBody>
-          <a:bodyPr anchorCtr="0" anchor="ctr" bIns="91425" lIns="91425" spcFirstLastPara="1" rIns="91425" wrap="square" tIns="91425">
-            <a:noAutofit/>
-          </a:bodyPr>
-          <a:lstStyle/>
-          <a:p>
-            <a:pPr indent="0" lvl="0" marL="0" rtl="0" algn="ctr">
-              <a:lnSpc>
-                <a:spcPct val="150000"/>
-              </a:lnSpc>
-              <a:spcBef>
-                <a:spcPts val="0"/>
-              </a:spcBef>
-              <a:spcAft>
-                <a:spcPts val="0"/>
-              </a:spcAft>
-              <a:buNone/>
-            </a:pPr>
-            <a:r>
-              <a:rPr lang="en-GB">
-                <a:latin typeface="Play"/>
-                <a:ea typeface="Play"/>
-                <a:cs typeface="Play"/>
-                <a:sym typeface="Play"/>
-              </a:rPr>
-              <a:t>Intent Fulfilment</a:t>
-            </a:r>
-            <a:endParaRPr>
-              <a:latin typeface="Play"/>
-              <a:ea typeface="Play"/>
-              <a:cs typeface="Play"/>
-              <a:sym typeface="Play"/>
-            </a:endParaRPr>
-          </a:p>
-        </p:txBody>
-      </p:sp>
-      <p:sp>
-        <p:nvSpPr>
-          <p:cNvPr id="226" name="Google Shape;226;p30"/>
-          <p:cNvSpPr txBox="1"/>
-          <p:nvPr/>
-        </p:nvSpPr>
-        <p:spPr>
-          <a:xfrm>
-            <a:off x="607075" y="3436950"/>
-            <a:ext cx="1950900" cy="723300"/>
-          </a:xfrm>
-          <a:prstGeom prst="rect">
-            <a:avLst/>
-          </a:prstGeom>
-          <a:noFill/>
-          <a:ln>
-            <a:noFill/>
-          </a:ln>
-        </p:spPr>
-        <p:txBody>
-          <a:bodyPr anchorCtr="0" anchor="ctr" bIns="91425" lIns="91425" spcFirstLastPara="1" rIns="91425" wrap="square" tIns="91425">
-            <a:noAutofit/>
-          </a:bodyPr>
-          <a:lstStyle/>
-          <a:p>
-            <a:pPr indent="0" lvl="0" marL="0" rtl="0" algn="ctr">
-              <a:lnSpc>
-                <a:spcPct val="150000"/>
-              </a:lnSpc>
-              <a:spcBef>
-                <a:spcPts val="0"/>
-              </a:spcBef>
-              <a:spcAft>
-                <a:spcPts val="0"/>
-              </a:spcAft>
-              <a:buNone/>
-            </a:pPr>
-            <a:r>
-              <a:rPr lang="en-GB">
-                <a:latin typeface="Play"/>
-                <a:ea typeface="Play"/>
-                <a:cs typeface="Play"/>
-                <a:sym typeface="Play"/>
-              </a:rPr>
-              <a:t>Lambda Functions </a:t>
-            </a:r>
-            <a:endParaRPr>
-              <a:latin typeface="Play"/>
-              <a:ea typeface="Play"/>
-              <a:cs typeface="Play"/>
-              <a:sym typeface="Play"/>
-            </a:endParaRPr>
-          </a:p>
-          <a:p>
-            <a:pPr indent="0" lvl="0" marL="0" rtl="0" algn="ctr">
-              <a:lnSpc>
-                <a:spcPct val="150000"/>
-              </a:lnSpc>
-              <a:spcBef>
-                <a:spcPts val="0"/>
-              </a:spcBef>
-              <a:spcAft>
-                <a:spcPts val="0"/>
-              </a:spcAft>
-              <a:buNone/>
-            </a:pPr>
-            <a:r>
-              <a:rPr lang="en-GB">
-                <a:latin typeface="Play"/>
-                <a:ea typeface="Play"/>
-                <a:cs typeface="Play"/>
-                <a:sym typeface="Play"/>
-              </a:rPr>
-              <a:t>As Code Hook</a:t>
-            </a:r>
-            <a:endParaRPr>
-              <a:latin typeface="Play"/>
-              <a:ea typeface="Play"/>
-              <a:cs typeface="Play"/>
-              <a:sym typeface="Play"/>
-            </a:endParaRPr>
-          </a:p>
-        </p:txBody>
-      </p:sp>
-      <p:sp>
-        <p:nvSpPr>
-          <p:cNvPr id="227" name="Google Shape;227;p30"/>
-          <p:cNvSpPr txBox="1"/>
-          <p:nvPr/>
-        </p:nvSpPr>
-        <p:spPr>
-          <a:xfrm>
-            <a:off x="3996975" y="979550"/>
-            <a:ext cx="4705800" cy="447900"/>
-          </a:xfrm>
-          <a:prstGeom prst="rect">
-            <a:avLst/>
-          </a:prstGeom>
-          <a:noFill/>
-          <a:ln>
-            <a:noFill/>
-          </a:ln>
-        </p:spPr>
-        <p:txBody>
-          <a:bodyPr anchorCtr="0" anchor="ctr" bIns="91425" lIns="91425" spcFirstLastPara="1" rIns="91425" wrap="square" tIns="91425">
-            <a:noAutofit/>
-          </a:bodyPr>
-          <a:lstStyle/>
-          <a:p>
-            <a:pPr indent="0" lvl="0" marL="0" rtl="0" algn="just">
-              <a:lnSpc>
-                <a:spcPct val="150000"/>
-              </a:lnSpc>
-              <a:spcBef>
-                <a:spcPts val="0"/>
-              </a:spcBef>
-              <a:spcAft>
-                <a:spcPts val="0"/>
-              </a:spcAft>
-              <a:buNone/>
-            </a:pPr>
-            <a:r>
-              <a:rPr lang="en-GB">
-                <a:latin typeface="Play"/>
-                <a:ea typeface="Play"/>
-                <a:cs typeface="Play"/>
-                <a:sym typeface="Play"/>
-              </a:rPr>
-              <a:t>Built a Lambda function to fulfill the intent.</a:t>
-            </a:r>
-            <a:endParaRPr>
-              <a:latin typeface="Play"/>
-              <a:ea typeface="Play"/>
-              <a:cs typeface="Play"/>
-              <a:sym typeface="Play"/>
-            </a:endParaRPr>
-          </a:p>
-        </p:txBody>
-      </p:sp>
-      <p:sp>
-        <p:nvSpPr>
-          <p:cNvPr id="228" name="Google Shape;228;p30"/>
-          <p:cNvSpPr txBox="1"/>
-          <p:nvPr/>
-        </p:nvSpPr>
-        <p:spPr>
-          <a:xfrm>
-            <a:off x="3996975" y="1875350"/>
-            <a:ext cx="4705800" cy="447900"/>
-          </a:xfrm>
-          <a:prstGeom prst="rect">
-            <a:avLst/>
-          </a:prstGeom>
-          <a:noFill/>
-          <a:ln>
-            <a:noFill/>
-          </a:ln>
-        </p:spPr>
-        <p:txBody>
-          <a:bodyPr anchorCtr="0" anchor="ctr" bIns="91425" lIns="91425" spcFirstLastPara="1" rIns="91425" wrap="square" tIns="91425">
-            <a:noAutofit/>
-          </a:bodyPr>
-          <a:lstStyle/>
-          <a:p>
-            <a:pPr indent="0" lvl="0" marL="0" rtl="0" algn="just">
-              <a:lnSpc>
-                <a:spcPct val="150000"/>
-              </a:lnSpc>
-              <a:spcBef>
-                <a:spcPts val="0"/>
-              </a:spcBef>
-              <a:spcAft>
-                <a:spcPts val="0"/>
-              </a:spcAft>
-              <a:buNone/>
-            </a:pPr>
-            <a:r>
-              <a:rPr lang="en-GB">
-                <a:latin typeface="Play"/>
-                <a:ea typeface="Play"/>
-                <a:cs typeface="Play"/>
-                <a:sym typeface="Play"/>
-              </a:rPr>
-              <a:t>Client application does necessary fulfillment.</a:t>
-            </a:r>
-            <a:endParaRPr>
-              <a:latin typeface="Play"/>
-              <a:ea typeface="Play"/>
-              <a:cs typeface="Play"/>
-              <a:sym typeface="Play"/>
-            </a:endParaRPr>
-          </a:p>
-        </p:txBody>
-      </p:sp>
-      <p:sp>
-        <p:nvSpPr>
-          <p:cNvPr id="229" name="Google Shape;229;p30"/>
-          <p:cNvSpPr txBox="1"/>
-          <p:nvPr/>
-        </p:nvSpPr>
-        <p:spPr>
-          <a:xfrm>
-            <a:off x="3960675" y="2954100"/>
-            <a:ext cx="4742100" cy="447900"/>
-          </a:xfrm>
-          <a:prstGeom prst="rect">
-            <a:avLst/>
-          </a:prstGeom>
-          <a:noFill/>
-          <a:ln>
-            <a:noFill/>
-          </a:ln>
-        </p:spPr>
-        <p:txBody>
-          <a:bodyPr anchorCtr="0" anchor="ctr" bIns="91425" lIns="91425" spcFirstLastPara="1" rIns="91425" wrap="square" tIns="91425">
-            <a:noAutofit/>
-          </a:bodyPr>
-          <a:lstStyle/>
-          <a:p>
-            <a:pPr indent="0" lvl="0" marL="0" rtl="0" algn="just">
-              <a:lnSpc>
-                <a:spcPct val="150000"/>
-              </a:lnSpc>
-              <a:spcBef>
-                <a:spcPts val="0"/>
-              </a:spcBef>
-              <a:spcAft>
-                <a:spcPts val="0"/>
-              </a:spcAft>
-              <a:buNone/>
-            </a:pPr>
-            <a:r>
-              <a:rPr lang="en-GB">
-                <a:latin typeface="Play"/>
-                <a:ea typeface="Play"/>
-                <a:cs typeface="Play"/>
-                <a:sym typeface="Play"/>
-              </a:rPr>
-              <a:t>Customises user interaction.</a:t>
-            </a:r>
-            <a:endParaRPr>
-              <a:latin typeface="Play"/>
-              <a:ea typeface="Play"/>
-              <a:cs typeface="Play"/>
-              <a:sym typeface="Play"/>
-            </a:endParaRPr>
-          </a:p>
-        </p:txBody>
-      </p:sp>
-      <p:sp>
-        <p:nvSpPr>
-          <p:cNvPr id="230" name="Google Shape;230;p30"/>
-          <p:cNvSpPr txBox="1"/>
-          <p:nvPr/>
-        </p:nvSpPr>
-        <p:spPr>
-          <a:xfrm>
-            <a:off x="3996975" y="3557175"/>
-            <a:ext cx="4705800" cy="447900"/>
-          </a:xfrm>
-          <a:prstGeom prst="rect">
-            <a:avLst/>
-          </a:prstGeom>
-          <a:noFill/>
-          <a:ln>
-            <a:noFill/>
-          </a:ln>
-        </p:spPr>
-        <p:txBody>
-          <a:bodyPr anchorCtr="0" anchor="ctr" bIns="91425" lIns="91425" spcFirstLastPara="1" rIns="91425" wrap="square" tIns="91425">
-            <a:noAutofit/>
-          </a:bodyPr>
-          <a:lstStyle/>
-          <a:p>
-            <a:pPr indent="0" lvl="0" marL="0" rtl="0" algn="just">
-              <a:lnSpc>
-                <a:spcPct val="150000"/>
-              </a:lnSpc>
-              <a:spcBef>
-                <a:spcPts val="0"/>
-              </a:spcBef>
-              <a:spcAft>
-                <a:spcPts val="0"/>
-              </a:spcAft>
-              <a:buNone/>
-            </a:pPr>
-            <a:r>
-              <a:rPr lang="en-GB">
-                <a:latin typeface="Play"/>
-                <a:ea typeface="Play"/>
-                <a:cs typeface="Play"/>
-                <a:sym typeface="Play"/>
-              </a:rPr>
-              <a:t>Initiates and Validates user input.</a:t>
-            </a:r>
-            <a:endParaRPr>
-              <a:latin typeface="Play"/>
-              <a:ea typeface="Play"/>
-              <a:cs typeface="Play"/>
-              <a:sym typeface="Play"/>
-            </a:endParaRPr>
-          </a:p>
-        </p:txBody>
-      </p:sp>
-      <p:sp>
-        <p:nvSpPr>
-          <p:cNvPr id="231" name="Google Shape;231;p30"/>
-          <p:cNvSpPr txBox="1"/>
-          <p:nvPr/>
-        </p:nvSpPr>
-        <p:spPr>
-          <a:xfrm>
-            <a:off x="3960675" y="4160250"/>
-            <a:ext cx="4742100" cy="447900"/>
-          </a:xfrm>
-          <a:prstGeom prst="rect">
-            <a:avLst/>
-          </a:prstGeom>
-          <a:noFill/>
-          <a:ln>
-            <a:noFill/>
-          </a:ln>
-        </p:spPr>
-        <p:txBody>
-          <a:bodyPr anchorCtr="0" anchor="ctr" bIns="91425" lIns="91425" spcFirstLastPara="1" rIns="91425" wrap="square" tIns="91425">
-            <a:noAutofit/>
-          </a:bodyPr>
-          <a:lstStyle/>
-          <a:p>
-            <a:pPr indent="0" lvl="0" marL="0" rtl="0" algn="just">
-              <a:lnSpc>
-                <a:spcPct val="150000"/>
-              </a:lnSpc>
-              <a:spcBef>
-                <a:spcPts val="0"/>
-              </a:spcBef>
-              <a:spcAft>
-                <a:spcPts val="0"/>
-              </a:spcAft>
-              <a:buNone/>
-            </a:pPr>
-            <a:r>
-              <a:rPr lang="en-GB">
-                <a:latin typeface="Play"/>
-                <a:ea typeface="Play"/>
-                <a:cs typeface="Play"/>
-                <a:sym typeface="Play"/>
-              </a:rPr>
-              <a:t>Fulfills user’s intent.</a:t>
-            </a:r>
-            <a:endParaRPr>
-              <a:latin typeface="Play"/>
-              <a:ea typeface="Play"/>
-              <a:cs typeface="Play"/>
-              <a:sym typeface="Play"/>
-            </a:endParaRPr>
-          </a:p>
-        </p:txBody>
-      </p:sp>
-      <p:cxnSp>
-        <p:nvCxnSpPr>
-          <p:cNvPr id="232" name="Google Shape;232;p30"/>
-          <p:cNvCxnSpPr>
-            <a:stCxn id="225" idx="3"/>
-            <a:endCxn id="227" idx="1"/>
-          </p:cNvCxnSpPr>
-          <p:nvPr/>
-        </p:nvCxnSpPr>
-        <p:spPr>
-          <a:xfrm flipH="1" rot="10800000">
-            <a:off x="2476050" y="1203500"/>
-            <a:ext cx="1521000" cy="447900"/>
-          </a:xfrm>
-          <a:prstGeom prst="straightConnector1">
-            <a:avLst/>
-          </a:prstGeom>
-          <a:noFill/>
-          <a:ln cap="flat" cmpd="sng" w="9525">
-            <a:solidFill>
-              <a:schemeClr val="dk2"/>
-            </a:solidFill>
-            <a:prstDash val="solid"/>
-            <a:round/>
-            <a:headEnd len="med" w="med" type="none"/>
-            <a:tailEnd len="med" w="med" type="none"/>
-          </a:ln>
-        </p:spPr>
-      </p:cxnSp>
-      <p:cxnSp>
-        <p:nvCxnSpPr>
-          <p:cNvPr id="233" name="Google Shape;233;p30"/>
-          <p:cNvCxnSpPr>
-            <a:stCxn id="225" idx="3"/>
-            <a:endCxn id="228" idx="1"/>
-          </p:cNvCxnSpPr>
-          <p:nvPr/>
-        </p:nvCxnSpPr>
-        <p:spPr>
-          <a:xfrm>
-            <a:off x="2476050" y="1651400"/>
-            <a:ext cx="1521000" cy="447900"/>
-          </a:xfrm>
-          <a:prstGeom prst="straightConnector1">
-            <a:avLst/>
-          </a:prstGeom>
-          <a:noFill/>
-          <a:ln cap="flat" cmpd="sng" w="9525">
-            <a:solidFill>
-              <a:schemeClr val="dk2"/>
-            </a:solidFill>
-            <a:prstDash val="solid"/>
-            <a:round/>
-            <a:headEnd len="med" w="med" type="none"/>
-            <a:tailEnd len="med" w="med" type="none"/>
-          </a:ln>
-        </p:spPr>
-      </p:cxnSp>
-      <p:cxnSp>
-        <p:nvCxnSpPr>
-          <p:cNvPr id="234" name="Google Shape;234;p30"/>
-          <p:cNvCxnSpPr>
-            <a:stCxn id="226" idx="3"/>
-            <a:endCxn id="229" idx="1"/>
-          </p:cNvCxnSpPr>
-          <p:nvPr/>
-        </p:nvCxnSpPr>
-        <p:spPr>
-          <a:xfrm flipH="1" rot="10800000">
-            <a:off x="2557975" y="3178200"/>
-            <a:ext cx="1402800" cy="620400"/>
-          </a:xfrm>
-          <a:prstGeom prst="straightConnector1">
-            <a:avLst/>
-          </a:prstGeom>
-          <a:noFill/>
-          <a:ln cap="flat" cmpd="sng" w="9525">
-            <a:solidFill>
-              <a:schemeClr val="dk2"/>
-            </a:solidFill>
-            <a:prstDash val="solid"/>
-            <a:round/>
-            <a:headEnd len="med" w="med" type="none"/>
-            <a:tailEnd len="med" w="med" type="none"/>
-          </a:ln>
-        </p:spPr>
-      </p:cxnSp>
-      <p:cxnSp>
-        <p:nvCxnSpPr>
-          <p:cNvPr id="235" name="Google Shape;235;p30"/>
-          <p:cNvCxnSpPr>
-            <a:stCxn id="226" idx="3"/>
-            <a:endCxn id="230" idx="1"/>
-          </p:cNvCxnSpPr>
-          <p:nvPr/>
-        </p:nvCxnSpPr>
-        <p:spPr>
-          <a:xfrm flipH="1" rot="10800000">
-            <a:off x="2557975" y="3781200"/>
-            <a:ext cx="1439100" cy="17400"/>
-          </a:xfrm>
-          <a:prstGeom prst="straightConnector1">
-            <a:avLst/>
-          </a:prstGeom>
-          <a:noFill/>
-          <a:ln cap="flat" cmpd="sng" w="9525">
-            <a:solidFill>
-              <a:schemeClr val="dk2"/>
-            </a:solidFill>
-            <a:prstDash val="solid"/>
-            <a:round/>
-            <a:headEnd len="med" w="med" type="none"/>
-            <a:tailEnd len="med" w="med" type="none"/>
-          </a:ln>
-        </p:spPr>
-      </p:cxnSp>
-      <p:cxnSp>
-        <p:nvCxnSpPr>
-          <p:cNvPr id="236" name="Google Shape;236;p30"/>
-          <p:cNvCxnSpPr>
-            <a:stCxn id="226" idx="3"/>
-            <a:endCxn id="231" idx="1"/>
-          </p:cNvCxnSpPr>
-          <p:nvPr/>
-        </p:nvCxnSpPr>
-        <p:spPr>
-          <a:xfrm>
-            <a:off x="2557975" y="3798600"/>
-            <a:ext cx="1402800" cy="585600"/>
-          </a:xfrm>
-          <a:prstGeom prst="straightConnector1">
-            <a:avLst/>
-          </a:prstGeom>
-          <a:noFill/>
-          <a:ln cap="flat" cmpd="sng" w="9525">
-            <a:solidFill>
-              <a:schemeClr val="dk2"/>
-            </a:solidFill>
-            <a:prstDash val="solid"/>
-            <a:round/>
-            <a:headEnd len="med" w="med" type="none"/>
-            <a:tailEnd len="med" w="med" type="none"/>
-          </a:ln>
-        </p:spPr>
-      </p:cxnSp>
-    </p:spTree>
-  </p:cSld>
-  <p:clrMapOvr>
-    <a:masterClrMapping/>
-  </p:clrMapOvr>
-</p:sld>
-</file>
-
-<file path=ppt/slides/slide19.xml><?xml version="1.0" encoding="utf-8"?>
-<p:sld xmlns:a="http://schemas.openxmlformats.org/drawingml/2006/main" xmlns:r="http://schemas.openxmlformats.org/officeDocument/2006/relationships" xmlns:mc="http://schemas.openxmlformats.org/markup-compatibility/2006" xmlns:mv="urn:schemas-microsoft-com:mac:vml" xmlns:p="http://schemas.openxmlformats.org/presentationml/2006/main" xmlns:c="http://schemas.openxmlformats.org/drawingml/2006/chart" xmlns:dgm="http://schemas.openxmlformats.org/drawingml/2006/diagram" xmlns:o="urn:schemas-microsoft-com:office:office" xmlns:v="urn:schemas-microsoft-com:vml" xmlns:pvml="urn:schemas-microsoft-com:office:powerpoint" xmlns:com="http://schemas.openxmlformats.org/drawingml/2006/compatibility" xmlns:p14="http://schemas.microsoft.com/office/powerpoint/2010/main" xmlns:p15="http://schemas.microsoft.com/office/powerpoint/2012/main" xmlns:ahyp="http://schemas.microsoft.com/office/drawing/2018/hyperlinkcolor">
-  <p:cSld>
-    <p:spTree>
-      <p:nvGrpSpPr>
-        <p:cNvPr id="240" name="Shape 240"/>
-        <p:cNvGrpSpPr/>
-        <p:nvPr/>
-      </p:nvGrpSpPr>
-      <p:grpSpPr>
-        <a:xfrm>
-          <a:off x="0" y="0"/>
-          <a:ext cx="0" cy="0"/>
-          <a:chOff x="0" y="0"/>
-          <a:chExt cx="0" cy="0"/>
-        </a:xfrm>
-      </p:grpSpPr>
-      <p:sp>
-        <p:nvSpPr>
           <p:cNvPr id="241" name="Google Shape;241;p31"/>
-          <p:cNvSpPr txBox="1"/>
-          <p:nvPr/>
-        </p:nvSpPr>
-        <p:spPr>
-          <a:xfrm>
-            <a:off x="270900" y="234375"/>
-            <a:ext cx="8602200" cy="492600"/>
-          </a:xfrm>
-          <a:prstGeom prst="rect">
-            <a:avLst/>
-          </a:prstGeom>
-          <a:noFill/>
-          <a:ln>
-            <a:noFill/>
-          </a:ln>
-        </p:spPr>
-        <p:txBody>
-          <a:bodyPr anchorCtr="0" anchor="t" bIns="91425" lIns="91425" spcFirstLastPara="1" rIns="91425" wrap="square" tIns="91425">
-            <a:spAutoFit/>
-          </a:bodyPr>
-          <a:lstStyle/>
-          <a:p>
-            <a:pPr indent="0" lvl="0" marL="0" marR="0" rtl="0" algn="l">
-              <a:lnSpc>
-                <a:spcPct val="100000"/>
-              </a:lnSpc>
-              <a:spcBef>
-                <a:spcPts val="0"/>
-              </a:spcBef>
-              <a:spcAft>
-                <a:spcPts val="0"/>
-              </a:spcAft>
-              <a:buClr>
-                <a:srgbClr val="000000"/>
-              </a:buClr>
-              <a:buSzPts val="2000"/>
-              <a:buFont typeface="Arial"/>
-              <a:buNone/>
-            </a:pPr>
-            <a:r>
-              <a:rPr b="1" lang="en-GB" sz="2000">
-                <a:solidFill>
-                  <a:schemeClr val="dk1"/>
-                </a:solidFill>
-                <a:latin typeface="Play"/>
-                <a:ea typeface="Play"/>
-                <a:cs typeface="Play"/>
-                <a:sym typeface="Play"/>
-              </a:rPr>
-              <a:t>Conclusion</a:t>
-            </a:r>
-            <a:endParaRPr b="1" i="0" sz="2000" u="none" cap="none" strike="noStrike">
-              <a:solidFill>
-                <a:schemeClr val="dk1"/>
-              </a:solidFill>
-              <a:latin typeface="Play"/>
-              <a:ea typeface="Play"/>
-              <a:cs typeface="Play"/>
-              <a:sym typeface="Play"/>
-            </a:endParaRPr>
-          </a:p>
-        </p:txBody>
-      </p:sp>
-      <p:sp>
-        <p:nvSpPr>
-          <p:cNvPr id="242" name="Google Shape;242;p31"/>
-          <p:cNvSpPr txBox="1"/>
-          <p:nvPr/>
-        </p:nvSpPr>
-        <p:spPr>
-          <a:xfrm>
-            <a:off x="270900" y="813625"/>
-            <a:ext cx="8602200" cy="4049400"/>
-          </a:xfrm>
-          <a:prstGeom prst="rect">
-            <a:avLst/>
-          </a:prstGeom>
-          <a:noFill/>
-          <a:ln>
-            <a:noFill/>
-          </a:ln>
-        </p:spPr>
-        <p:txBody>
-          <a:bodyPr anchorCtr="0" anchor="ctr" bIns="91425" lIns="91425" spcFirstLastPara="1" rIns="91425" wrap="square" tIns="91425">
-            <a:noAutofit/>
-          </a:bodyPr>
-          <a:lstStyle/>
-          <a:p>
-            <a:pPr indent="-317500" lvl="0" marL="457200" rtl="0" algn="just">
-              <a:lnSpc>
-                <a:spcPct val="150000"/>
-              </a:lnSpc>
-              <a:spcBef>
-                <a:spcPts val="0"/>
-              </a:spcBef>
-              <a:spcAft>
-                <a:spcPts val="0"/>
-              </a:spcAft>
-              <a:buClr>
-                <a:schemeClr val="dk1"/>
-              </a:buClr>
-              <a:buSzPts val="1400"/>
-              <a:buFont typeface="Play"/>
-              <a:buChar char="-"/>
-            </a:pPr>
-            <a:r>
-              <a:rPr lang="en-GB">
-                <a:solidFill>
-                  <a:schemeClr val="dk1"/>
-                </a:solidFill>
-                <a:latin typeface="Play"/>
-                <a:ea typeface="Play"/>
-                <a:cs typeface="Play"/>
-                <a:sym typeface="Play"/>
-              </a:rPr>
-              <a:t>This project focuses on creating a Pizza Ordering Chatbot using Amazon Lex to help the user order pizza, where the user can select the type of pizza, the crust, the appetizers.  </a:t>
-            </a:r>
-            <a:endParaRPr>
-              <a:solidFill>
-                <a:schemeClr val="dk1"/>
-              </a:solidFill>
-              <a:latin typeface="Play"/>
-              <a:ea typeface="Play"/>
-              <a:cs typeface="Play"/>
-              <a:sym typeface="Play"/>
-            </a:endParaRPr>
-          </a:p>
-          <a:p>
-            <a:pPr indent="0" lvl="0" marL="457200" marR="0" rtl="0" algn="just">
-              <a:lnSpc>
-                <a:spcPct val="150000"/>
-              </a:lnSpc>
-              <a:spcBef>
-                <a:spcPts val="0"/>
-              </a:spcBef>
-              <a:spcAft>
-                <a:spcPts val="0"/>
-              </a:spcAft>
-              <a:buNone/>
-            </a:pPr>
-            <a:r>
-              <a:t/>
-            </a:r>
-            <a:endParaRPr>
-              <a:solidFill>
-                <a:schemeClr val="dk1"/>
-              </a:solidFill>
-              <a:latin typeface="Play"/>
-              <a:ea typeface="Play"/>
-              <a:cs typeface="Play"/>
-              <a:sym typeface="Play"/>
-            </a:endParaRPr>
-          </a:p>
-          <a:p>
-            <a:pPr indent="-317500" lvl="0" marL="457200" marR="0" rtl="0" algn="just">
-              <a:lnSpc>
-                <a:spcPct val="150000"/>
-              </a:lnSpc>
-              <a:spcBef>
-                <a:spcPts val="0"/>
-              </a:spcBef>
-              <a:spcAft>
-                <a:spcPts val="0"/>
-              </a:spcAft>
-              <a:buClr>
-                <a:schemeClr val="dk1"/>
-              </a:buClr>
-              <a:buSzPts val="1400"/>
-              <a:buFont typeface="Play"/>
-              <a:buChar char="-"/>
-            </a:pPr>
-            <a:r>
-              <a:rPr lang="en-GB">
-                <a:solidFill>
-                  <a:schemeClr val="dk1"/>
-                </a:solidFill>
-                <a:latin typeface="Play"/>
-                <a:ea typeface="Play"/>
-                <a:cs typeface="Play"/>
-                <a:sym typeface="Play"/>
-              </a:rPr>
-              <a:t>Through the proposed system, PizzaOrdering chatbot will </a:t>
-            </a:r>
-            <a:r>
-              <a:rPr lang="en-GB">
-                <a:solidFill>
-                  <a:schemeClr val="dk1"/>
-                </a:solidFill>
-                <a:latin typeface="Play"/>
-                <a:ea typeface="Play"/>
-                <a:cs typeface="Play"/>
-                <a:sym typeface="Play"/>
-              </a:rPr>
-              <a:t>efficiently</a:t>
-            </a:r>
-            <a:r>
-              <a:rPr lang="en-GB">
-                <a:solidFill>
-                  <a:schemeClr val="dk1"/>
-                </a:solidFill>
-                <a:latin typeface="Play"/>
-                <a:ea typeface="Play"/>
-                <a:cs typeface="Play"/>
-                <a:sym typeface="Play"/>
-              </a:rPr>
-              <a:t> </a:t>
-            </a:r>
-            <a:r>
-              <a:rPr lang="en-GB">
-                <a:solidFill>
-                  <a:schemeClr val="dk1"/>
-                </a:solidFill>
-                <a:latin typeface="Play"/>
-                <a:ea typeface="Play"/>
-                <a:cs typeface="Play"/>
-                <a:sym typeface="Play"/>
-              </a:rPr>
-              <a:t>handle</a:t>
-            </a:r>
-            <a:r>
-              <a:rPr lang="en-GB">
-                <a:solidFill>
-                  <a:schemeClr val="dk1"/>
-                </a:solidFill>
-                <a:latin typeface="Play"/>
-                <a:ea typeface="Play"/>
-                <a:cs typeface="Play"/>
-                <a:sym typeface="Play"/>
-              </a:rPr>
-              <a:t> the customers and take their order in a simple yet </a:t>
-            </a:r>
-            <a:r>
-              <a:rPr lang="en-GB">
-                <a:solidFill>
-                  <a:schemeClr val="dk1"/>
-                </a:solidFill>
-                <a:latin typeface="Play"/>
-                <a:ea typeface="Play"/>
-                <a:cs typeface="Play"/>
-                <a:sym typeface="Play"/>
-              </a:rPr>
-              <a:t>coherent</a:t>
-            </a:r>
-            <a:r>
-              <a:rPr lang="en-GB">
-                <a:solidFill>
-                  <a:schemeClr val="dk1"/>
-                </a:solidFill>
-                <a:latin typeface="Play"/>
-                <a:ea typeface="Play"/>
-                <a:cs typeface="Play"/>
-                <a:sym typeface="Play"/>
-              </a:rPr>
-              <a:t> way. </a:t>
-            </a:r>
-            <a:endParaRPr>
-              <a:solidFill>
-                <a:schemeClr val="dk1"/>
-              </a:solidFill>
-              <a:latin typeface="Play"/>
-              <a:ea typeface="Play"/>
-              <a:cs typeface="Play"/>
-              <a:sym typeface="Play"/>
-            </a:endParaRPr>
-          </a:p>
-          <a:p>
-            <a:pPr indent="0" lvl="0" marL="457200" marR="0" rtl="0" algn="just">
-              <a:lnSpc>
-                <a:spcPct val="150000"/>
-              </a:lnSpc>
-              <a:spcBef>
-                <a:spcPts val="0"/>
-              </a:spcBef>
-              <a:spcAft>
-                <a:spcPts val="0"/>
-              </a:spcAft>
-              <a:buNone/>
-            </a:pPr>
-            <a:r>
-              <a:t/>
-            </a:r>
-            <a:endParaRPr>
-              <a:solidFill>
-                <a:schemeClr val="dk1"/>
-              </a:solidFill>
-              <a:latin typeface="Play"/>
-              <a:ea typeface="Play"/>
-              <a:cs typeface="Play"/>
-              <a:sym typeface="Play"/>
-            </a:endParaRPr>
-          </a:p>
-          <a:p>
-            <a:pPr indent="-317500" lvl="0" marL="457200" marR="0" rtl="0" algn="just">
-              <a:lnSpc>
-                <a:spcPct val="150000"/>
-              </a:lnSpc>
-              <a:spcBef>
-                <a:spcPts val="0"/>
-              </a:spcBef>
-              <a:spcAft>
-                <a:spcPts val="0"/>
-              </a:spcAft>
-              <a:buClr>
-                <a:schemeClr val="dk1"/>
-              </a:buClr>
-              <a:buSzPts val="1400"/>
-              <a:buFont typeface="Play"/>
-              <a:buChar char="-"/>
-            </a:pPr>
-            <a:r>
-              <a:rPr lang="en-GB">
-                <a:solidFill>
-                  <a:schemeClr val="dk1"/>
-                </a:solidFill>
-                <a:latin typeface="Play"/>
-                <a:ea typeface="Play"/>
-                <a:cs typeface="Play"/>
-                <a:sym typeface="Play"/>
-              </a:rPr>
-              <a:t>The chatbot carries out the conversation in a </a:t>
-            </a:r>
-            <a:r>
-              <a:rPr lang="en-GB">
-                <a:solidFill>
-                  <a:schemeClr val="dk1"/>
-                </a:solidFill>
-                <a:latin typeface="Play"/>
-                <a:ea typeface="Play"/>
-                <a:cs typeface="Play"/>
-                <a:sym typeface="Play"/>
-              </a:rPr>
-              <a:t>pleasant</a:t>
-            </a:r>
-            <a:r>
-              <a:rPr lang="en-GB">
-                <a:solidFill>
-                  <a:schemeClr val="dk1"/>
-                </a:solidFill>
-                <a:latin typeface="Play"/>
-                <a:ea typeface="Play"/>
-                <a:cs typeface="Play"/>
-                <a:sym typeface="Play"/>
-              </a:rPr>
-              <a:t> way and is methodically asking for the type of pizza, the pizza crust and appetizers. It </a:t>
-            </a:r>
-            <a:r>
-              <a:rPr lang="en-GB">
-                <a:solidFill>
-                  <a:schemeClr val="dk1"/>
-                </a:solidFill>
-                <a:latin typeface="Play"/>
-                <a:ea typeface="Play"/>
-                <a:cs typeface="Play"/>
-                <a:sym typeface="Play"/>
-              </a:rPr>
-              <a:t>additionally</a:t>
-            </a:r>
-            <a:r>
-              <a:rPr lang="en-GB">
-                <a:solidFill>
-                  <a:schemeClr val="dk1"/>
-                </a:solidFill>
-                <a:latin typeface="Play"/>
-                <a:ea typeface="Play"/>
-                <a:cs typeface="Play"/>
-                <a:sym typeface="Play"/>
-              </a:rPr>
-              <a:t> ask for the delivery time and ask for confirmation as well. </a:t>
-            </a:r>
-            <a:endParaRPr>
-              <a:solidFill>
-                <a:schemeClr val="dk1"/>
-              </a:solidFill>
-              <a:latin typeface="Play"/>
-              <a:ea typeface="Play"/>
-              <a:cs typeface="Play"/>
-              <a:sym typeface="Play"/>
-            </a:endParaRPr>
-          </a:p>
-          <a:p>
-            <a:pPr indent="0" lvl="0" marL="457200" marR="0" rtl="0" algn="just">
-              <a:lnSpc>
-                <a:spcPct val="150000"/>
-              </a:lnSpc>
-              <a:spcBef>
-                <a:spcPts val="0"/>
-              </a:spcBef>
-              <a:spcAft>
-                <a:spcPts val="0"/>
-              </a:spcAft>
-              <a:buNone/>
-            </a:pPr>
-            <a:r>
-              <a:t/>
-            </a:r>
-            <a:endParaRPr>
-              <a:solidFill>
-                <a:schemeClr val="dk1"/>
-              </a:solidFill>
-              <a:latin typeface="Play"/>
-              <a:ea typeface="Play"/>
-              <a:cs typeface="Play"/>
-              <a:sym typeface="Play"/>
-            </a:endParaRPr>
-          </a:p>
-          <a:p>
-            <a:pPr indent="-317500" lvl="0" marL="457200" marR="0" rtl="0" algn="just">
-              <a:lnSpc>
-                <a:spcPct val="150000"/>
-              </a:lnSpc>
-              <a:spcBef>
-                <a:spcPts val="0"/>
-              </a:spcBef>
-              <a:spcAft>
-                <a:spcPts val="0"/>
-              </a:spcAft>
-              <a:buClr>
-                <a:schemeClr val="dk1"/>
-              </a:buClr>
-              <a:buSzPts val="1400"/>
-              <a:buFont typeface="Play"/>
-              <a:buChar char="-"/>
-            </a:pPr>
-            <a:r>
-              <a:rPr lang="en-GB">
-                <a:solidFill>
-                  <a:schemeClr val="dk1"/>
-                </a:solidFill>
-                <a:latin typeface="Play"/>
-                <a:ea typeface="Play"/>
-                <a:cs typeface="Play"/>
-                <a:sym typeface="Play"/>
-              </a:rPr>
-              <a:t>Using Amazon Lex, we can furthermore </a:t>
-            </a:r>
-            <a:r>
-              <a:rPr lang="en-GB">
-                <a:solidFill>
-                  <a:schemeClr val="dk1"/>
-                </a:solidFill>
-                <a:latin typeface="Play"/>
-                <a:ea typeface="Play"/>
-                <a:cs typeface="Play"/>
-                <a:sym typeface="Play"/>
-              </a:rPr>
-              <a:t>enhance</a:t>
-            </a:r>
-            <a:r>
-              <a:rPr lang="en-GB">
-                <a:solidFill>
-                  <a:schemeClr val="dk1"/>
-                </a:solidFill>
-                <a:latin typeface="Play"/>
-                <a:ea typeface="Play"/>
-                <a:cs typeface="Play"/>
-                <a:sym typeface="Play"/>
-              </a:rPr>
-              <a:t> the look and the utterances of the chatbot and deploy it on a full scale website using Amazon Cloud Services. </a:t>
-            </a:r>
-            <a:endParaRPr>
-              <a:solidFill>
-                <a:schemeClr val="dk1"/>
-              </a:solidFill>
-              <a:latin typeface="Play"/>
-              <a:ea typeface="Play"/>
-              <a:cs typeface="Play"/>
-              <a:sym typeface="Play"/>
-            </a:endParaRPr>
-          </a:p>
-        </p:txBody>
-      </p:sp>
-    </p:spTree>
-  </p:cSld>
-  <p:clrMapOvr>
-    <a:masterClrMapping/>
-  </p:clrMapOvr>
-</p:sld>
-</file>
-
-<file path=ppt/slides/slide2.xml><?xml version="1.0" encoding="utf-8"?>
-<p:sld xmlns:a="http://schemas.openxmlformats.org/drawingml/2006/main" xmlns:r="http://schemas.openxmlformats.org/officeDocument/2006/relationships" xmlns:mc="http://schemas.openxmlformats.org/markup-compatibility/2006" xmlns:mv="urn:schemas-microsoft-com:mac:vml" xmlns:p="http://schemas.openxmlformats.org/presentationml/2006/main" xmlns:c="http://schemas.openxmlformats.org/drawingml/2006/chart" xmlns:dgm="http://schemas.openxmlformats.org/drawingml/2006/diagram" xmlns:o="urn:schemas-microsoft-com:office:office" xmlns:v="urn:schemas-microsoft-com:vml" xmlns:pvml="urn:schemas-microsoft-com:office:powerpoint" xmlns:com="http://schemas.openxmlformats.org/drawingml/2006/compatibility" xmlns:p14="http://schemas.microsoft.com/office/powerpoint/2010/main" xmlns:p15="http://schemas.microsoft.com/office/powerpoint/2012/main" xmlns:ahyp="http://schemas.microsoft.com/office/drawing/2018/hyperlinkcolor">
-  <p:cSld>
-    <p:spTree>
-      <p:nvGrpSpPr>
-        <p:cNvPr id="60" name="Shape 60"/>
-        <p:cNvGrpSpPr/>
-        <p:nvPr/>
-      </p:nvGrpSpPr>
-      <p:grpSpPr>
-        <a:xfrm>
-          <a:off x="0" y="0"/>
-          <a:ext cx="0" cy="0"/>
-          <a:chOff x="0" y="0"/>
-          <a:chExt cx="0" cy="0"/>
-        </a:xfrm>
-      </p:grpSpPr>
-      <p:sp>
-        <p:nvSpPr>
-          <p:cNvPr id="61" name="Google Shape;61;p14"/>
-          <p:cNvSpPr txBox="1"/>
-          <p:nvPr/>
-        </p:nvSpPr>
-        <p:spPr>
-          <a:xfrm>
-            <a:off x="206200" y="777075"/>
-            <a:ext cx="8602200" cy="3993300"/>
-          </a:xfrm>
-          <a:prstGeom prst="rect">
-            <a:avLst/>
-          </a:prstGeom>
-          <a:noFill/>
-          <a:ln>
-            <a:noFill/>
-          </a:ln>
-        </p:spPr>
-        <p:txBody>
-          <a:bodyPr anchorCtr="0" anchor="ctr" bIns="91425" lIns="91425" spcFirstLastPara="1" rIns="91425" wrap="square" tIns="91425">
-            <a:noAutofit/>
-          </a:bodyPr>
-          <a:lstStyle/>
-          <a:p>
-            <a:pPr indent="-317500" lvl="0" marL="457200" rtl="0" algn="just">
-              <a:lnSpc>
-                <a:spcPct val="150000"/>
-              </a:lnSpc>
-              <a:spcBef>
-                <a:spcPts val="0"/>
-              </a:spcBef>
-              <a:spcAft>
-                <a:spcPts val="0"/>
-              </a:spcAft>
-              <a:buClr>
-                <a:schemeClr val="dk1"/>
-              </a:buClr>
-              <a:buSzPts val="1400"/>
-              <a:buFont typeface="Play"/>
-              <a:buChar char="●"/>
-            </a:pPr>
-            <a:r>
-              <a:rPr lang="en-GB">
-                <a:solidFill>
-                  <a:schemeClr val="dk1"/>
-                </a:solidFill>
-                <a:latin typeface="Play"/>
-                <a:ea typeface="Play"/>
-                <a:cs typeface="Play"/>
-                <a:sym typeface="Play"/>
-              </a:rPr>
-              <a:t>The majority of monotonous jobs that were formerly performed by humans are now replaced by AI. Every firm is aiming to replace the least skilled labour with AI robots that can do comparable tasks more efficiently, especially when it comes to chatbots. </a:t>
-            </a:r>
-            <a:endParaRPr>
-              <a:solidFill>
-                <a:schemeClr val="dk1"/>
-              </a:solidFill>
-              <a:latin typeface="Play"/>
-              <a:ea typeface="Play"/>
-              <a:cs typeface="Play"/>
-              <a:sym typeface="Play"/>
-            </a:endParaRPr>
-          </a:p>
-          <a:p>
-            <a:pPr indent="0" lvl="0" marL="0" rtl="0" algn="just">
-              <a:lnSpc>
-                <a:spcPct val="150000"/>
-              </a:lnSpc>
-              <a:spcBef>
-                <a:spcPts val="0"/>
-              </a:spcBef>
-              <a:spcAft>
-                <a:spcPts val="0"/>
-              </a:spcAft>
-              <a:buNone/>
-            </a:pPr>
-            <a:r>
-              <a:t/>
-            </a:r>
-            <a:endParaRPr>
-              <a:solidFill>
-                <a:schemeClr val="dk1"/>
-              </a:solidFill>
-              <a:latin typeface="Play"/>
-              <a:ea typeface="Play"/>
-              <a:cs typeface="Play"/>
-              <a:sym typeface="Play"/>
-            </a:endParaRPr>
-          </a:p>
-          <a:p>
-            <a:pPr indent="-317500" lvl="0" marL="457200" rtl="0" algn="just">
-              <a:lnSpc>
-                <a:spcPct val="150000"/>
-              </a:lnSpc>
-              <a:spcBef>
-                <a:spcPts val="0"/>
-              </a:spcBef>
-              <a:spcAft>
-                <a:spcPts val="0"/>
-              </a:spcAft>
-              <a:buClr>
-                <a:schemeClr val="dk1"/>
-              </a:buClr>
-              <a:buSzPts val="1400"/>
-              <a:buFont typeface="Play"/>
-              <a:buChar char="●"/>
-            </a:pPr>
-            <a:r>
-              <a:rPr lang="en-GB">
-                <a:solidFill>
-                  <a:schemeClr val="dk1"/>
-                </a:solidFill>
-                <a:latin typeface="Play"/>
-                <a:ea typeface="Play"/>
-                <a:cs typeface="Play"/>
-                <a:sym typeface="Play"/>
-              </a:rPr>
-              <a:t>A chatbot is a computer software that mimics human interaction by using voice instructions, text dialogues, or both. Chatbots are being employed to address consumer concerns or problems in food delivery app businesses such as Zomato and Swiggy.</a:t>
-            </a:r>
-            <a:endParaRPr>
-              <a:solidFill>
-                <a:schemeClr val="dk1"/>
-              </a:solidFill>
-              <a:latin typeface="Play"/>
-              <a:ea typeface="Play"/>
-              <a:cs typeface="Play"/>
-              <a:sym typeface="Play"/>
-            </a:endParaRPr>
-          </a:p>
-          <a:p>
-            <a:pPr indent="0" lvl="0" marL="457200" rtl="0" algn="just">
-              <a:lnSpc>
-                <a:spcPct val="150000"/>
-              </a:lnSpc>
-              <a:spcBef>
-                <a:spcPts val="0"/>
-              </a:spcBef>
-              <a:spcAft>
-                <a:spcPts val="0"/>
-              </a:spcAft>
-              <a:buNone/>
-            </a:pPr>
-            <a:r>
-              <a:t/>
-            </a:r>
-            <a:endParaRPr>
-              <a:solidFill>
-                <a:schemeClr val="dk1"/>
-              </a:solidFill>
-              <a:latin typeface="Play"/>
-              <a:ea typeface="Play"/>
-              <a:cs typeface="Play"/>
-              <a:sym typeface="Play"/>
-            </a:endParaRPr>
-          </a:p>
-          <a:p>
-            <a:pPr indent="-317500" lvl="0" marL="457200" rtl="0" algn="just">
-              <a:lnSpc>
-                <a:spcPct val="150000"/>
-              </a:lnSpc>
-              <a:spcBef>
-                <a:spcPts val="0"/>
-              </a:spcBef>
-              <a:spcAft>
-                <a:spcPts val="0"/>
-              </a:spcAft>
-              <a:buClr>
-                <a:schemeClr val="dk1"/>
-              </a:buClr>
-              <a:buSzPts val="1400"/>
-              <a:buFont typeface="Play"/>
-              <a:buChar char="●"/>
-            </a:pPr>
-            <a:r>
-              <a:rPr lang="en-GB">
-                <a:solidFill>
-                  <a:schemeClr val="dk1"/>
-                </a:solidFill>
-                <a:latin typeface="Play"/>
-                <a:ea typeface="Play"/>
-                <a:cs typeface="Play"/>
-                <a:sym typeface="Play"/>
-              </a:rPr>
-              <a:t>New tools are available now to create and deploy chatbots; Amazon Lex by Amazon Web Services is one of them. This project focuses on creating a Pizza Ordering Chatbot using Amazon Lex to help the user order pizza, where the user can select the type of pizza, the crust, the appetizers.  </a:t>
-            </a:r>
-            <a:endParaRPr>
-              <a:solidFill>
-                <a:schemeClr val="dk1"/>
-              </a:solidFill>
-              <a:latin typeface="Play"/>
-              <a:ea typeface="Play"/>
-              <a:cs typeface="Play"/>
-              <a:sym typeface="Play"/>
-            </a:endParaRPr>
-          </a:p>
-        </p:txBody>
-      </p:sp>
-      <p:sp>
-        <p:nvSpPr>
-          <p:cNvPr id="62" name="Google Shape;62;p14"/>
-          <p:cNvSpPr txBox="1"/>
-          <p:nvPr/>
-        </p:nvSpPr>
-        <p:spPr>
-          <a:xfrm>
-            <a:off x="270900" y="198100"/>
-            <a:ext cx="8602200" cy="492600"/>
-          </a:xfrm>
-          <a:prstGeom prst="rect">
-            <a:avLst/>
-          </a:prstGeom>
-          <a:noFill/>
-          <a:ln>
-            <a:noFill/>
-          </a:ln>
-        </p:spPr>
-        <p:txBody>
-          <a:bodyPr anchorCtr="0" anchor="t" bIns="91425" lIns="91425" spcFirstLastPara="1" rIns="91425" wrap="square" tIns="91425">
-            <a:spAutoFit/>
-          </a:bodyPr>
-          <a:lstStyle/>
-          <a:p>
-            <a:pPr indent="0" lvl="0" marL="0" marR="0" rtl="0" algn="just">
-              <a:lnSpc>
-                <a:spcPct val="100000"/>
-              </a:lnSpc>
-              <a:spcBef>
-                <a:spcPts val="0"/>
-              </a:spcBef>
-              <a:spcAft>
-                <a:spcPts val="0"/>
-              </a:spcAft>
-              <a:buClr>
-                <a:srgbClr val="000000"/>
-              </a:buClr>
-              <a:buSzPts val="2000"/>
-              <a:buFont typeface="Arial"/>
-              <a:buNone/>
-            </a:pPr>
-            <a:r>
-              <a:rPr b="1" i="0" lang="en-GB" sz="2000" u="none" cap="none" strike="noStrike">
-                <a:solidFill>
-                  <a:schemeClr val="dk1"/>
-                </a:solidFill>
-                <a:latin typeface="Play"/>
-                <a:ea typeface="Play"/>
-                <a:cs typeface="Play"/>
-                <a:sym typeface="Play"/>
-              </a:rPr>
-              <a:t>ABSTRACT</a:t>
-            </a:r>
-            <a:endParaRPr b="1" i="0" sz="2000" u="none" cap="none" strike="noStrike">
-              <a:solidFill>
-                <a:schemeClr val="dk1"/>
-              </a:solidFill>
-              <a:latin typeface="Play"/>
-              <a:ea typeface="Play"/>
-              <a:cs typeface="Play"/>
-              <a:sym typeface="Play"/>
-            </a:endParaRPr>
-          </a:p>
-        </p:txBody>
-      </p:sp>
-    </p:spTree>
-  </p:cSld>
-  <p:clrMapOvr>
-    <a:masterClrMapping/>
-  </p:clrMapOvr>
-</p:sld>
-</file>
-
-<file path=ppt/slides/slide20.xml><?xml version="1.0" encoding="utf-8"?>
-<p:sld xmlns:a="http://schemas.openxmlformats.org/drawingml/2006/main" xmlns:r="http://schemas.openxmlformats.org/officeDocument/2006/relationships" xmlns:mc="http://schemas.openxmlformats.org/markup-compatibility/2006" xmlns:mv="urn:schemas-microsoft-com:mac:vml" xmlns:p="http://schemas.openxmlformats.org/presentationml/2006/main" xmlns:c="http://schemas.openxmlformats.org/drawingml/2006/chart" xmlns:dgm="http://schemas.openxmlformats.org/drawingml/2006/diagram" xmlns:o="urn:schemas-microsoft-com:office:office" xmlns:v="urn:schemas-microsoft-com:vml" xmlns:pvml="urn:schemas-microsoft-com:office:powerpoint" xmlns:com="http://schemas.openxmlformats.org/drawingml/2006/compatibility" xmlns:p14="http://schemas.microsoft.com/office/powerpoint/2010/main" xmlns:p15="http://schemas.microsoft.com/office/powerpoint/2012/main" xmlns:ahyp="http://schemas.microsoft.com/office/drawing/2018/hyperlinkcolor">
-  <p:cSld>
-    <p:spTree>
-      <p:nvGrpSpPr>
-        <p:cNvPr id="246" name="Shape 246"/>
-        <p:cNvGrpSpPr/>
-        <p:nvPr/>
-      </p:nvGrpSpPr>
-      <p:grpSpPr>
-        <a:xfrm>
-          <a:off x="0" y="0"/>
-          <a:ext cx="0" cy="0"/>
-          <a:chOff x="0" y="0"/>
-          <a:chExt cx="0" cy="0"/>
-        </a:xfrm>
-      </p:grpSpPr>
-      <p:pic>
-        <p:nvPicPr>
-          <p:cNvPr id="247" name="Google Shape;247;p32" title="PIZZA ORDERING CHATBOT USING AMAZON LEX.mp4">
-            <a:hlinkClick r:id="rId3"/>
-          </p:cNvPr>
-          <p:cNvPicPr preferRelativeResize="0"/>
-          <p:nvPr/>
-        </p:nvPicPr>
-        <p:blipFill>
-          <a:blip r:embed="rId4">
-            <a:alphaModFix/>
-          </a:blip>
-          <a:stretch>
-            <a:fillRect/>
-          </a:stretch>
-        </p:blipFill>
-        <p:spPr>
-          <a:xfrm>
-            <a:off x="4891000" y="70150"/>
-            <a:ext cx="3432925" cy="5003200"/>
-          </a:xfrm>
-          <a:prstGeom prst="rect">
-            <a:avLst/>
-          </a:prstGeom>
-          <a:noFill/>
-          <a:ln cap="flat" cmpd="sng" w="9525">
-            <a:solidFill>
-              <a:schemeClr val="dk1"/>
-            </a:solidFill>
-            <a:prstDash val="solid"/>
-            <a:round/>
-            <a:headEnd len="sm" w="sm" type="none"/>
-            <a:tailEnd len="sm" w="sm" type="none"/>
-          </a:ln>
-        </p:spPr>
-      </p:pic>
-      <p:sp>
-        <p:nvSpPr>
-          <p:cNvPr id="248" name="Google Shape;248;p32"/>
-          <p:cNvSpPr txBox="1"/>
-          <p:nvPr/>
-        </p:nvSpPr>
-        <p:spPr>
-          <a:xfrm>
-            <a:off x="270900" y="223538"/>
-            <a:ext cx="8602200" cy="492600"/>
-          </a:xfrm>
-          <a:prstGeom prst="rect">
-            <a:avLst/>
-          </a:prstGeom>
-          <a:noFill/>
-          <a:ln>
-            <a:noFill/>
-          </a:ln>
-        </p:spPr>
-        <p:txBody>
-          <a:bodyPr anchorCtr="0" anchor="t" bIns="91425" lIns="91425" spcFirstLastPara="1" rIns="91425" wrap="square" tIns="91425">
-            <a:spAutoFit/>
-          </a:bodyPr>
-          <a:lstStyle/>
-          <a:p>
-            <a:pPr indent="0" lvl="0" marL="0" marR="0" rtl="0" algn="just">
-              <a:lnSpc>
-                <a:spcPct val="100000"/>
-              </a:lnSpc>
-              <a:spcBef>
-                <a:spcPts val="0"/>
-              </a:spcBef>
-              <a:spcAft>
-                <a:spcPts val="0"/>
-              </a:spcAft>
-              <a:buClr>
-                <a:srgbClr val="000000"/>
-              </a:buClr>
-              <a:buSzPts val="2000"/>
-              <a:buFont typeface="Arial"/>
-              <a:buNone/>
-            </a:pPr>
-            <a:r>
-              <a:rPr b="1" lang="en-GB" sz="2000">
-                <a:solidFill>
-                  <a:schemeClr val="dk1"/>
-                </a:solidFill>
-                <a:latin typeface="Play"/>
-                <a:ea typeface="Play"/>
-                <a:cs typeface="Play"/>
-                <a:sym typeface="Play"/>
-              </a:rPr>
-              <a:t>Chatbot </a:t>
-            </a:r>
-            <a:r>
-              <a:rPr b="1" lang="en-GB" sz="2000">
-                <a:solidFill>
-                  <a:schemeClr val="dk1"/>
-                </a:solidFill>
-                <a:latin typeface="Play"/>
-                <a:ea typeface="Play"/>
-                <a:cs typeface="Play"/>
-                <a:sym typeface="Play"/>
-              </a:rPr>
-              <a:t>Demo</a:t>
-            </a:r>
-            <a:endParaRPr b="1" sz="2000">
-              <a:solidFill>
-                <a:schemeClr val="dk1"/>
-              </a:solidFill>
-              <a:latin typeface="Play"/>
-              <a:ea typeface="Play"/>
-              <a:cs typeface="Play"/>
-              <a:sym typeface="Play"/>
-            </a:endParaRPr>
-          </a:p>
-        </p:txBody>
-      </p:sp>
-      <p:sp>
-        <p:nvSpPr>
-          <p:cNvPr id="249" name="Google Shape;249;p32"/>
           <p:cNvSpPr txBox="1"/>
           <p:nvPr>
             <p:ph idx="4294967295" type="ctrTitle"/>
@@ -13929,8 +13262,8 @@
         </p:nvSpPr>
         <p:spPr>
           <a:xfrm>
-            <a:off x="311700" y="714525"/>
-            <a:ext cx="3812400" cy="1333800"/>
+            <a:off x="62613" y="1029150"/>
+            <a:ext cx="2493600" cy="1130400"/>
           </a:xfrm>
           <a:prstGeom prst="rect">
             <a:avLst/>
@@ -13982,7 +13315,7 @@
                 <a:ea typeface="Play"/>
                 <a:cs typeface="Play"/>
                 <a:sym typeface="Play"/>
-                <a:hlinkClick r:id="rId5">
+                <a:hlinkClick r:id="rId3">
                   <a:extLst>
                     <a:ext uri="{A12FA001-AC4F-418D-AE19-62706E023703}">
                       <ahyp:hlinkClr val="tx"/>
@@ -14006,7 +13339,37 @@
       </p:sp>
       <p:pic>
         <p:nvPicPr>
-          <p:cNvPr id="250" name="Google Shape;250;p32"/>
+          <p:cNvPr id="242" name="Google Shape;242;p31"/>
+          <p:cNvPicPr preferRelativeResize="0"/>
+          <p:nvPr/>
+        </p:nvPicPr>
+        <p:blipFill>
+          <a:blip r:embed="rId4">
+            <a:alphaModFix/>
+          </a:blip>
+          <a:stretch>
+            <a:fillRect/>
+          </a:stretch>
+        </p:blipFill>
+        <p:spPr>
+          <a:xfrm>
+            <a:off x="11963" y="2726500"/>
+            <a:ext cx="2594876" cy="1130400"/>
+          </a:xfrm>
+          <a:prstGeom prst="rect">
+            <a:avLst/>
+          </a:prstGeom>
+          <a:noFill/>
+          <a:ln>
+            <a:noFill/>
+          </a:ln>
+        </p:spPr>
+      </p:pic>
+      <p:pic>
+        <p:nvPicPr>
+          <p:cNvPr descr="Amazon Web Services (AWS) - Amazon Lex&#10;#AWS #AmazonWebServices #AmazonLex #Lex #AWSLex #Chatbot&#10;&#10;AWS-CLF-C01&#10;GitHub Repository: https://github.com/Amey-Thakur/AWS-CERTIFIED-CLOUD-PRACTITIONER-CLF-C01&#10;&#10;Pizza Ordering Chatbot using Amazon Lex.&#10;&#10;&#10;LINKS:&#10;GitHub: https://github.com/Amey-Thakur&#10;LinkedIn: https://www.linkedin.com/in/amey-thakur&#10;ORCID: https://orcid.org/0000-0001-5644-1575" id="243" name="Google Shape;243;p31" title="PIZZA ORDERING CHATBOT USING AMAZON LEX - AWS PROJECT DEMO">
+            <a:hlinkClick r:id="rId5"/>
+          </p:cNvPr>
           <p:cNvPicPr preferRelativeResize="0"/>
           <p:nvPr/>
         </p:nvPicPr>
@@ -14020,8 +13383,8 @@
         </p:blipFill>
         <p:spPr>
           <a:xfrm>
-            <a:off x="686988" y="2048325"/>
-            <a:ext cx="3061816" cy="1333800"/>
+            <a:off x="2657475" y="223550"/>
+            <a:ext cx="6191026" cy="4643256"/>
           </a:xfrm>
           <a:prstGeom prst="rect">
             <a:avLst/>
@@ -14032,160 +13395,9 @@
           </a:ln>
         </p:spPr>
       </p:pic>
-    </p:spTree>
-  </p:cSld>
-  <p:clrMapOvr>
-    <a:masterClrMapping/>
-  </p:clrMapOvr>
-  <p:timing>
-    <p:tnLst>
-      <p:par>
-        <p:cTn dur="indefinite" nodeType="tmRoot" restart="never">
-          <p:childTnLst>
-            <p:seq concurrent="1" nextAc="seek">
-              <p:cTn dur="indefinite" id="2" nodeType="mainSeq">
-                <p:childTnLst>
-                  <p:par>
-                    <p:cTn fill="hold">
-                      <p:stCondLst>
-                        <p:cond delay="indefinite"/>
-                      </p:stCondLst>
-                      <p:childTnLst>
-                        <p:par>
-                          <p:cTn fill="hold">
-                            <p:stCondLst>
-                              <p:cond delay="0"/>
-                            </p:stCondLst>
-                            <p:childTnLst>
-                              <p:par>
-                                <p:cTn fill="hold" nodeType="clickEffect" presetClass="entr" presetID="10" presetSubtype="0">
-                                  <p:stCondLst>
-                                    <p:cond delay="0"/>
-                                  </p:stCondLst>
-                                  <p:childTnLst>
-                                    <p:set>
-                                      <p:cBhvr>
-                                        <p:cTn dur="1" fill="hold">
-                                          <p:stCondLst>
-                                            <p:cond delay="0"/>
-                                          </p:stCondLst>
-                                        </p:cTn>
-                                        <p:tgtEl>
-                                          <p:spTgt spid="247"/>
-                                        </p:tgtEl>
-                                        <p:attrNameLst>
-                                          <p:attrName>style.visibility</p:attrName>
-                                        </p:attrNameLst>
-                                      </p:cBhvr>
-                                      <p:to>
-                                        <p:strVal val="visible"/>
-                                      </p:to>
-                                    </p:set>
-                                    <p:animEffect filter="fade" transition="in">
-                                      <p:cBhvr>
-                                        <p:cTn dur="1000"/>
-                                        <p:tgtEl>
-                                          <p:spTgt spid="247"/>
-                                        </p:tgtEl>
-                                      </p:cBhvr>
-                                    </p:animEffect>
-                                  </p:childTnLst>
-                                </p:cTn>
-                              </p:par>
-                            </p:childTnLst>
-                          </p:cTn>
-                        </p:par>
-                      </p:childTnLst>
-                    </p:cTn>
-                  </p:par>
-                </p:childTnLst>
-              </p:cTn>
-              <p:prevCondLst>
-                <p:cond evt="onPrev">
-                  <p:tgtEl>
-                    <p:sldTgt/>
-                  </p:tgtEl>
-                </p:cond>
-              </p:prevCondLst>
-              <p:nextCondLst>
-                <p:cond evt="onNext">
-                  <p:tgtEl>
-                    <p:sldTgt/>
-                  </p:tgtEl>
-                </p:cond>
-              </p:nextCondLst>
-            </p:seq>
-          </p:childTnLst>
-        </p:cTn>
-      </p:par>
-    </p:tnLst>
-  </p:timing>
-</p:sld>
-</file>
-
-<file path=ppt/slides/slide21.xml><?xml version="1.0" encoding="utf-8"?>
-<p:sld xmlns:a="http://schemas.openxmlformats.org/drawingml/2006/main" xmlns:r="http://schemas.openxmlformats.org/officeDocument/2006/relationships" xmlns:mc="http://schemas.openxmlformats.org/markup-compatibility/2006" xmlns:mv="urn:schemas-microsoft-com:mac:vml" xmlns:p="http://schemas.openxmlformats.org/presentationml/2006/main" xmlns:c="http://schemas.openxmlformats.org/drawingml/2006/chart" xmlns:dgm="http://schemas.openxmlformats.org/drawingml/2006/diagram" xmlns:o="urn:schemas-microsoft-com:office:office" xmlns:v="urn:schemas-microsoft-com:vml" xmlns:pvml="urn:schemas-microsoft-com:office:powerpoint" xmlns:com="http://schemas.openxmlformats.org/drawingml/2006/compatibility" xmlns:p14="http://schemas.microsoft.com/office/powerpoint/2010/main" xmlns:p15="http://schemas.microsoft.com/office/powerpoint/2012/main" xmlns:ahyp="http://schemas.microsoft.com/office/drawing/2018/hyperlinkcolor">
-  <p:cSld>
-    <p:spTree>
-      <p:nvGrpSpPr>
-        <p:cNvPr id="254" name="Shape 254"/>
-        <p:cNvGrpSpPr/>
-        <p:nvPr/>
-      </p:nvGrpSpPr>
-      <p:grpSpPr>
-        <a:xfrm>
-          <a:off x="0" y="0"/>
-          <a:ext cx="0" cy="0"/>
-          <a:chOff x="0" y="0"/>
-          <a:chExt cx="0" cy="0"/>
-        </a:xfrm>
-      </p:grpSpPr>
-      <p:pic>
-        <p:nvPicPr>
-          <p:cNvPr descr="Amazon Web Services (AWS) - Amazon Lex&#10;#AWS #AmazonWebServices #AmazonLex #Lex #AWSLex #Chatbot&#10;&#10;AWS-CLF-C01&#10;GitHub Repository: https://github.com/Amey-Thakur/AWS-CERTIFIED-CLOUD-PRACTITIONER-CLF-C01&#10;&#10;Pizza Ordering Chatbot using Amazon Lex.&#10;&#10;&#10;LINKS:&#10;GitHub: https://github.com/Amey-Thakur&#10;LinkedIn: https://www.linkedin.com/in/amey-thakur&#10;ORCID: https://orcid.org/0000-0001-5644-1575" id="255" name="Google Shape;255;p33" title="PIZZA ORDERING CHATBOT USING AMAZON LEX - AWS PROJECT">
-            <a:hlinkClick r:id="rId3"/>
-          </p:cNvPr>
-          <p:cNvPicPr preferRelativeResize="0"/>
-          <p:nvPr/>
-        </p:nvPicPr>
-        <p:blipFill>
-          <a:blip r:embed="rId4">
-            <a:alphaModFix/>
-          </a:blip>
-          <a:stretch>
-            <a:fillRect/>
-          </a:stretch>
-        </p:blipFill>
-        <p:spPr>
-          <a:xfrm>
-            <a:off x="2372250" y="188738"/>
-            <a:ext cx="6354700" cy="4766025"/>
-          </a:xfrm>
-          <a:prstGeom prst="rect">
-            <a:avLst/>
-          </a:prstGeom>
-          <a:noFill/>
-          <a:ln cap="flat" cmpd="sng" w="9525">
-            <a:solidFill>
-              <a:schemeClr val="dk1"/>
-            </a:solidFill>
-            <a:prstDash val="solid"/>
-            <a:round/>
-            <a:headEnd len="sm" w="sm" type="none"/>
-            <a:tailEnd len="sm" w="sm" type="none"/>
-          </a:ln>
-          <a:effectLst>
-            <a:outerShdw blurRad="57150" rotWithShape="0" algn="bl" dir="5400000" dist="19050">
-              <a:srgbClr val="000000">
-                <a:alpha val="50000"/>
-              </a:srgbClr>
-            </a:outerShdw>
-          </a:effectLst>
-        </p:spPr>
-      </p:pic>
       <p:sp>
         <p:nvSpPr>
-          <p:cNvPr id="256" name="Google Shape;256;p33"/>
+          <p:cNvPr id="244" name="Google Shape;244;p31"/>
           <p:cNvSpPr txBox="1"/>
           <p:nvPr>
             <p:ph idx="4294967295" type="ctrTitle"/>
@@ -14193,8 +13405,8 @@
         </p:nvSpPr>
         <p:spPr>
           <a:xfrm>
-            <a:off x="224450" y="188750"/>
-            <a:ext cx="1889100" cy="950100"/>
+            <a:off x="62625" y="4278775"/>
+            <a:ext cx="2493600" cy="588000"/>
           </a:xfrm>
           <a:prstGeom prst="rect">
             <a:avLst/>
@@ -14219,7 +13431,7 @@
           <a:p>
             <a:pPr indent="0" lvl="0" marL="0" marR="0" rtl="0" algn="ctr">
               <a:lnSpc>
-                <a:spcPct val="100000"/>
+                <a:spcPct val="150000"/>
               </a:lnSpc>
               <a:spcBef>
                 <a:spcPts val="0"/>
@@ -14235,87 +13447,31 @@
               <a:buNone/>
             </a:pPr>
             <a:r>
-              <a:rPr b="1" lang="en-GB" sz="1400">
+              <a:rPr b="1" lang="en-GB" sz="1200">
+                <a:solidFill>
+                  <a:srgbClr val="000000"/>
+                </a:solidFill>
                 <a:latin typeface="Play"/>
                 <a:ea typeface="Play"/>
                 <a:cs typeface="Play"/>
                 <a:sym typeface="Play"/>
               </a:rPr>
-              <a:t>The complete guide to the project</a:t>
-            </a:r>
-            <a:endParaRPr b="1" i="0" sz="1400" cap="none" strike="noStrike">
+              <a:t>YouTube Video</a:t>
+            </a:r>
+            <a:endParaRPr b="1" sz="1200">
+              <a:solidFill>
+                <a:srgbClr val="000000"/>
+              </a:solidFill>
               <a:latin typeface="Play"/>
               <a:ea typeface="Play"/>
               <a:cs typeface="Play"/>
               <a:sym typeface="Play"/>
             </a:endParaRPr>
           </a:p>
-        </p:txBody>
-      </p:sp>
-      <p:pic>
-        <p:nvPicPr>
-          <p:cNvPr id="257" name="Google Shape;257;p33"/>
-          <p:cNvPicPr preferRelativeResize="0"/>
-          <p:nvPr/>
-        </p:nvPicPr>
-        <p:blipFill rotWithShape="1">
-          <a:blip r:embed="rId5">
-            <a:alphaModFix/>
-          </a:blip>
-          <a:srcRect b="0" l="14985" r="14760" t="0"/>
-          <a:stretch/>
-        </p:blipFill>
-        <p:spPr>
-          <a:xfrm>
-            <a:off x="336787" y="1782038"/>
-            <a:ext cx="1664425" cy="1579425"/>
-          </a:xfrm>
-          <a:prstGeom prst="rect">
-            <a:avLst/>
-          </a:prstGeom>
-          <a:noFill/>
-          <a:ln>
-            <a:noFill/>
-          </a:ln>
-        </p:spPr>
-      </p:pic>
-      <p:sp>
-        <p:nvSpPr>
-          <p:cNvPr id="258" name="Google Shape;258;p33"/>
-          <p:cNvSpPr txBox="1"/>
-          <p:nvPr>
-            <p:ph idx="4294967295" type="ctrTitle"/>
-          </p:nvPr>
-        </p:nvSpPr>
-        <p:spPr>
-          <a:xfrm>
-            <a:off x="224438" y="3296325"/>
-            <a:ext cx="1889100" cy="537900"/>
-          </a:xfrm>
-          <a:prstGeom prst="rect">
-            <a:avLst/>
-          </a:prstGeom>
-          <a:noFill/>
-          <a:ln>
-            <a:noFill/>
-          </a:ln>
-          <a:effectLst>
-            <a:outerShdw blurRad="57150" rotWithShape="0" algn="bl" dir="5400000" dist="19050">
-              <a:srgbClr val="FFFFFF">
-                <a:alpha val="48630"/>
-              </a:srgbClr>
-            </a:outerShdw>
-          </a:effectLst>
-        </p:spPr>
-        <p:txBody>
-          <a:bodyPr anchorCtr="0" anchor="ctr" bIns="91425" lIns="91425" spcFirstLastPara="1" rIns="91425" wrap="square" tIns="91425">
-            <a:noAutofit/>
-          </a:bodyPr>
-          <a:lstStyle/>
           <a:p>
             <a:pPr indent="0" lvl="0" marL="0" marR="0" rtl="0" algn="ctr">
               <a:lnSpc>
-                <a:spcPct val="100000"/>
+                <a:spcPct val="150000"/>
               </a:lnSpc>
               <a:spcBef>
                 <a:spcPts val="0"/>
@@ -14331,84 +13487,28 @@
               <a:buNone/>
             </a:pPr>
             <a:r>
-              <a:rPr b="1" lang="en-GB" sz="1400">
+              <a:rPr b="1" lang="en-GB" sz="1200" u="sng">
+                <a:solidFill>
+                  <a:srgbClr val="0000FF"/>
+                </a:solidFill>
                 <a:latin typeface="Play"/>
                 <a:ea typeface="Play"/>
                 <a:cs typeface="Play"/>
                 <a:sym typeface="Play"/>
+                <a:hlinkClick r:id="rId7">
+                  <a:extLst>
+                    <a:ext uri="{A12FA001-AC4F-418D-AE19-62706E023703}">
+                      <ahyp:hlinkClr val="tx"/>
+                    </a:ext>
+                  </a:extLst>
+                </a:hlinkClick>
               </a:rPr>
-              <a:t>PROJECT</a:t>
-            </a:r>
-            <a:endParaRPr b="1" i="0" sz="1400" cap="none" strike="noStrike">
-              <a:latin typeface="Play"/>
-              <a:ea typeface="Play"/>
-              <a:cs typeface="Play"/>
-              <a:sym typeface="Play"/>
-            </a:endParaRPr>
-          </a:p>
-        </p:txBody>
-      </p:sp>
-      <p:sp>
-        <p:nvSpPr>
-          <p:cNvPr id="259" name="Google Shape;259;p33"/>
-          <p:cNvSpPr txBox="1"/>
-          <p:nvPr>
-            <p:ph idx="4294967295" type="ctrTitle"/>
-          </p:nvPr>
-        </p:nvSpPr>
-        <p:spPr>
-          <a:xfrm>
-            <a:off x="224450" y="1297800"/>
-            <a:ext cx="1889100" cy="537900"/>
-          </a:xfrm>
-          <a:prstGeom prst="rect">
-            <a:avLst/>
-          </a:prstGeom>
-          <a:noFill/>
-          <a:ln>
-            <a:noFill/>
-          </a:ln>
-          <a:effectLst>
-            <a:outerShdw blurRad="57150" rotWithShape="0" algn="bl" dir="5400000" dist="19050">
-              <a:srgbClr val="FFFFFF">
-                <a:alpha val="48630"/>
-              </a:srgbClr>
-            </a:outerShdw>
-          </a:effectLst>
-        </p:spPr>
-        <p:txBody>
-          <a:bodyPr anchorCtr="0" anchor="ctr" bIns="91425" lIns="91425" spcFirstLastPara="1" rIns="91425" wrap="square" tIns="91425">
-            <a:noAutofit/>
-          </a:bodyPr>
-          <a:lstStyle/>
-          <a:p>
-            <a:pPr indent="0" lvl="0" marL="0" marR="0" rtl="0" algn="ctr">
-              <a:lnSpc>
-                <a:spcPct val="100000"/>
-              </a:lnSpc>
-              <a:spcBef>
-                <a:spcPts val="0"/>
-              </a:spcBef>
-              <a:spcAft>
-                <a:spcPts val="0"/>
-              </a:spcAft>
-              <a:buClr>
-                <a:schemeClr val="dk1"/>
-              </a:buClr>
-              <a:buSzPts val="990"/>
-              <a:buFont typeface="Arial"/>
-              <a:buNone/>
-            </a:pPr>
-            <a:r>
-              <a:rPr b="1" lang="en-GB" sz="1400">
-                <a:latin typeface="Play"/>
-                <a:ea typeface="Play"/>
-                <a:cs typeface="Play"/>
-                <a:sym typeface="Play"/>
-              </a:rPr>
-              <a:t>AWS</a:t>
-            </a:r>
-            <a:endParaRPr b="1" i="0" sz="1400" cap="none" strike="noStrike">
+              <a:t>https://youtu.be/6iLgN_1e4DU</a:t>
+            </a:r>
+            <a:endParaRPr b="1" sz="1200">
+              <a:solidFill>
+                <a:srgbClr val="0000FF"/>
+              </a:solidFill>
               <a:latin typeface="Play"/>
               <a:ea typeface="Play"/>
               <a:cs typeface="Play"/>
@@ -14456,7 +13556,7 @@
                                           </p:stCondLst>
                                         </p:cTn>
                                         <p:tgtEl>
-                                          <p:spTgt spid="255"/>
+                                          <p:spTgt spid="243"/>
                                         </p:tgtEl>
                                         <p:attrNameLst>
                                           <p:attrName>style.visibility</p:attrName>
@@ -14470,7 +13570,7 @@
                                       <p:cBhvr>
                                         <p:cTn dur="1000"/>
                                         <p:tgtEl>
-                                          <p:spTgt spid="255"/>
+                                          <p:spTgt spid="243"/>
                                         </p:tgtEl>
                                       </p:cBhvr>
                                     </p:animEffect>
@@ -14508,12 +13608,301 @@
 </p:sld>
 </file>
 
-<file path=ppt/slides/slide22.xml><?xml version="1.0" encoding="utf-8"?>
+<file path=ppt/slides/slide2.xml><?xml version="1.0" encoding="utf-8"?>
 <p:sld xmlns:a="http://schemas.openxmlformats.org/drawingml/2006/main" xmlns:r="http://schemas.openxmlformats.org/officeDocument/2006/relationships" xmlns:mc="http://schemas.openxmlformats.org/markup-compatibility/2006" xmlns:mv="urn:schemas-microsoft-com:mac:vml" xmlns:p="http://schemas.openxmlformats.org/presentationml/2006/main" xmlns:c="http://schemas.openxmlformats.org/drawingml/2006/chart" xmlns:dgm="http://schemas.openxmlformats.org/drawingml/2006/diagram" xmlns:o="urn:schemas-microsoft-com:office:office" xmlns:v="urn:schemas-microsoft-com:vml" xmlns:pvml="urn:schemas-microsoft-com:office:powerpoint" xmlns:com="http://schemas.openxmlformats.org/drawingml/2006/compatibility" xmlns:p14="http://schemas.microsoft.com/office/powerpoint/2010/main" xmlns:p15="http://schemas.microsoft.com/office/powerpoint/2012/main" xmlns:ahyp="http://schemas.microsoft.com/office/drawing/2018/hyperlinkcolor">
   <p:cSld>
     <p:spTree>
       <p:nvGrpSpPr>
-        <p:cNvPr id="263" name="Shape 263"/>
+        <p:cNvPr id="60" name="Shape 60"/>
+        <p:cNvGrpSpPr/>
+        <p:nvPr/>
+      </p:nvGrpSpPr>
+      <p:grpSpPr>
+        <a:xfrm>
+          <a:off x="0" y="0"/>
+          <a:ext cx="0" cy="0"/>
+          <a:chOff x="0" y="0"/>
+          <a:chExt cx="0" cy="0"/>
+        </a:xfrm>
+      </p:grpSpPr>
+      <p:sp>
+        <p:nvSpPr>
+          <p:cNvPr id="61" name="Google Shape;61;p14"/>
+          <p:cNvSpPr txBox="1"/>
+          <p:nvPr/>
+        </p:nvSpPr>
+        <p:spPr>
+          <a:xfrm>
+            <a:off x="206200" y="777075"/>
+            <a:ext cx="8602200" cy="3993300"/>
+          </a:xfrm>
+          <a:prstGeom prst="rect">
+            <a:avLst/>
+          </a:prstGeom>
+          <a:noFill/>
+          <a:ln>
+            <a:noFill/>
+          </a:ln>
+        </p:spPr>
+        <p:txBody>
+          <a:bodyPr anchorCtr="0" anchor="ctr" bIns="91425" lIns="91425" spcFirstLastPara="1" rIns="91425" wrap="square" tIns="91425">
+            <a:noAutofit/>
+          </a:bodyPr>
+          <a:lstStyle/>
+          <a:p>
+            <a:pPr indent="-317500" lvl="0" marL="457200" rtl="0" algn="just">
+              <a:lnSpc>
+                <a:spcPct val="150000"/>
+              </a:lnSpc>
+              <a:spcBef>
+                <a:spcPts val="0"/>
+              </a:spcBef>
+              <a:spcAft>
+                <a:spcPts val="0"/>
+              </a:spcAft>
+              <a:buClr>
+                <a:schemeClr val="dk1"/>
+              </a:buClr>
+              <a:buSzPts val="1400"/>
+              <a:buFont typeface="Play"/>
+              <a:buChar char="●"/>
+            </a:pPr>
+            <a:r>
+              <a:rPr lang="en-GB">
+                <a:solidFill>
+                  <a:schemeClr val="dk1"/>
+                </a:solidFill>
+                <a:latin typeface="Play"/>
+                <a:ea typeface="Play"/>
+                <a:cs typeface="Play"/>
+                <a:sym typeface="Play"/>
+              </a:rPr>
+              <a:t>The majority of monotonous jobs that were formerly performed by humans are now replaced by AI. Every firm is aiming to replace the least skilled labour with AI robots that can do comparable tasks more efficiently, especially when it comes to chatbots. </a:t>
+            </a:r>
+            <a:endParaRPr>
+              <a:solidFill>
+                <a:schemeClr val="dk1"/>
+              </a:solidFill>
+              <a:latin typeface="Play"/>
+              <a:ea typeface="Play"/>
+              <a:cs typeface="Play"/>
+              <a:sym typeface="Play"/>
+            </a:endParaRPr>
+          </a:p>
+          <a:p>
+            <a:pPr indent="0" lvl="0" marL="0" rtl="0" algn="just">
+              <a:lnSpc>
+                <a:spcPct val="150000"/>
+              </a:lnSpc>
+              <a:spcBef>
+                <a:spcPts val="0"/>
+              </a:spcBef>
+              <a:spcAft>
+                <a:spcPts val="0"/>
+              </a:spcAft>
+              <a:buNone/>
+            </a:pPr>
+            <a:r>
+              <a:t/>
+            </a:r>
+            <a:endParaRPr>
+              <a:solidFill>
+                <a:schemeClr val="dk1"/>
+              </a:solidFill>
+              <a:latin typeface="Play"/>
+              <a:ea typeface="Play"/>
+              <a:cs typeface="Play"/>
+              <a:sym typeface="Play"/>
+            </a:endParaRPr>
+          </a:p>
+          <a:p>
+            <a:pPr indent="-317500" lvl="0" marL="457200" rtl="0" algn="just">
+              <a:lnSpc>
+                <a:spcPct val="150000"/>
+              </a:lnSpc>
+              <a:spcBef>
+                <a:spcPts val="0"/>
+              </a:spcBef>
+              <a:spcAft>
+                <a:spcPts val="0"/>
+              </a:spcAft>
+              <a:buClr>
+                <a:schemeClr val="dk1"/>
+              </a:buClr>
+              <a:buSzPts val="1400"/>
+              <a:buFont typeface="Play"/>
+              <a:buChar char="●"/>
+            </a:pPr>
+            <a:r>
+              <a:rPr lang="en-GB">
+                <a:solidFill>
+                  <a:schemeClr val="dk1"/>
+                </a:solidFill>
+                <a:latin typeface="Play"/>
+                <a:ea typeface="Play"/>
+                <a:cs typeface="Play"/>
+                <a:sym typeface="Play"/>
+              </a:rPr>
+              <a:t>A chatbot is a computer software that mimics human interaction by using voice instructions, text dialogues, or both. Chatbots are being employed to address consumer concerns or problems in food delivery app businesses such as Zomato and Swiggy.</a:t>
+            </a:r>
+            <a:endParaRPr>
+              <a:solidFill>
+                <a:schemeClr val="dk1"/>
+              </a:solidFill>
+              <a:latin typeface="Play"/>
+              <a:ea typeface="Play"/>
+              <a:cs typeface="Play"/>
+              <a:sym typeface="Play"/>
+            </a:endParaRPr>
+          </a:p>
+          <a:p>
+            <a:pPr indent="0" lvl="0" marL="457200" rtl="0" algn="just">
+              <a:lnSpc>
+                <a:spcPct val="150000"/>
+              </a:lnSpc>
+              <a:spcBef>
+                <a:spcPts val="0"/>
+              </a:spcBef>
+              <a:spcAft>
+                <a:spcPts val="0"/>
+              </a:spcAft>
+              <a:buNone/>
+            </a:pPr>
+            <a:r>
+              <a:t/>
+            </a:r>
+            <a:endParaRPr>
+              <a:solidFill>
+                <a:schemeClr val="dk1"/>
+              </a:solidFill>
+              <a:latin typeface="Play"/>
+              <a:ea typeface="Play"/>
+              <a:cs typeface="Play"/>
+              <a:sym typeface="Play"/>
+            </a:endParaRPr>
+          </a:p>
+          <a:p>
+            <a:pPr indent="-317500" lvl="0" marL="457200" rtl="0" algn="just">
+              <a:lnSpc>
+                <a:spcPct val="150000"/>
+              </a:lnSpc>
+              <a:spcBef>
+                <a:spcPts val="0"/>
+              </a:spcBef>
+              <a:spcAft>
+                <a:spcPts val="0"/>
+              </a:spcAft>
+              <a:buClr>
+                <a:schemeClr val="dk1"/>
+              </a:buClr>
+              <a:buSzPts val="1400"/>
+              <a:buFont typeface="Play"/>
+              <a:buChar char="●"/>
+            </a:pPr>
+            <a:r>
+              <a:rPr lang="en-GB">
+                <a:solidFill>
+                  <a:schemeClr val="dk1"/>
+                </a:solidFill>
+                <a:latin typeface="Play"/>
+                <a:ea typeface="Play"/>
+                <a:cs typeface="Play"/>
+                <a:sym typeface="Play"/>
+              </a:rPr>
+              <a:t>New tools are available now to create and deploy chatbots; Amazon Lex by Amazon Web Services is one of them. This project focuses on creating a Pizza Ordering Chatbot using Amazon Lex to help the user order pizza, where the user can select the type of pizza, the crust, the appetizers.  </a:t>
+            </a:r>
+            <a:endParaRPr>
+              <a:solidFill>
+                <a:schemeClr val="dk1"/>
+              </a:solidFill>
+              <a:latin typeface="Play"/>
+              <a:ea typeface="Play"/>
+              <a:cs typeface="Play"/>
+              <a:sym typeface="Play"/>
+            </a:endParaRPr>
+          </a:p>
+        </p:txBody>
+      </p:sp>
+      <p:sp>
+        <p:nvSpPr>
+          <p:cNvPr id="62" name="Google Shape;62;p14"/>
+          <p:cNvSpPr txBox="1"/>
+          <p:nvPr/>
+        </p:nvSpPr>
+        <p:spPr>
+          <a:xfrm>
+            <a:off x="270900" y="198100"/>
+            <a:ext cx="8602200" cy="492600"/>
+          </a:xfrm>
+          <a:prstGeom prst="rect">
+            <a:avLst/>
+          </a:prstGeom>
+          <a:noFill/>
+          <a:ln>
+            <a:noFill/>
+          </a:ln>
+        </p:spPr>
+        <p:txBody>
+          <a:bodyPr anchorCtr="0" anchor="t" bIns="91425" lIns="91425" spcFirstLastPara="1" rIns="91425" wrap="square" tIns="91425">
+            <a:spAutoFit/>
+          </a:bodyPr>
+          <a:lstStyle/>
+          <a:p>
+            <a:pPr indent="0" lvl="0" marL="0" marR="0" rtl="0" algn="just">
+              <a:lnSpc>
+                <a:spcPct val="100000"/>
+              </a:lnSpc>
+              <a:spcBef>
+                <a:spcPts val="0"/>
+              </a:spcBef>
+              <a:spcAft>
+                <a:spcPts val="0"/>
+              </a:spcAft>
+              <a:buClr>
+                <a:srgbClr val="000000"/>
+              </a:buClr>
+              <a:buSzPts val="2000"/>
+              <a:buFont typeface="Arial"/>
+              <a:buNone/>
+            </a:pPr>
+            <a:r>
+              <a:rPr b="1" i="0" lang="en-GB" sz="2000" u="none" cap="none" strike="noStrike">
+                <a:solidFill>
+                  <a:schemeClr val="dk1"/>
+                </a:solidFill>
+                <a:latin typeface="Play"/>
+                <a:ea typeface="Play"/>
+                <a:cs typeface="Play"/>
+                <a:sym typeface="Play"/>
+              </a:rPr>
+              <a:t>ABSTRACT</a:t>
+            </a:r>
+            <a:endParaRPr b="1" i="0" sz="2000" u="none" cap="none" strike="noStrike">
+              <a:solidFill>
+                <a:schemeClr val="dk1"/>
+              </a:solidFill>
+              <a:latin typeface="Play"/>
+              <a:ea typeface="Play"/>
+              <a:cs typeface="Play"/>
+              <a:sym typeface="Play"/>
+            </a:endParaRPr>
+          </a:p>
+        </p:txBody>
+      </p:sp>
+    </p:spTree>
+  </p:cSld>
+  <p:clrMapOvr>
+    <a:masterClrMapping/>
+  </p:clrMapOvr>
+</p:sld>
+</file>
+
+<file path=ppt/slides/slide20.xml><?xml version="1.0" encoding="utf-8"?>
+<p:sld xmlns:a="http://schemas.openxmlformats.org/drawingml/2006/main" xmlns:r="http://schemas.openxmlformats.org/officeDocument/2006/relationships" xmlns:mc="http://schemas.openxmlformats.org/markup-compatibility/2006" xmlns:mv="urn:schemas-microsoft-com:mac:vml" xmlns:p="http://schemas.openxmlformats.org/presentationml/2006/main" xmlns:c="http://schemas.openxmlformats.org/drawingml/2006/chart" xmlns:dgm="http://schemas.openxmlformats.org/drawingml/2006/diagram" xmlns:o="urn:schemas-microsoft-com:office:office" xmlns:v="urn:schemas-microsoft-com:vml" xmlns:pvml="urn:schemas-microsoft-com:office:powerpoint" xmlns:com="http://schemas.openxmlformats.org/drawingml/2006/compatibility" xmlns:p14="http://schemas.microsoft.com/office/powerpoint/2010/main" xmlns:p15="http://schemas.microsoft.com/office/powerpoint/2012/main" xmlns:ahyp="http://schemas.microsoft.com/office/drawing/2018/hyperlinkcolor">
+  <p:cSld>
+    <p:spTree>
+      <p:nvGrpSpPr>
+        <p:cNvPr id="248" name="Shape 248"/>
         <p:cNvGrpSpPr/>
         <p:nvPr/>
       </p:nvGrpSpPr>
@@ -14527,40 +13916,9 @@
       </p:grpSpPr>
       <p:pic>
         <p:nvPicPr>
-          <p:cNvPr id="264" name="Google Shape;264;p34"/>
-          <p:cNvPicPr preferRelativeResize="0"/>
-          <p:nvPr/>
-        </p:nvPicPr>
-        <p:blipFill rotWithShape="1">
-          <a:blip r:embed="rId3">
-            <a:alphaModFix/>
-          </a:blip>
-          <a:srcRect b="-2354" l="0" r="0" t="0"/>
-          <a:stretch/>
-        </p:blipFill>
-        <p:spPr>
-          <a:xfrm>
-            <a:off x="579450" y="1133650"/>
-            <a:ext cx="2567900" cy="3876175"/>
-          </a:xfrm>
-          <a:prstGeom prst="rect">
-            <a:avLst/>
-          </a:prstGeom>
-          <a:noFill/>
-          <a:ln cap="flat" cmpd="sng" w="9525">
-            <a:solidFill>
-              <a:srgbClr val="000000"/>
-            </a:solidFill>
-            <a:prstDash val="solid"/>
-            <a:round/>
-            <a:headEnd len="sm" w="sm" type="none"/>
-            <a:tailEnd len="sm" w="sm" type="none"/>
-          </a:ln>
-        </p:spPr>
-      </p:pic>
-      <p:pic>
-        <p:nvPicPr>
-          <p:cNvPr id="265" name="Google Shape;265;p34"/>
+          <p:cNvPr descr="Amazon Web Services (AWS) - Amazon Lex&#10;#AWS #AmazonWebServices #AmazonLex #Lex #AWSLex #Chatbot&#10;&#10;AWS-CLF-C01&#10;GitHub Repository: https://github.com/Amey-Thakur/AWS-CERTIFIED-CLOUD-PRACTITIONER-CLF-C01&#10;&#10;Pizza Ordering Chatbot using Amazon Lex.&#10;&#10;&#10;LINKS:&#10;GitHub: https://github.com/Amey-Thakur&#10;LinkedIn: https://www.linkedin.com/in/amey-thakur&#10;ORCID: https://orcid.org/0000-0001-5644-1575" id="249" name="Google Shape;249;p32" title="PIZZA ORDERING CHATBOT USING AMAZON LEX - AWS PROJECT">
+            <a:hlinkClick r:id="rId3"/>
+          </p:cNvPr>
           <p:cNvPicPr preferRelativeResize="0"/>
           <p:nvPr/>
         </p:nvPicPr>
@@ -14574,8 +13932,505 @@
         </p:blipFill>
         <p:spPr>
           <a:xfrm>
-            <a:off x="3369400" y="1133650"/>
-            <a:ext cx="2456974" cy="3876175"/>
+            <a:off x="2372250" y="188738"/>
+            <a:ext cx="6354700" cy="4766025"/>
+          </a:xfrm>
+          <a:prstGeom prst="rect">
+            <a:avLst/>
+          </a:prstGeom>
+          <a:noFill/>
+          <a:ln cap="flat" cmpd="sng" w="9525">
+            <a:solidFill>
+              <a:schemeClr val="dk1"/>
+            </a:solidFill>
+            <a:prstDash val="solid"/>
+            <a:round/>
+            <a:headEnd len="sm" w="sm" type="none"/>
+            <a:tailEnd len="sm" w="sm" type="none"/>
+          </a:ln>
+          <a:effectLst>
+            <a:outerShdw blurRad="57150" rotWithShape="0" algn="bl" dir="5400000" dist="19050">
+              <a:srgbClr val="000000">
+                <a:alpha val="50000"/>
+              </a:srgbClr>
+            </a:outerShdw>
+          </a:effectLst>
+        </p:spPr>
+      </p:pic>
+      <p:sp>
+        <p:nvSpPr>
+          <p:cNvPr id="250" name="Google Shape;250;p32"/>
+          <p:cNvSpPr txBox="1"/>
+          <p:nvPr>
+            <p:ph idx="4294967295" type="ctrTitle"/>
+          </p:nvPr>
+        </p:nvSpPr>
+        <p:spPr>
+          <a:xfrm>
+            <a:off x="224450" y="188750"/>
+            <a:ext cx="1889100" cy="950100"/>
+          </a:xfrm>
+          <a:prstGeom prst="rect">
+            <a:avLst/>
+          </a:prstGeom>
+          <a:noFill/>
+          <a:ln>
+            <a:noFill/>
+          </a:ln>
+          <a:effectLst>
+            <a:outerShdw blurRad="57150" rotWithShape="0" algn="bl" dir="5400000" dist="19050">
+              <a:srgbClr val="FFFFFF">
+                <a:alpha val="48630"/>
+              </a:srgbClr>
+            </a:outerShdw>
+          </a:effectLst>
+        </p:spPr>
+        <p:txBody>
+          <a:bodyPr anchorCtr="0" anchor="ctr" bIns="91425" lIns="91425" spcFirstLastPara="1" rIns="91425" wrap="square" tIns="91425">
+            <a:noAutofit/>
+          </a:bodyPr>
+          <a:lstStyle/>
+          <a:p>
+            <a:pPr indent="0" lvl="0" marL="0" marR="0" rtl="0" algn="ctr">
+              <a:lnSpc>
+                <a:spcPct val="100000"/>
+              </a:lnSpc>
+              <a:spcBef>
+                <a:spcPts val="0"/>
+              </a:spcBef>
+              <a:spcAft>
+                <a:spcPts val="0"/>
+              </a:spcAft>
+              <a:buClr>
+                <a:schemeClr val="dk1"/>
+              </a:buClr>
+              <a:buSzPts val="990"/>
+              <a:buFont typeface="Arial"/>
+              <a:buNone/>
+            </a:pPr>
+            <a:r>
+              <a:rPr b="1" lang="en-GB" sz="1400">
+                <a:latin typeface="Play"/>
+                <a:ea typeface="Play"/>
+                <a:cs typeface="Play"/>
+                <a:sym typeface="Play"/>
+              </a:rPr>
+              <a:t>The complete guide to the Amazon Lex project</a:t>
+            </a:r>
+            <a:endParaRPr b="1" i="0" sz="1400" cap="none" strike="noStrike">
+              <a:latin typeface="Play"/>
+              <a:ea typeface="Play"/>
+              <a:cs typeface="Play"/>
+              <a:sym typeface="Play"/>
+            </a:endParaRPr>
+          </a:p>
+        </p:txBody>
+      </p:sp>
+      <p:pic>
+        <p:nvPicPr>
+          <p:cNvPr id="251" name="Google Shape;251;p32"/>
+          <p:cNvPicPr preferRelativeResize="0"/>
+          <p:nvPr/>
+        </p:nvPicPr>
+        <p:blipFill rotWithShape="1">
+          <a:blip r:embed="rId5">
+            <a:alphaModFix/>
+          </a:blip>
+          <a:srcRect b="0" l="14985" r="14760" t="0"/>
+          <a:stretch/>
+        </p:blipFill>
+        <p:spPr>
+          <a:xfrm>
+            <a:off x="336787" y="1782038"/>
+            <a:ext cx="1664425" cy="1579425"/>
+          </a:xfrm>
+          <a:prstGeom prst="rect">
+            <a:avLst/>
+          </a:prstGeom>
+          <a:noFill/>
+          <a:ln>
+            <a:noFill/>
+          </a:ln>
+        </p:spPr>
+      </p:pic>
+      <p:sp>
+        <p:nvSpPr>
+          <p:cNvPr id="252" name="Google Shape;252;p32"/>
+          <p:cNvSpPr txBox="1"/>
+          <p:nvPr>
+            <p:ph idx="4294967295" type="ctrTitle"/>
+          </p:nvPr>
+        </p:nvSpPr>
+        <p:spPr>
+          <a:xfrm>
+            <a:off x="224438" y="3296325"/>
+            <a:ext cx="1889100" cy="537900"/>
+          </a:xfrm>
+          <a:prstGeom prst="rect">
+            <a:avLst/>
+          </a:prstGeom>
+          <a:noFill/>
+          <a:ln>
+            <a:noFill/>
+          </a:ln>
+          <a:effectLst>
+            <a:outerShdw blurRad="57150" rotWithShape="0" algn="bl" dir="5400000" dist="19050">
+              <a:srgbClr val="FFFFFF">
+                <a:alpha val="48630"/>
+              </a:srgbClr>
+            </a:outerShdw>
+          </a:effectLst>
+        </p:spPr>
+        <p:txBody>
+          <a:bodyPr anchorCtr="0" anchor="ctr" bIns="91425" lIns="91425" spcFirstLastPara="1" rIns="91425" wrap="square" tIns="91425">
+            <a:noAutofit/>
+          </a:bodyPr>
+          <a:lstStyle/>
+          <a:p>
+            <a:pPr indent="0" lvl="0" marL="0" marR="0" rtl="0" algn="ctr">
+              <a:lnSpc>
+                <a:spcPct val="100000"/>
+              </a:lnSpc>
+              <a:spcBef>
+                <a:spcPts val="0"/>
+              </a:spcBef>
+              <a:spcAft>
+                <a:spcPts val="0"/>
+              </a:spcAft>
+              <a:buClr>
+                <a:schemeClr val="dk1"/>
+              </a:buClr>
+              <a:buSzPts val="990"/>
+              <a:buFont typeface="Arial"/>
+              <a:buNone/>
+            </a:pPr>
+            <a:r>
+              <a:rPr b="1" lang="en-GB" sz="1400">
+                <a:latin typeface="Play"/>
+                <a:ea typeface="Play"/>
+                <a:cs typeface="Play"/>
+                <a:sym typeface="Play"/>
+              </a:rPr>
+              <a:t>PROJECT</a:t>
+            </a:r>
+            <a:endParaRPr b="1" i="0" sz="1400" cap="none" strike="noStrike">
+              <a:latin typeface="Play"/>
+              <a:ea typeface="Play"/>
+              <a:cs typeface="Play"/>
+              <a:sym typeface="Play"/>
+            </a:endParaRPr>
+          </a:p>
+        </p:txBody>
+      </p:sp>
+      <p:sp>
+        <p:nvSpPr>
+          <p:cNvPr id="253" name="Google Shape;253;p32"/>
+          <p:cNvSpPr txBox="1"/>
+          <p:nvPr>
+            <p:ph idx="4294967295" type="ctrTitle"/>
+          </p:nvPr>
+        </p:nvSpPr>
+        <p:spPr>
+          <a:xfrm>
+            <a:off x="224450" y="1297800"/>
+            <a:ext cx="1889100" cy="537900"/>
+          </a:xfrm>
+          <a:prstGeom prst="rect">
+            <a:avLst/>
+          </a:prstGeom>
+          <a:noFill/>
+          <a:ln>
+            <a:noFill/>
+          </a:ln>
+          <a:effectLst>
+            <a:outerShdw blurRad="57150" rotWithShape="0" algn="bl" dir="5400000" dist="19050">
+              <a:srgbClr val="FFFFFF">
+                <a:alpha val="48630"/>
+              </a:srgbClr>
+            </a:outerShdw>
+          </a:effectLst>
+        </p:spPr>
+        <p:txBody>
+          <a:bodyPr anchorCtr="0" anchor="ctr" bIns="91425" lIns="91425" spcFirstLastPara="1" rIns="91425" wrap="square" tIns="91425">
+            <a:noAutofit/>
+          </a:bodyPr>
+          <a:lstStyle/>
+          <a:p>
+            <a:pPr indent="0" lvl="0" marL="0" marR="0" rtl="0" algn="ctr">
+              <a:lnSpc>
+                <a:spcPct val="100000"/>
+              </a:lnSpc>
+              <a:spcBef>
+                <a:spcPts val="0"/>
+              </a:spcBef>
+              <a:spcAft>
+                <a:spcPts val="0"/>
+              </a:spcAft>
+              <a:buClr>
+                <a:schemeClr val="dk1"/>
+              </a:buClr>
+              <a:buSzPts val="990"/>
+              <a:buFont typeface="Arial"/>
+              <a:buNone/>
+            </a:pPr>
+            <a:r>
+              <a:rPr b="1" lang="en-GB" sz="1400">
+                <a:latin typeface="Play"/>
+                <a:ea typeface="Play"/>
+                <a:cs typeface="Play"/>
+                <a:sym typeface="Play"/>
+              </a:rPr>
+              <a:t>AWS</a:t>
+            </a:r>
+            <a:endParaRPr b="1" i="0" sz="1400" cap="none" strike="noStrike">
+              <a:latin typeface="Play"/>
+              <a:ea typeface="Play"/>
+              <a:cs typeface="Play"/>
+              <a:sym typeface="Play"/>
+            </a:endParaRPr>
+          </a:p>
+        </p:txBody>
+      </p:sp>
+      <p:sp>
+        <p:nvSpPr>
+          <p:cNvPr id="254" name="Google Shape;254;p32"/>
+          <p:cNvSpPr txBox="1"/>
+          <p:nvPr>
+            <p:ph idx="4294967295" type="ctrTitle"/>
+          </p:nvPr>
+        </p:nvSpPr>
+        <p:spPr>
+          <a:xfrm>
+            <a:off x="56750" y="4287050"/>
+            <a:ext cx="2224500" cy="588000"/>
+          </a:xfrm>
+          <a:prstGeom prst="rect">
+            <a:avLst/>
+          </a:prstGeom>
+          <a:noFill/>
+          <a:ln>
+            <a:noFill/>
+          </a:ln>
+          <a:effectLst>
+            <a:outerShdw blurRad="57150" rotWithShape="0" algn="bl" dir="5400000" dist="19050">
+              <a:srgbClr val="FFFFFF">
+                <a:alpha val="48630"/>
+              </a:srgbClr>
+            </a:outerShdw>
+          </a:effectLst>
+        </p:spPr>
+        <p:txBody>
+          <a:bodyPr anchorCtr="0" anchor="ctr" bIns="91425" lIns="91425" spcFirstLastPara="1" rIns="91425" wrap="square" tIns="91425">
+            <a:noAutofit/>
+          </a:bodyPr>
+          <a:lstStyle/>
+          <a:p>
+            <a:pPr indent="0" lvl="0" marL="0" marR="0" rtl="0" algn="ctr">
+              <a:lnSpc>
+                <a:spcPct val="150000"/>
+              </a:lnSpc>
+              <a:spcBef>
+                <a:spcPts val="0"/>
+              </a:spcBef>
+              <a:spcAft>
+                <a:spcPts val="0"/>
+              </a:spcAft>
+              <a:buClr>
+                <a:schemeClr val="dk1"/>
+              </a:buClr>
+              <a:buSzPts val="990"/>
+              <a:buFont typeface="Arial"/>
+              <a:buNone/>
+            </a:pPr>
+            <a:r>
+              <a:rPr b="1" lang="en-GB" sz="1000">
+                <a:solidFill>
+                  <a:srgbClr val="000000"/>
+                </a:solidFill>
+                <a:latin typeface="Play"/>
+                <a:ea typeface="Play"/>
+                <a:cs typeface="Play"/>
+                <a:sym typeface="Play"/>
+              </a:rPr>
+              <a:t>YouTube Video</a:t>
+            </a:r>
+            <a:endParaRPr b="1" sz="1000">
+              <a:solidFill>
+                <a:srgbClr val="000000"/>
+              </a:solidFill>
+              <a:latin typeface="Play"/>
+              <a:ea typeface="Play"/>
+              <a:cs typeface="Play"/>
+              <a:sym typeface="Play"/>
+            </a:endParaRPr>
+          </a:p>
+          <a:p>
+            <a:pPr indent="0" lvl="0" marL="0" marR="0" rtl="0" algn="ctr">
+              <a:lnSpc>
+                <a:spcPct val="150000"/>
+              </a:lnSpc>
+              <a:spcBef>
+                <a:spcPts val="0"/>
+              </a:spcBef>
+              <a:spcAft>
+                <a:spcPts val="0"/>
+              </a:spcAft>
+              <a:buClr>
+                <a:schemeClr val="dk1"/>
+              </a:buClr>
+              <a:buSzPts val="990"/>
+              <a:buFont typeface="Arial"/>
+              <a:buNone/>
+            </a:pPr>
+            <a:r>
+              <a:rPr b="1" lang="en-GB" sz="1000">
+                <a:solidFill>
+                  <a:srgbClr val="0000FF"/>
+                </a:solidFill>
+                <a:latin typeface="Play"/>
+                <a:ea typeface="Play"/>
+                <a:cs typeface="Play"/>
+                <a:sym typeface="Play"/>
+              </a:rPr>
+              <a:t>https://youtu.be/FHbXSo95S7A</a:t>
+            </a:r>
+            <a:endParaRPr b="1" sz="1000">
+              <a:solidFill>
+                <a:srgbClr val="0000FF"/>
+              </a:solidFill>
+              <a:latin typeface="Play"/>
+              <a:ea typeface="Play"/>
+              <a:cs typeface="Play"/>
+              <a:sym typeface="Play"/>
+            </a:endParaRPr>
+          </a:p>
+        </p:txBody>
+      </p:sp>
+    </p:spTree>
+  </p:cSld>
+  <p:clrMapOvr>
+    <a:masterClrMapping/>
+  </p:clrMapOvr>
+  <p:timing>
+    <p:tnLst>
+      <p:par>
+        <p:cTn dur="indefinite" nodeType="tmRoot" restart="never">
+          <p:childTnLst>
+            <p:seq concurrent="1" nextAc="seek">
+              <p:cTn dur="indefinite" id="2" nodeType="mainSeq">
+                <p:childTnLst>
+                  <p:par>
+                    <p:cTn fill="hold">
+                      <p:stCondLst>
+                        <p:cond delay="indefinite"/>
+                      </p:stCondLst>
+                      <p:childTnLst>
+                        <p:par>
+                          <p:cTn fill="hold">
+                            <p:stCondLst>
+                              <p:cond delay="0"/>
+                            </p:stCondLst>
+                            <p:childTnLst>
+                              <p:par>
+                                <p:cTn fill="hold" nodeType="clickEffect" presetClass="entr" presetID="10" presetSubtype="0">
+                                  <p:stCondLst>
+                                    <p:cond delay="0"/>
+                                  </p:stCondLst>
+                                  <p:childTnLst>
+                                    <p:set>
+                                      <p:cBhvr>
+                                        <p:cTn dur="1" fill="hold">
+                                          <p:stCondLst>
+                                            <p:cond delay="0"/>
+                                          </p:stCondLst>
+                                        </p:cTn>
+                                        <p:tgtEl>
+                                          <p:spTgt spid="249"/>
+                                        </p:tgtEl>
+                                        <p:attrNameLst>
+                                          <p:attrName>style.visibility</p:attrName>
+                                        </p:attrNameLst>
+                                      </p:cBhvr>
+                                      <p:to>
+                                        <p:strVal val="visible"/>
+                                      </p:to>
+                                    </p:set>
+                                    <p:animEffect filter="fade" transition="in">
+                                      <p:cBhvr>
+                                        <p:cTn dur="1000"/>
+                                        <p:tgtEl>
+                                          <p:spTgt spid="249"/>
+                                        </p:tgtEl>
+                                      </p:cBhvr>
+                                    </p:animEffect>
+                                  </p:childTnLst>
+                                </p:cTn>
+                              </p:par>
+                            </p:childTnLst>
+                          </p:cTn>
+                        </p:par>
+                      </p:childTnLst>
+                    </p:cTn>
+                  </p:par>
+                </p:childTnLst>
+              </p:cTn>
+              <p:prevCondLst>
+                <p:cond evt="onPrev">
+                  <p:tgtEl>
+                    <p:sldTgt/>
+                  </p:tgtEl>
+                </p:cond>
+              </p:prevCondLst>
+              <p:nextCondLst>
+                <p:cond evt="onNext">
+                  <p:tgtEl>
+                    <p:sldTgt/>
+                  </p:tgtEl>
+                </p:cond>
+              </p:nextCondLst>
+            </p:seq>
+          </p:childTnLst>
+        </p:cTn>
+      </p:par>
+    </p:tnLst>
+  </p:timing>
+</p:sld>
+</file>
+
+<file path=ppt/slides/slide21.xml><?xml version="1.0" encoding="utf-8"?>
+<p:sld xmlns:a="http://schemas.openxmlformats.org/drawingml/2006/main" xmlns:r="http://schemas.openxmlformats.org/officeDocument/2006/relationships" xmlns:mc="http://schemas.openxmlformats.org/markup-compatibility/2006" xmlns:mv="urn:schemas-microsoft-com:mac:vml" xmlns:p="http://schemas.openxmlformats.org/presentationml/2006/main" xmlns:c="http://schemas.openxmlformats.org/drawingml/2006/chart" xmlns:dgm="http://schemas.openxmlformats.org/drawingml/2006/diagram" xmlns:o="urn:schemas-microsoft-com:office:office" xmlns:v="urn:schemas-microsoft-com:vml" xmlns:pvml="urn:schemas-microsoft-com:office:powerpoint" xmlns:com="http://schemas.openxmlformats.org/drawingml/2006/compatibility" xmlns:p14="http://schemas.microsoft.com/office/powerpoint/2010/main" xmlns:p15="http://schemas.microsoft.com/office/powerpoint/2012/main" xmlns:ahyp="http://schemas.microsoft.com/office/drawing/2018/hyperlinkcolor">
+  <p:cSld>
+    <p:spTree>
+      <p:nvGrpSpPr>
+        <p:cNvPr id="258" name="Shape 258"/>
+        <p:cNvGrpSpPr/>
+        <p:nvPr/>
+      </p:nvGrpSpPr>
+      <p:grpSpPr>
+        <a:xfrm>
+          <a:off x="0" y="0"/>
+          <a:ext cx="0" cy="0"/>
+          <a:chOff x="0" y="0"/>
+          <a:chExt cx="0" cy="0"/>
+        </a:xfrm>
+      </p:grpSpPr>
+      <p:pic>
+        <p:nvPicPr>
+          <p:cNvPr id="259" name="Google Shape;259;p33"/>
+          <p:cNvPicPr preferRelativeResize="0"/>
+          <p:nvPr/>
+        </p:nvPicPr>
+        <p:blipFill rotWithShape="1">
+          <a:blip r:embed="rId3">
+            <a:alphaModFix/>
+          </a:blip>
+          <a:srcRect b="-2354" l="0" r="0" t="0"/>
+          <a:stretch/>
+        </p:blipFill>
+        <p:spPr>
+          <a:xfrm>
+            <a:off x="579450" y="1133650"/>
+            <a:ext cx="2567900" cy="3876175"/>
           </a:xfrm>
           <a:prstGeom prst="rect">
             <a:avLst/>
@@ -14594,7 +14449,41 @@
       </p:pic>
       <p:pic>
         <p:nvPicPr>
-          <p:cNvPr id="266" name="Google Shape;266;p34"/>
+          <p:cNvPr id="260" name="Google Shape;260;p33"/>
+          <p:cNvPicPr preferRelativeResize="0"/>
+          <p:nvPr/>
+        </p:nvPicPr>
+        <p:blipFill>
+          <a:blip r:embed="rId4">
+            <a:alphaModFix/>
+          </a:blip>
+          <a:stretch>
+            <a:fillRect/>
+          </a:stretch>
+        </p:blipFill>
+        <p:spPr>
+          <a:xfrm>
+            <a:off x="3369400" y="1133650"/>
+            <a:ext cx="2456974" cy="3876175"/>
+          </a:xfrm>
+          <a:prstGeom prst="rect">
+            <a:avLst/>
+          </a:prstGeom>
+          <a:noFill/>
+          <a:ln cap="flat" cmpd="sng" w="9525">
+            <a:solidFill>
+              <a:srgbClr val="000000"/>
+            </a:solidFill>
+            <a:prstDash val="solid"/>
+            <a:round/>
+            <a:headEnd len="sm" w="sm" type="none"/>
+            <a:tailEnd len="sm" w="sm" type="none"/>
+          </a:ln>
+        </p:spPr>
+      </p:pic>
+      <p:pic>
+        <p:nvPicPr>
+          <p:cNvPr id="261" name="Google Shape;261;p33"/>
           <p:cNvPicPr preferRelativeResize="0"/>
           <p:nvPr/>
         </p:nvPicPr>
@@ -14628,7 +14517,7 @@
       </p:pic>
       <p:sp>
         <p:nvSpPr>
-          <p:cNvPr id="267" name="Google Shape;267;p34"/>
+          <p:cNvPr id="262" name="Google Shape;262;p33"/>
           <p:cNvSpPr txBox="1"/>
           <p:nvPr/>
         </p:nvSpPr>
@@ -14680,7 +14569,200 @@
       </p:sp>
       <p:sp>
         <p:nvSpPr>
+          <p:cNvPr id="263" name="Google Shape;263;p33"/>
+          <p:cNvSpPr txBox="1"/>
+          <p:nvPr/>
+        </p:nvSpPr>
+        <p:spPr>
+          <a:xfrm>
+            <a:off x="270900" y="234375"/>
+            <a:ext cx="8602200" cy="492600"/>
+          </a:xfrm>
+          <a:prstGeom prst="rect">
+            <a:avLst/>
+          </a:prstGeom>
+          <a:noFill/>
+          <a:ln>
+            <a:noFill/>
+          </a:ln>
+        </p:spPr>
+        <p:txBody>
+          <a:bodyPr anchorCtr="0" anchor="t" bIns="91425" lIns="91425" spcFirstLastPara="1" rIns="91425" wrap="square" tIns="91425">
+            <a:spAutoFit/>
+          </a:bodyPr>
+          <a:lstStyle/>
+          <a:p>
+            <a:pPr indent="0" lvl="0" marL="0" marR="0" rtl="0" algn="l">
+              <a:lnSpc>
+                <a:spcPct val="100000"/>
+              </a:lnSpc>
+              <a:spcBef>
+                <a:spcPts val="0"/>
+              </a:spcBef>
+              <a:spcAft>
+                <a:spcPts val="0"/>
+              </a:spcAft>
+              <a:buClr>
+                <a:srgbClr val="000000"/>
+              </a:buClr>
+              <a:buSzPts val="2000"/>
+              <a:buFont typeface="Arial"/>
+              <a:buNone/>
+            </a:pPr>
+            <a:r>
+              <a:rPr b="1" lang="en-GB" sz="2000">
+                <a:solidFill>
+                  <a:schemeClr val="dk1"/>
+                </a:solidFill>
+                <a:latin typeface="Play"/>
+                <a:ea typeface="Play"/>
+                <a:cs typeface="Play"/>
+                <a:sym typeface="Play"/>
+              </a:rPr>
+              <a:t>Snapshots of Output</a:t>
+            </a:r>
+            <a:endParaRPr b="1" i="0" sz="2000" u="none" cap="none" strike="noStrike">
+              <a:solidFill>
+                <a:schemeClr val="dk1"/>
+              </a:solidFill>
+              <a:latin typeface="Play"/>
+              <a:ea typeface="Play"/>
+              <a:cs typeface="Play"/>
+              <a:sym typeface="Play"/>
+            </a:endParaRPr>
+          </a:p>
+        </p:txBody>
+      </p:sp>
+    </p:spTree>
+  </p:cSld>
+  <p:clrMapOvr>
+    <a:masterClrMapping/>
+  </p:clrMapOvr>
+</p:sld>
+</file>
+
+<file path=ppt/slides/slide22.xml><?xml version="1.0" encoding="utf-8"?>
+<p:sld xmlns:a="http://schemas.openxmlformats.org/drawingml/2006/main" xmlns:r="http://schemas.openxmlformats.org/officeDocument/2006/relationships" xmlns:mc="http://schemas.openxmlformats.org/markup-compatibility/2006" xmlns:mv="urn:schemas-microsoft-com:mac:vml" xmlns:p="http://schemas.openxmlformats.org/presentationml/2006/main" xmlns:c="http://schemas.openxmlformats.org/drawingml/2006/chart" xmlns:dgm="http://schemas.openxmlformats.org/drawingml/2006/diagram" xmlns:o="urn:schemas-microsoft-com:office:office" xmlns:v="urn:schemas-microsoft-com:vml" xmlns:pvml="urn:schemas-microsoft-com:office:powerpoint" xmlns:com="http://schemas.openxmlformats.org/drawingml/2006/compatibility" xmlns:p14="http://schemas.microsoft.com/office/powerpoint/2010/main" xmlns:p15="http://schemas.microsoft.com/office/powerpoint/2012/main" xmlns:ahyp="http://schemas.microsoft.com/office/drawing/2018/hyperlinkcolor">
+  <p:cSld>
+    <p:spTree>
+      <p:nvGrpSpPr>
+        <p:cNvPr id="267" name="Shape 267"/>
+        <p:cNvGrpSpPr/>
+        <p:nvPr/>
+      </p:nvGrpSpPr>
+      <p:grpSpPr>
+        <a:xfrm>
+          <a:off x="0" y="0"/>
+          <a:ext cx="0" cy="0"/>
+          <a:chOff x="0" y="0"/>
+          <a:chExt cx="0" cy="0"/>
+        </a:xfrm>
+      </p:grpSpPr>
+      <p:pic>
+        <p:nvPicPr>
           <p:cNvPr id="268" name="Google Shape;268;p34"/>
+          <p:cNvPicPr preferRelativeResize="0"/>
+          <p:nvPr/>
+        </p:nvPicPr>
+        <p:blipFill>
+          <a:blip r:embed="rId3">
+            <a:alphaModFix/>
+          </a:blip>
+          <a:stretch>
+            <a:fillRect/>
+          </a:stretch>
+        </p:blipFill>
+        <p:spPr>
+          <a:xfrm>
+            <a:off x="533050" y="752300"/>
+            <a:ext cx="2565305" cy="4034524"/>
+          </a:xfrm>
+          <a:prstGeom prst="rect">
+            <a:avLst/>
+          </a:prstGeom>
+          <a:noFill/>
+          <a:ln cap="flat" cmpd="sng" w="9525">
+            <a:solidFill>
+              <a:srgbClr val="000000"/>
+            </a:solidFill>
+            <a:prstDash val="solid"/>
+            <a:round/>
+            <a:headEnd len="sm" w="sm" type="none"/>
+            <a:tailEnd len="sm" w="sm" type="none"/>
+          </a:ln>
+        </p:spPr>
+      </p:pic>
+      <p:pic>
+        <p:nvPicPr>
+          <p:cNvPr id="269" name="Google Shape;269;p34"/>
+          <p:cNvPicPr preferRelativeResize="0"/>
+          <p:nvPr/>
+        </p:nvPicPr>
+        <p:blipFill>
+          <a:blip r:embed="rId4">
+            <a:alphaModFix/>
+          </a:blip>
+          <a:stretch>
+            <a:fillRect/>
+          </a:stretch>
+        </p:blipFill>
+        <p:spPr>
+          <a:xfrm>
+            <a:off x="3222904" y="752300"/>
+            <a:ext cx="2580694" cy="4034524"/>
+          </a:xfrm>
+          <a:prstGeom prst="rect">
+            <a:avLst/>
+          </a:prstGeom>
+          <a:noFill/>
+          <a:ln cap="flat" cmpd="sng" w="9525">
+            <a:solidFill>
+              <a:srgbClr val="000000"/>
+            </a:solidFill>
+            <a:prstDash val="solid"/>
+            <a:round/>
+            <a:headEnd len="sm" w="sm" type="none"/>
+            <a:tailEnd len="sm" w="sm" type="none"/>
+          </a:ln>
+        </p:spPr>
+      </p:pic>
+      <p:pic>
+        <p:nvPicPr>
+          <p:cNvPr id="270" name="Google Shape;270;p34"/>
+          <p:cNvPicPr preferRelativeResize="0"/>
+          <p:nvPr/>
+        </p:nvPicPr>
+        <p:blipFill>
+          <a:blip r:embed="rId5">
+            <a:alphaModFix/>
+          </a:blip>
+          <a:stretch>
+            <a:fillRect/>
+          </a:stretch>
+        </p:blipFill>
+        <p:spPr>
+          <a:xfrm>
+            <a:off x="5928149" y="752300"/>
+            <a:ext cx="2565842" cy="4034525"/>
+          </a:xfrm>
+          <a:prstGeom prst="rect">
+            <a:avLst/>
+          </a:prstGeom>
+          <a:noFill/>
+          <a:ln cap="flat" cmpd="sng" w="9525">
+            <a:solidFill>
+              <a:srgbClr val="000000"/>
+            </a:solidFill>
+            <a:prstDash val="solid"/>
+            <a:round/>
+            <a:headEnd len="sm" w="sm" type="none"/>
+            <a:tailEnd len="sm" w="sm" type="none"/>
+          </a:ln>
+        </p:spPr>
+      </p:pic>
+      <p:sp>
+        <p:nvSpPr>
+          <p:cNvPr id="271" name="Google Shape;271;p34"/>
           <p:cNvSpPr txBox="1"/>
           <p:nvPr/>
         </p:nvSpPr>
@@ -14757,7 +14839,7 @@
   <p:cSld>
     <p:spTree>
       <p:nvGrpSpPr>
-        <p:cNvPr id="272" name="Shape 272"/>
+        <p:cNvPr id="275" name="Shape 275"/>
         <p:cNvGrpSpPr/>
         <p:nvPr/>
       </p:nvGrpSpPr>
@@ -14771,7 +14853,7 @@
       </p:grpSpPr>
       <p:pic>
         <p:nvPicPr>
-          <p:cNvPr id="273" name="Google Shape;273;p35"/>
+          <p:cNvPr id="276" name="Google Shape;276;p35"/>
           <p:cNvPicPr preferRelativeResize="0"/>
           <p:nvPr/>
         </p:nvPicPr>
@@ -14785,8 +14867,8 @@
         </p:blipFill>
         <p:spPr>
           <a:xfrm>
-            <a:off x="533050" y="752300"/>
-            <a:ext cx="2565305" cy="4034524"/>
+            <a:off x="1400600" y="867700"/>
+            <a:ext cx="2735025" cy="4275799"/>
           </a:xfrm>
           <a:prstGeom prst="rect">
             <a:avLst/>
@@ -14805,7 +14887,7 @@
       </p:pic>
       <p:pic>
         <p:nvPicPr>
-          <p:cNvPr id="274" name="Google Shape;274;p35"/>
+          <p:cNvPr id="277" name="Google Shape;277;p35"/>
           <p:cNvPicPr preferRelativeResize="0"/>
           <p:nvPr/>
         </p:nvPicPr>
@@ -14819,8 +14901,8 @@
         </p:blipFill>
         <p:spPr>
           <a:xfrm>
-            <a:off x="3222904" y="752300"/>
-            <a:ext cx="2580694" cy="4034524"/>
+            <a:off x="4655550" y="867700"/>
+            <a:ext cx="2735025" cy="4275789"/>
           </a:xfrm>
           <a:prstGeom prst="rect">
             <a:avLst/>
@@ -14837,43 +14919,9 @@
           </a:ln>
         </p:spPr>
       </p:pic>
-      <p:pic>
-        <p:nvPicPr>
-          <p:cNvPr id="275" name="Google Shape;275;p35"/>
-          <p:cNvPicPr preferRelativeResize="0"/>
-          <p:nvPr/>
-        </p:nvPicPr>
-        <p:blipFill>
-          <a:blip r:embed="rId5">
-            <a:alphaModFix/>
-          </a:blip>
-          <a:stretch>
-            <a:fillRect/>
-          </a:stretch>
-        </p:blipFill>
-        <p:spPr>
-          <a:xfrm>
-            <a:off x="5928149" y="752300"/>
-            <a:ext cx="2565842" cy="4034525"/>
-          </a:xfrm>
-          <a:prstGeom prst="rect">
-            <a:avLst/>
-          </a:prstGeom>
-          <a:noFill/>
-          <a:ln cap="flat" cmpd="sng" w="9525">
-            <a:solidFill>
-              <a:srgbClr val="000000"/>
-            </a:solidFill>
-            <a:prstDash val="solid"/>
-            <a:round/>
-            <a:headEnd len="sm" w="sm" type="none"/>
-            <a:tailEnd len="sm" w="sm" type="none"/>
-          </a:ln>
-        </p:spPr>
-      </p:pic>
       <p:sp>
         <p:nvSpPr>
-          <p:cNvPr id="276" name="Google Shape;276;p35"/>
+          <p:cNvPr id="278" name="Google Shape;278;p35"/>
           <p:cNvSpPr txBox="1"/>
           <p:nvPr/>
         </p:nvSpPr>
@@ -14950,7 +14998,7 @@
   <p:cSld>
     <p:spTree>
       <p:nvGrpSpPr>
-        <p:cNvPr id="280" name="Shape 280"/>
+        <p:cNvPr id="282" name="Shape 282"/>
         <p:cNvGrpSpPr/>
         <p:nvPr/>
       </p:nvGrpSpPr>
@@ -14962,9 +15010,61 @@
           <a:chExt cx="0" cy="0"/>
         </a:xfrm>
       </p:grpSpPr>
+      <p:sp>
+        <p:nvSpPr>
+          <p:cNvPr id="283" name="Google Shape;283;p36"/>
+          <p:cNvSpPr txBox="1"/>
+          <p:nvPr/>
+        </p:nvSpPr>
+        <p:spPr>
+          <a:xfrm>
+            <a:off x="311700" y="733450"/>
+            <a:ext cx="3657900" cy="400200"/>
+          </a:xfrm>
+          <a:prstGeom prst="rect">
+            <a:avLst/>
+          </a:prstGeom>
+          <a:noFill/>
+          <a:ln>
+            <a:noFill/>
+          </a:ln>
+        </p:spPr>
+        <p:txBody>
+          <a:bodyPr anchorCtr="0" anchor="t" bIns="91425" lIns="91425" spcFirstLastPara="1" rIns="91425" wrap="square" tIns="91425">
+            <a:spAutoFit/>
+          </a:bodyPr>
+          <a:lstStyle/>
+          <a:p>
+            <a:pPr indent="0" lvl="0" marL="0" rtl="0" algn="l">
+              <a:spcBef>
+                <a:spcPts val="0"/>
+              </a:spcBef>
+              <a:spcAft>
+                <a:spcPts val="0"/>
+              </a:spcAft>
+              <a:buNone/>
+            </a:pPr>
+            <a:r>
+              <a:rPr lang="en-GB">
+                <a:latin typeface="Play"/>
+                <a:ea typeface="Play"/>
+                <a:cs typeface="Play"/>
+                <a:sym typeface="Play"/>
+              </a:rPr>
+              <a:t>Cancellation of Pizza Order</a:t>
+            </a:r>
+            <a:endParaRPr>
+              <a:latin typeface="Play"/>
+              <a:ea typeface="Play"/>
+              <a:cs typeface="Play"/>
+              <a:sym typeface="Play"/>
+            </a:endParaRPr>
+          </a:p>
+        </p:txBody>
+      </p:sp>
       <p:pic>
         <p:nvPicPr>
-          <p:cNvPr id="281" name="Google Shape;281;p36"/>
+          <p:cNvPr id="284" name="Google Shape;284;p36"/>
           <p:cNvPicPr preferRelativeResize="0"/>
           <p:nvPr/>
         </p:nvPicPr>
@@ -14978,8 +15078,8 @@
         </p:blipFill>
         <p:spPr>
           <a:xfrm>
-            <a:off x="1400600" y="867700"/>
-            <a:ext cx="2735025" cy="4275799"/>
+            <a:off x="376375" y="1240756"/>
+            <a:ext cx="2574350" cy="3900231"/>
           </a:xfrm>
           <a:prstGeom prst="rect">
             <a:avLst/>
@@ -14998,7 +15098,7 @@
       </p:pic>
       <p:pic>
         <p:nvPicPr>
-          <p:cNvPr id="282" name="Google Shape;282;p36"/>
+          <p:cNvPr id="285" name="Google Shape;285;p36"/>
           <p:cNvPicPr preferRelativeResize="0"/>
           <p:nvPr/>
         </p:nvPicPr>
@@ -15012,8 +15112,8 @@
         </p:blipFill>
         <p:spPr>
           <a:xfrm>
-            <a:off x="4655550" y="867700"/>
-            <a:ext cx="2735025" cy="4275789"/>
+            <a:off x="3273903" y="1238237"/>
+            <a:ext cx="2574347" cy="3905250"/>
           </a:xfrm>
           <a:prstGeom prst="rect">
             <a:avLst/>
@@ -15030,9 +15130,43 @@
           </a:ln>
         </p:spPr>
       </p:pic>
+      <p:pic>
+        <p:nvPicPr>
+          <p:cNvPr id="286" name="Google Shape;286;p36"/>
+          <p:cNvPicPr preferRelativeResize="0"/>
+          <p:nvPr/>
+        </p:nvPicPr>
+        <p:blipFill>
+          <a:blip r:embed="rId5">
+            <a:alphaModFix/>
+          </a:blip>
+          <a:stretch>
+            <a:fillRect/>
+          </a:stretch>
+        </p:blipFill>
+        <p:spPr>
+          <a:xfrm>
+            <a:off x="6171426" y="1238250"/>
+            <a:ext cx="2543175" cy="3905250"/>
+          </a:xfrm>
+          <a:prstGeom prst="rect">
+            <a:avLst/>
+          </a:prstGeom>
+          <a:noFill/>
+          <a:ln cap="flat" cmpd="sng" w="9525">
+            <a:solidFill>
+              <a:srgbClr val="000000"/>
+            </a:solidFill>
+            <a:prstDash val="solid"/>
+            <a:round/>
+            <a:headEnd len="sm" w="sm" type="none"/>
+            <a:tailEnd len="sm" w="sm" type="none"/>
+          </a:ln>
+        </p:spPr>
+      </p:pic>
       <p:sp>
         <p:nvSpPr>
-          <p:cNvPr id="283" name="Google Shape;283;p36"/>
+          <p:cNvPr id="287" name="Google Shape;287;p36"/>
           <p:cNvSpPr txBox="1"/>
           <p:nvPr/>
         </p:nvSpPr>
@@ -15109,7 +15243,7 @@
   <p:cSld>
     <p:spTree>
       <p:nvGrpSpPr>
-        <p:cNvPr id="287" name="Shape 287"/>
+        <p:cNvPr id="291" name="Shape 291"/>
         <p:cNvGrpSpPr/>
         <p:nvPr/>
       </p:nvGrpSpPr>
@@ -15121,76 +15255,23 @@
           <a:chExt cx="0" cy="0"/>
         </a:xfrm>
       </p:grpSpPr>
-      <p:sp>
-        <p:nvSpPr>
-          <p:cNvPr id="288" name="Google Shape;288;p37"/>
-          <p:cNvSpPr txBox="1"/>
-          <p:nvPr/>
-        </p:nvSpPr>
-        <p:spPr>
-          <a:xfrm>
-            <a:off x="311700" y="733450"/>
-            <a:ext cx="3657900" cy="400200"/>
-          </a:xfrm>
-          <a:prstGeom prst="rect">
-            <a:avLst/>
-          </a:prstGeom>
-          <a:noFill/>
-          <a:ln>
-            <a:noFill/>
-          </a:ln>
-        </p:spPr>
-        <p:txBody>
-          <a:bodyPr anchorCtr="0" anchor="t" bIns="91425" lIns="91425" spcFirstLastPara="1" rIns="91425" wrap="square" tIns="91425">
-            <a:spAutoFit/>
-          </a:bodyPr>
-          <a:lstStyle/>
-          <a:p>
-            <a:pPr indent="0" lvl="0" marL="0" rtl="0" algn="l">
-              <a:spcBef>
-                <a:spcPts val="0"/>
-              </a:spcBef>
-              <a:spcAft>
-                <a:spcPts val="0"/>
-              </a:spcAft>
-              <a:buNone/>
-            </a:pPr>
-            <a:r>
-              <a:rPr lang="en-GB">
-                <a:latin typeface="Play"/>
-                <a:ea typeface="Play"/>
-                <a:cs typeface="Play"/>
-                <a:sym typeface="Play"/>
-              </a:rPr>
-              <a:t>Cancellation of Pizza Order</a:t>
-            </a:r>
-            <a:endParaRPr>
-              <a:latin typeface="Play"/>
-              <a:ea typeface="Play"/>
-              <a:cs typeface="Play"/>
-              <a:sym typeface="Play"/>
-            </a:endParaRPr>
-          </a:p>
-        </p:txBody>
-      </p:sp>
       <p:pic>
         <p:nvPicPr>
-          <p:cNvPr id="289" name="Google Shape;289;p37"/>
+          <p:cNvPr id="292" name="Google Shape;292;p37"/>
           <p:cNvPicPr preferRelativeResize="0"/>
           <p:nvPr/>
         </p:nvPicPr>
-        <p:blipFill>
+        <p:blipFill rotWithShape="1">
           <a:blip r:embed="rId3">
             <a:alphaModFix/>
           </a:blip>
-          <a:stretch>
-            <a:fillRect/>
-          </a:stretch>
+          <a:srcRect b="2052" l="0" r="0" t="2023"/>
+          <a:stretch/>
         </p:blipFill>
         <p:spPr>
           <a:xfrm>
-            <a:off x="376375" y="1240756"/>
-            <a:ext cx="2574350" cy="3900231"/>
+            <a:off x="1356161" y="804162"/>
+            <a:ext cx="2856339" cy="4224075"/>
           </a:xfrm>
           <a:prstGeom prst="rect">
             <a:avLst/>
@@ -15209,22 +15290,21 @@
       </p:pic>
       <p:pic>
         <p:nvPicPr>
-          <p:cNvPr id="290" name="Google Shape;290;p37"/>
+          <p:cNvPr id="293" name="Google Shape;293;p37"/>
           <p:cNvPicPr preferRelativeResize="0"/>
           <p:nvPr/>
         </p:nvPicPr>
-        <p:blipFill>
+        <p:blipFill rotWithShape="1">
           <a:blip r:embed="rId4">
             <a:alphaModFix/>
           </a:blip>
-          <a:stretch>
-            <a:fillRect/>
-          </a:stretch>
+          <a:srcRect b="2075" l="0" r="0" t="1835"/>
+          <a:stretch/>
         </p:blipFill>
         <p:spPr>
           <a:xfrm>
-            <a:off x="3273903" y="1238237"/>
-            <a:ext cx="2574347" cy="3905250"/>
+            <a:off x="4666975" y="784251"/>
+            <a:ext cx="2931600" cy="4263900"/>
           </a:xfrm>
           <a:prstGeom prst="rect">
             <a:avLst/>
@@ -15241,43 +15321,9 @@
           </a:ln>
         </p:spPr>
       </p:pic>
-      <p:pic>
-        <p:nvPicPr>
-          <p:cNvPr id="291" name="Google Shape;291;p37"/>
-          <p:cNvPicPr preferRelativeResize="0"/>
-          <p:nvPr/>
-        </p:nvPicPr>
-        <p:blipFill>
-          <a:blip r:embed="rId5">
-            <a:alphaModFix/>
-          </a:blip>
-          <a:stretch>
-            <a:fillRect/>
-          </a:stretch>
-        </p:blipFill>
-        <p:spPr>
-          <a:xfrm>
-            <a:off x="6171426" y="1238250"/>
-            <a:ext cx="2543175" cy="3905250"/>
-          </a:xfrm>
-          <a:prstGeom prst="rect">
-            <a:avLst/>
-          </a:prstGeom>
-          <a:noFill/>
-          <a:ln cap="flat" cmpd="sng" w="9525">
-            <a:solidFill>
-              <a:srgbClr val="000000"/>
-            </a:solidFill>
-            <a:prstDash val="solid"/>
-            <a:round/>
-            <a:headEnd len="sm" w="sm" type="none"/>
-            <a:tailEnd len="sm" w="sm" type="none"/>
-          </a:ln>
-        </p:spPr>
-      </p:pic>
       <p:sp>
         <p:nvSpPr>
-          <p:cNvPr id="292" name="Google Shape;292;p37"/>
+          <p:cNvPr id="294" name="Google Shape;294;p37"/>
           <p:cNvSpPr txBox="1"/>
           <p:nvPr/>
         </p:nvSpPr>
@@ -15354,7 +15400,7 @@
   <p:cSld>
     <p:spTree>
       <p:nvGrpSpPr>
-        <p:cNvPr id="296" name="Shape 296"/>
+        <p:cNvPr id="298" name="Shape 298"/>
         <p:cNvGrpSpPr/>
         <p:nvPr/>
       </p:nvGrpSpPr>
@@ -15368,21 +15414,22 @@
       </p:grpSpPr>
       <p:pic>
         <p:nvPicPr>
-          <p:cNvPr id="297" name="Google Shape;297;p38"/>
+          <p:cNvPr id="299" name="Google Shape;299;p38"/>
           <p:cNvPicPr preferRelativeResize="0"/>
           <p:nvPr/>
         </p:nvPicPr>
-        <p:blipFill rotWithShape="1">
+        <p:blipFill>
           <a:blip r:embed="rId3">
             <a:alphaModFix/>
           </a:blip>
-          <a:srcRect b="2052" l="0" r="0" t="2023"/>
-          <a:stretch/>
+          <a:stretch>
+            <a:fillRect/>
+          </a:stretch>
         </p:blipFill>
         <p:spPr>
           <a:xfrm>
-            <a:off x="1356161" y="804162"/>
-            <a:ext cx="2856339" cy="4224075"/>
+            <a:off x="1604687" y="831100"/>
+            <a:ext cx="2800788" cy="4177625"/>
           </a:xfrm>
           <a:prstGeom prst="rect">
             <a:avLst/>
@@ -15401,21 +15448,22 @@
       </p:pic>
       <p:pic>
         <p:nvPicPr>
-          <p:cNvPr id="298" name="Google Shape;298;p38"/>
+          <p:cNvPr id="300" name="Google Shape;300;p38"/>
           <p:cNvPicPr preferRelativeResize="0"/>
           <p:nvPr/>
         </p:nvPicPr>
-        <p:blipFill rotWithShape="1">
+        <p:blipFill>
           <a:blip r:embed="rId4">
             <a:alphaModFix/>
           </a:blip>
-          <a:srcRect b="2075" l="0" r="0" t="1835"/>
-          <a:stretch/>
+          <a:stretch>
+            <a:fillRect/>
+          </a:stretch>
         </p:blipFill>
         <p:spPr>
           <a:xfrm>
-            <a:off x="4666975" y="784251"/>
-            <a:ext cx="2931600" cy="4263900"/>
+            <a:off x="4808525" y="804175"/>
+            <a:ext cx="2824357" cy="4231475"/>
           </a:xfrm>
           <a:prstGeom prst="rect">
             <a:avLst/>
@@ -15434,7 +15482,7 @@
       </p:pic>
       <p:sp>
         <p:nvSpPr>
-          <p:cNvPr id="299" name="Google Shape;299;p38"/>
+          <p:cNvPr id="301" name="Google Shape;301;p38"/>
           <p:cNvSpPr txBox="1"/>
           <p:nvPr/>
         </p:nvSpPr>
@@ -15511,7 +15559,7 @@
   <p:cSld>
     <p:spTree>
       <p:nvGrpSpPr>
-        <p:cNvPr id="303" name="Shape 303"/>
+        <p:cNvPr id="305" name="Shape 305"/>
         <p:cNvGrpSpPr/>
         <p:nvPr/>
       </p:nvGrpSpPr>
@@ -15523,74 +15571,6 @@
           <a:chExt cx="0" cy="0"/>
         </a:xfrm>
       </p:grpSpPr>
-      <p:pic>
-        <p:nvPicPr>
-          <p:cNvPr id="304" name="Google Shape;304;p39"/>
-          <p:cNvPicPr preferRelativeResize="0"/>
-          <p:nvPr/>
-        </p:nvPicPr>
-        <p:blipFill>
-          <a:blip r:embed="rId3">
-            <a:alphaModFix/>
-          </a:blip>
-          <a:stretch>
-            <a:fillRect/>
-          </a:stretch>
-        </p:blipFill>
-        <p:spPr>
-          <a:xfrm>
-            <a:off x="1604687" y="831100"/>
-            <a:ext cx="2800788" cy="4177625"/>
-          </a:xfrm>
-          <a:prstGeom prst="rect">
-            <a:avLst/>
-          </a:prstGeom>
-          <a:noFill/>
-          <a:ln cap="flat" cmpd="sng" w="9525">
-            <a:solidFill>
-              <a:srgbClr val="000000"/>
-            </a:solidFill>
-            <a:prstDash val="solid"/>
-            <a:round/>
-            <a:headEnd len="sm" w="sm" type="none"/>
-            <a:tailEnd len="sm" w="sm" type="none"/>
-          </a:ln>
-        </p:spPr>
-      </p:pic>
-      <p:pic>
-        <p:nvPicPr>
-          <p:cNvPr id="305" name="Google Shape;305;p39"/>
-          <p:cNvPicPr preferRelativeResize="0"/>
-          <p:nvPr/>
-        </p:nvPicPr>
-        <p:blipFill>
-          <a:blip r:embed="rId4">
-            <a:alphaModFix/>
-          </a:blip>
-          <a:stretch>
-            <a:fillRect/>
-          </a:stretch>
-        </p:blipFill>
-        <p:spPr>
-          <a:xfrm>
-            <a:off x="4808525" y="804175"/>
-            <a:ext cx="2824357" cy="4231475"/>
-          </a:xfrm>
-          <a:prstGeom prst="rect">
-            <a:avLst/>
-          </a:prstGeom>
-          <a:noFill/>
-          <a:ln cap="flat" cmpd="sng" w="9525">
-            <a:solidFill>
-              <a:srgbClr val="000000"/>
-            </a:solidFill>
-            <a:prstDash val="solid"/>
-            <a:round/>
-            <a:headEnd len="sm" w="sm" type="none"/>
-            <a:tailEnd len="sm" w="sm" type="none"/>
-          </a:ln>
-        </p:spPr>
-      </p:pic>
       <p:sp>
         <p:nvSpPr>
           <p:cNvPr id="306" name="Google Shape;306;p39"/>
@@ -15599,7 +15579,7 @@
         </p:nvSpPr>
         <p:spPr>
           <a:xfrm>
-            <a:off x="270900" y="234375"/>
+            <a:off x="271200" y="207450"/>
             <a:ext cx="8602200" cy="492600"/>
           </a:xfrm>
           <a:prstGeom prst="rect">
@@ -15634,6 +15614,18 @@
               <a:buNone/>
             </a:pPr>
             <a:r>
+              <a:rPr b="1" i="0" lang="en-GB" sz="2000" u="none" cap="none" strike="noStrike">
+                <a:solidFill>
+                  <a:schemeClr val="dk1"/>
+                </a:solidFill>
+                <a:latin typeface="Play"/>
+                <a:ea typeface="Play"/>
+                <a:cs typeface="Play"/>
+                <a:sym typeface="Play"/>
+              </a:rPr>
+              <a:t>R</a:t>
+            </a:r>
+            <a:r>
               <a:rPr b="1" lang="en-GB" sz="2000">
                 <a:solidFill>
                   <a:schemeClr val="dk1"/>
@@ -15643,11 +15635,537 @@
                 <a:cs typeface="Play"/>
                 <a:sym typeface="Play"/>
               </a:rPr>
-              <a:t>Snapshots of Output</a:t>
+              <a:t>eferences</a:t>
             </a:r>
             <a:endParaRPr b="1" i="0" sz="2000" u="none" cap="none" strike="noStrike">
               <a:solidFill>
                 <a:schemeClr val="dk1"/>
+              </a:solidFill>
+              <a:latin typeface="Play"/>
+              <a:ea typeface="Play"/>
+              <a:cs typeface="Play"/>
+              <a:sym typeface="Play"/>
+            </a:endParaRPr>
+          </a:p>
+        </p:txBody>
+      </p:sp>
+      <p:sp>
+        <p:nvSpPr>
+          <p:cNvPr id="307" name="Google Shape;307;p39"/>
+          <p:cNvSpPr txBox="1"/>
+          <p:nvPr/>
+        </p:nvSpPr>
+        <p:spPr>
+          <a:xfrm>
+            <a:off x="445200" y="837850"/>
+            <a:ext cx="8428200" cy="3170100"/>
+          </a:xfrm>
+          <a:prstGeom prst="rect">
+            <a:avLst/>
+          </a:prstGeom>
+          <a:noFill/>
+          <a:ln>
+            <a:noFill/>
+          </a:ln>
+        </p:spPr>
+        <p:txBody>
+          <a:bodyPr anchorCtr="0" anchor="ctr" bIns="91425" lIns="91425" spcFirstLastPara="1" rIns="91425" wrap="square" tIns="91425">
+            <a:noAutofit/>
+          </a:bodyPr>
+          <a:lstStyle/>
+          <a:p>
+            <a:pPr indent="-350520" lvl="0" marL="274320" rtl="0" algn="just">
+              <a:lnSpc>
+                <a:spcPct val="200000"/>
+              </a:lnSpc>
+              <a:spcBef>
+                <a:spcPts val="0"/>
+              </a:spcBef>
+              <a:spcAft>
+                <a:spcPts val="0"/>
+              </a:spcAft>
+              <a:buClr>
+                <a:schemeClr val="dk1"/>
+              </a:buClr>
+              <a:buSzPts val="1200"/>
+              <a:buFont typeface="Play"/>
+              <a:buAutoNum type="arabicPeriod"/>
+            </a:pPr>
+            <a:r>
+              <a:rPr lang="en-GB" sz="1200">
+                <a:solidFill>
+                  <a:srgbClr val="222222"/>
+                </a:solidFill>
+                <a:highlight>
+                  <a:srgbClr val="FFFFFF"/>
+                </a:highlight>
+                <a:latin typeface="Play"/>
+                <a:ea typeface="Play"/>
+                <a:cs typeface="Play"/>
+                <a:sym typeface="Play"/>
+              </a:rPr>
+              <a:t>Varia, Jinesh, and Sajee Mathew. "Overview of amazon web services." </a:t>
+            </a:r>
+            <a:r>
+              <a:rPr i="1" lang="en-GB" sz="1200">
+                <a:solidFill>
+                  <a:srgbClr val="222222"/>
+                </a:solidFill>
+                <a:highlight>
+                  <a:srgbClr val="FFFFFF"/>
+                </a:highlight>
+                <a:latin typeface="Play"/>
+                <a:ea typeface="Play"/>
+                <a:cs typeface="Play"/>
+                <a:sym typeface="Play"/>
+              </a:rPr>
+              <a:t>Amazon Web Services</a:t>
+            </a:r>
+            <a:r>
+              <a:rPr lang="en-GB" sz="1200">
+                <a:solidFill>
+                  <a:srgbClr val="222222"/>
+                </a:solidFill>
+                <a:highlight>
+                  <a:srgbClr val="FFFFFF"/>
+                </a:highlight>
+                <a:latin typeface="Play"/>
+                <a:ea typeface="Play"/>
+                <a:cs typeface="Play"/>
+                <a:sym typeface="Play"/>
+              </a:rPr>
+              <a:t> 105 (2014).</a:t>
+            </a:r>
+            <a:endParaRPr sz="1200">
+              <a:solidFill>
+                <a:srgbClr val="222222"/>
+              </a:solidFill>
+              <a:highlight>
+                <a:srgbClr val="FFFFFF"/>
+              </a:highlight>
+              <a:latin typeface="Play"/>
+              <a:ea typeface="Play"/>
+              <a:cs typeface="Play"/>
+              <a:sym typeface="Play"/>
+            </a:endParaRPr>
+          </a:p>
+          <a:p>
+            <a:pPr indent="-350520" lvl="0" marL="274320" rtl="0" algn="just">
+              <a:lnSpc>
+                <a:spcPct val="200000"/>
+              </a:lnSpc>
+              <a:spcBef>
+                <a:spcPts val="0"/>
+              </a:spcBef>
+              <a:spcAft>
+                <a:spcPts val="0"/>
+              </a:spcAft>
+              <a:buClr>
+                <a:srgbClr val="222222"/>
+              </a:buClr>
+              <a:buSzPts val="1200"/>
+              <a:buFont typeface="Play"/>
+              <a:buAutoNum type="arabicPeriod"/>
+            </a:pPr>
+            <a:r>
+              <a:rPr lang="en-GB" sz="1200">
+                <a:solidFill>
+                  <a:schemeClr val="dk1"/>
+                </a:solidFill>
+                <a:latin typeface="Play"/>
+                <a:ea typeface="Play"/>
+                <a:cs typeface="Play"/>
+                <a:sym typeface="Play"/>
+              </a:rPr>
+              <a:t>Soni, Radhika &amp; Thapar, Radhika. (2019). Acceptance of Chatbots by Millennial Consumers.</a:t>
+            </a:r>
+            <a:endParaRPr sz="1200">
+              <a:solidFill>
+                <a:srgbClr val="222222"/>
+              </a:solidFill>
+              <a:highlight>
+                <a:srgbClr val="FFFFFF"/>
+              </a:highlight>
+              <a:latin typeface="Play"/>
+              <a:ea typeface="Play"/>
+              <a:cs typeface="Play"/>
+              <a:sym typeface="Play"/>
+            </a:endParaRPr>
+          </a:p>
+          <a:p>
+            <a:pPr indent="-350520" lvl="0" marL="274320" rtl="0" algn="just">
+              <a:lnSpc>
+                <a:spcPct val="200000"/>
+              </a:lnSpc>
+              <a:spcBef>
+                <a:spcPts val="0"/>
+              </a:spcBef>
+              <a:spcAft>
+                <a:spcPts val="0"/>
+              </a:spcAft>
+              <a:buClr>
+                <a:schemeClr val="dk1"/>
+              </a:buClr>
+              <a:buSzPts val="1200"/>
+              <a:buFont typeface="Play"/>
+              <a:buAutoNum type="arabicPeriod"/>
+            </a:pPr>
+            <a:r>
+              <a:rPr lang="en-GB" sz="1200">
+                <a:solidFill>
+                  <a:schemeClr val="dk1"/>
+                </a:solidFill>
+                <a:latin typeface="Play"/>
+                <a:ea typeface="Play"/>
+                <a:cs typeface="Play"/>
+                <a:sym typeface="Play"/>
+              </a:rPr>
+              <a:t>AWS Documentation - </a:t>
+            </a:r>
+            <a:r>
+              <a:rPr lang="en-GB" sz="1200" u="sng">
+                <a:solidFill>
+                  <a:srgbClr val="0000FF"/>
+                </a:solidFill>
+                <a:latin typeface="Play"/>
+                <a:ea typeface="Play"/>
+                <a:cs typeface="Play"/>
+                <a:sym typeface="Play"/>
+                <a:hlinkClick r:id="rId3">
+                  <a:extLst>
+                    <a:ext uri="{A12FA001-AC4F-418D-AE19-62706E023703}">
+                      <ahyp:hlinkClr val="tx"/>
+                    </a:ext>
+                  </a:extLst>
+                </a:hlinkClick>
+              </a:rPr>
+              <a:t>https://docs.aws.amazon.com</a:t>
+            </a:r>
+            <a:endParaRPr sz="1200">
+              <a:solidFill>
+                <a:srgbClr val="0000FF"/>
+              </a:solidFill>
+              <a:latin typeface="Play"/>
+              <a:ea typeface="Play"/>
+              <a:cs typeface="Play"/>
+              <a:sym typeface="Play"/>
+            </a:endParaRPr>
+          </a:p>
+          <a:p>
+            <a:pPr indent="-350520" lvl="0" marL="274320" rtl="0" algn="just">
+              <a:lnSpc>
+                <a:spcPct val="200000"/>
+              </a:lnSpc>
+              <a:spcBef>
+                <a:spcPts val="0"/>
+              </a:spcBef>
+              <a:spcAft>
+                <a:spcPts val="0"/>
+              </a:spcAft>
+              <a:buClr>
+                <a:schemeClr val="dk1"/>
+              </a:buClr>
+              <a:buSzPts val="1200"/>
+              <a:buFont typeface="Play"/>
+              <a:buAutoNum type="arabicPeriod"/>
+            </a:pPr>
+            <a:r>
+              <a:rPr lang="en-GB" sz="1200">
+                <a:solidFill>
+                  <a:schemeClr val="dk1"/>
+                </a:solidFill>
+                <a:latin typeface="Play"/>
+                <a:ea typeface="Play"/>
+                <a:cs typeface="Play"/>
+                <a:sym typeface="Play"/>
+              </a:rPr>
+              <a:t>Amazon Lex Documentation - </a:t>
+            </a:r>
+            <a:r>
+              <a:rPr lang="en-GB" sz="1200" u="sng">
+                <a:solidFill>
+                  <a:srgbClr val="0000FF"/>
+                </a:solidFill>
+                <a:latin typeface="Play"/>
+                <a:ea typeface="Play"/>
+                <a:cs typeface="Play"/>
+                <a:sym typeface="Play"/>
+                <a:hlinkClick r:id="rId4">
+                  <a:extLst>
+                    <a:ext uri="{A12FA001-AC4F-418D-AE19-62706E023703}">
+                      <ahyp:hlinkClr val="tx"/>
+                    </a:ext>
+                  </a:extLst>
+                </a:hlinkClick>
+              </a:rPr>
+              <a:t>https://docs.aws.amazon.com/lex</a:t>
+            </a:r>
+            <a:endParaRPr sz="1200">
+              <a:solidFill>
+                <a:srgbClr val="0000FF"/>
+              </a:solidFill>
+              <a:latin typeface="Play"/>
+              <a:ea typeface="Play"/>
+              <a:cs typeface="Play"/>
+              <a:sym typeface="Play"/>
+            </a:endParaRPr>
+          </a:p>
+          <a:p>
+            <a:pPr indent="-350520" lvl="0" marL="274320" rtl="0" algn="just">
+              <a:lnSpc>
+                <a:spcPct val="200000"/>
+              </a:lnSpc>
+              <a:spcBef>
+                <a:spcPts val="0"/>
+              </a:spcBef>
+              <a:spcAft>
+                <a:spcPts val="0"/>
+              </a:spcAft>
+              <a:buClr>
+                <a:schemeClr val="dk1"/>
+              </a:buClr>
+              <a:buSzPts val="1200"/>
+              <a:buFont typeface="Play"/>
+              <a:buAutoNum type="arabicPeriod"/>
+            </a:pPr>
+            <a:r>
+              <a:rPr lang="en-GB" sz="1200">
+                <a:solidFill>
+                  <a:schemeClr val="dk1"/>
+                </a:solidFill>
+                <a:latin typeface="Play"/>
+                <a:ea typeface="Play"/>
+                <a:cs typeface="Play"/>
+                <a:sym typeface="Play"/>
+              </a:rPr>
+              <a:t>AWS Lex - </a:t>
+            </a:r>
+            <a:r>
+              <a:rPr lang="en-GB" sz="1200" u="sng">
+                <a:solidFill>
+                  <a:srgbClr val="0000FF"/>
+                </a:solidFill>
+                <a:latin typeface="Play"/>
+                <a:ea typeface="Play"/>
+                <a:cs typeface="Play"/>
+                <a:sym typeface="Play"/>
+                <a:hlinkClick r:id="rId5">
+                  <a:extLst>
+                    <a:ext uri="{A12FA001-AC4F-418D-AE19-62706E023703}">
+                      <ahyp:hlinkClr val="tx"/>
+                    </a:ext>
+                  </a:extLst>
+                </a:hlinkClick>
+              </a:rPr>
+              <a:t>https://aws.amazon.com/lex</a:t>
+            </a:r>
+            <a:endParaRPr sz="1200">
+              <a:solidFill>
+                <a:srgbClr val="0000FF"/>
+              </a:solidFill>
+              <a:highlight>
+                <a:srgbClr val="FFFFFF"/>
+              </a:highlight>
+              <a:latin typeface="Play"/>
+              <a:ea typeface="Play"/>
+              <a:cs typeface="Play"/>
+              <a:sym typeface="Play"/>
+            </a:endParaRPr>
+          </a:p>
+          <a:p>
+            <a:pPr indent="-350520" lvl="0" marL="274320" rtl="0" algn="just">
+              <a:lnSpc>
+                <a:spcPct val="200000"/>
+              </a:lnSpc>
+              <a:spcBef>
+                <a:spcPts val="0"/>
+              </a:spcBef>
+              <a:spcAft>
+                <a:spcPts val="0"/>
+              </a:spcAft>
+              <a:buClr>
+                <a:srgbClr val="222222"/>
+              </a:buClr>
+              <a:buSzPts val="1200"/>
+              <a:buFont typeface="Play"/>
+              <a:buAutoNum type="arabicPeriod"/>
+            </a:pPr>
+            <a:r>
+              <a:rPr lang="en-GB" sz="1200">
+                <a:solidFill>
+                  <a:srgbClr val="222222"/>
+                </a:solidFill>
+                <a:highlight>
+                  <a:srgbClr val="FFFFFF"/>
+                </a:highlight>
+                <a:latin typeface="Play"/>
+                <a:ea typeface="Play"/>
+                <a:cs typeface="Play"/>
+                <a:sym typeface="Play"/>
+              </a:rPr>
+              <a:t>Pizza Ordering Chatbot Demo - </a:t>
+            </a:r>
+            <a:r>
+              <a:rPr lang="en-GB" sz="1200" u="sng">
+                <a:solidFill>
+                  <a:srgbClr val="0000FF"/>
+                </a:solidFill>
+                <a:highlight>
+                  <a:srgbClr val="FFFFFF"/>
+                </a:highlight>
+                <a:latin typeface="Play"/>
+                <a:ea typeface="Play"/>
+                <a:cs typeface="Play"/>
+                <a:sym typeface="Play"/>
+                <a:hlinkClick r:id="rId6">
+                  <a:extLst>
+                    <a:ext uri="{A12FA001-AC4F-418D-AE19-62706E023703}">
+                      <ahyp:hlinkClr val="tx"/>
+                    </a:ext>
+                  </a:extLst>
+                </a:hlinkClick>
+              </a:rPr>
+              <a:t>https://youtu.be/6iLgN_1e4DU</a:t>
+            </a:r>
+            <a:endParaRPr sz="1200">
+              <a:solidFill>
+                <a:srgbClr val="0000FF"/>
+              </a:solidFill>
+              <a:highlight>
+                <a:srgbClr val="FFFFFF"/>
+              </a:highlight>
+              <a:latin typeface="Play"/>
+              <a:ea typeface="Play"/>
+              <a:cs typeface="Play"/>
+              <a:sym typeface="Play"/>
+            </a:endParaRPr>
+          </a:p>
+          <a:p>
+            <a:pPr indent="-350520" lvl="0" marL="274320" rtl="0" algn="just">
+              <a:lnSpc>
+                <a:spcPct val="200000"/>
+              </a:lnSpc>
+              <a:spcBef>
+                <a:spcPts val="0"/>
+              </a:spcBef>
+              <a:spcAft>
+                <a:spcPts val="0"/>
+              </a:spcAft>
+              <a:buClr>
+                <a:srgbClr val="222222"/>
+              </a:buClr>
+              <a:buSzPts val="1200"/>
+              <a:buFont typeface="Play"/>
+              <a:buAutoNum type="arabicPeriod"/>
+            </a:pPr>
+            <a:r>
+              <a:rPr lang="en-GB" sz="1200">
+                <a:solidFill>
+                  <a:srgbClr val="222222"/>
+                </a:solidFill>
+                <a:highlight>
+                  <a:srgbClr val="FFFFFF"/>
+                </a:highlight>
+                <a:latin typeface="Play"/>
+                <a:ea typeface="Play"/>
+                <a:cs typeface="Play"/>
+                <a:sym typeface="Play"/>
+              </a:rPr>
+              <a:t>The Complete Guide To The Pizza Ordering Chatbot - </a:t>
+            </a:r>
+            <a:r>
+              <a:rPr lang="en-GB" sz="1200" u="sng">
+                <a:solidFill>
+                  <a:srgbClr val="0000FF"/>
+                </a:solidFill>
+                <a:highlight>
+                  <a:srgbClr val="FFFFFF"/>
+                </a:highlight>
+                <a:latin typeface="Play"/>
+                <a:ea typeface="Play"/>
+                <a:cs typeface="Play"/>
+                <a:sym typeface="Play"/>
+                <a:hlinkClick r:id="rId7">
+                  <a:extLst>
+                    <a:ext uri="{A12FA001-AC4F-418D-AE19-62706E023703}">
+                      <ahyp:hlinkClr val="tx"/>
+                    </a:ext>
+                  </a:extLst>
+                </a:hlinkClick>
+              </a:rPr>
+              <a:t>https://youtu.be/FHbXSo95S7A</a:t>
+            </a:r>
+            <a:endParaRPr sz="1200">
+              <a:solidFill>
+                <a:srgbClr val="0000FF"/>
+              </a:solidFill>
+              <a:highlight>
+                <a:srgbClr val="FFFFFF"/>
+              </a:highlight>
+              <a:latin typeface="Play"/>
+              <a:ea typeface="Play"/>
+              <a:cs typeface="Play"/>
+              <a:sym typeface="Play"/>
+            </a:endParaRPr>
+          </a:p>
+          <a:p>
+            <a:pPr indent="-350520" lvl="0" marL="274320" rtl="0" algn="just">
+              <a:lnSpc>
+                <a:spcPct val="200000"/>
+              </a:lnSpc>
+              <a:spcBef>
+                <a:spcPts val="0"/>
+              </a:spcBef>
+              <a:spcAft>
+                <a:spcPts val="0"/>
+              </a:spcAft>
+              <a:buClr>
+                <a:srgbClr val="222222"/>
+              </a:buClr>
+              <a:buSzPts val="1200"/>
+              <a:buFont typeface="Play"/>
+              <a:buAutoNum type="arabicPeriod"/>
+            </a:pPr>
+            <a:r>
+              <a:rPr lang="en-GB" sz="1200">
+                <a:solidFill>
+                  <a:srgbClr val="222222"/>
+                </a:solidFill>
+                <a:highlight>
+                  <a:srgbClr val="FFFFFF"/>
+                </a:highlight>
+                <a:latin typeface="Play"/>
+                <a:ea typeface="Play"/>
+                <a:cs typeface="Play"/>
+                <a:sym typeface="Play"/>
+              </a:rPr>
+              <a:t>GitHub Repository - </a:t>
+            </a:r>
+            <a:r>
+              <a:rPr lang="en-GB" sz="1200" u="sng">
+                <a:solidFill>
+                  <a:srgbClr val="0000FF"/>
+                </a:solidFill>
+                <a:highlight>
+                  <a:srgbClr val="FFFFFF"/>
+                </a:highlight>
+                <a:latin typeface="Play"/>
+                <a:ea typeface="Play"/>
+                <a:cs typeface="Play"/>
+                <a:sym typeface="Play"/>
+                <a:hlinkClick r:id="rId8">
+                  <a:extLst>
+                    <a:ext uri="{A12FA001-AC4F-418D-AE19-62706E023703}">
+                      <ahyp:hlinkClr val="tx"/>
+                    </a:ext>
+                  </a:extLst>
+                </a:hlinkClick>
+              </a:rPr>
+              <a:t>https://github.com/Amey-Thakur/AWS-CERTIFIED-CLOUD-PRACTITIONER-CLF-C01</a:t>
+            </a:r>
+            <a:endParaRPr sz="1200">
+              <a:solidFill>
+                <a:srgbClr val="0000FF"/>
               </a:solidFill>
               <a:latin typeface="Play"/>
               <a:ea typeface="Play"/>
@@ -15670,7 +16188,7 @@
   <p:cSld>
     <p:spTree>
       <p:nvGrpSpPr>
-        <p:cNvPr id="310" name="Shape 310"/>
+        <p:cNvPr id="311" name="Shape 311"/>
         <p:cNvGrpSpPr/>
         <p:nvPr/>
       </p:nvGrpSpPr>
@@ -15684,460 +16202,7 @@
       </p:grpSpPr>
       <p:sp>
         <p:nvSpPr>
-          <p:cNvPr id="311" name="Google Shape;311;p40"/>
-          <p:cNvSpPr txBox="1"/>
-          <p:nvPr/>
-        </p:nvSpPr>
-        <p:spPr>
-          <a:xfrm>
-            <a:off x="271200" y="207450"/>
-            <a:ext cx="8602200" cy="492600"/>
-          </a:xfrm>
-          <a:prstGeom prst="rect">
-            <a:avLst/>
-          </a:prstGeom>
-          <a:noFill/>
-          <a:ln>
-            <a:noFill/>
-          </a:ln>
-        </p:spPr>
-        <p:txBody>
-          <a:bodyPr anchorCtr="0" anchor="t" bIns="91425" lIns="91425" spcFirstLastPara="1" rIns="91425" wrap="square" tIns="91425">
-            <a:spAutoFit/>
-          </a:bodyPr>
-          <a:lstStyle/>
-          <a:p>
-            <a:pPr indent="0" lvl="0" marL="0" marR="0" rtl="0" algn="l">
-              <a:lnSpc>
-                <a:spcPct val="100000"/>
-              </a:lnSpc>
-              <a:spcBef>
-                <a:spcPts val="0"/>
-              </a:spcBef>
-              <a:spcAft>
-                <a:spcPts val="0"/>
-              </a:spcAft>
-              <a:buClr>
-                <a:srgbClr val="000000"/>
-              </a:buClr>
-              <a:buSzPts val="2000"/>
-              <a:buFont typeface="Arial"/>
-              <a:buNone/>
-            </a:pPr>
-            <a:r>
-              <a:rPr b="1" i="0" lang="en-GB" sz="2000" u="none" cap="none" strike="noStrike">
-                <a:solidFill>
-                  <a:schemeClr val="dk1"/>
-                </a:solidFill>
-                <a:latin typeface="Play"/>
-                <a:ea typeface="Play"/>
-                <a:cs typeface="Play"/>
-                <a:sym typeface="Play"/>
-              </a:rPr>
-              <a:t>R</a:t>
-            </a:r>
-            <a:r>
-              <a:rPr b="1" lang="en-GB" sz="2000">
-                <a:solidFill>
-                  <a:schemeClr val="dk1"/>
-                </a:solidFill>
-                <a:latin typeface="Play"/>
-                <a:ea typeface="Play"/>
-                <a:cs typeface="Play"/>
-                <a:sym typeface="Play"/>
-              </a:rPr>
-              <a:t>eferences</a:t>
-            </a:r>
-            <a:endParaRPr b="1" i="0" sz="2000" u="none" cap="none" strike="noStrike">
-              <a:solidFill>
-                <a:schemeClr val="dk1"/>
-              </a:solidFill>
-              <a:latin typeface="Play"/>
-              <a:ea typeface="Play"/>
-              <a:cs typeface="Play"/>
-              <a:sym typeface="Play"/>
-            </a:endParaRPr>
-          </a:p>
-        </p:txBody>
-      </p:sp>
-      <p:sp>
-        <p:nvSpPr>
           <p:cNvPr id="312" name="Google Shape;312;p40"/>
-          <p:cNvSpPr txBox="1"/>
-          <p:nvPr/>
-        </p:nvSpPr>
-        <p:spPr>
-          <a:xfrm>
-            <a:off x="271200" y="948000"/>
-            <a:ext cx="8428200" cy="3339900"/>
-          </a:xfrm>
-          <a:prstGeom prst="rect">
-            <a:avLst/>
-          </a:prstGeom>
-          <a:noFill/>
-          <a:ln>
-            <a:noFill/>
-          </a:ln>
-        </p:spPr>
-        <p:txBody>
-          <a:bodyPr anchorCtr="0" anchor="t" bIns="91425" lIns="91425" spcFirstLastPara="1" rIns="91425" wrap="square" tIns="91425">
-            <a:spAutoFit/>
-          </a:bodyPr>
-          <a:lstStyle/>
-          <a:p>
-            <a:pPr indent="-330200" lvl="0" marL="457200" rtl="0" algn="just">
-              <a:lnSpc>
-                <a:spcPct val="150000"/>
-              </a:lnSpc>
-              <a:spcBef>
-                <a:spcPts val="237"/>
-              </a:spcBef>
-              <a:spcAft>
-                <a:spcPts val="0"/>
-              </a:spcAft>
-              <a:buClr>
-                <a:schemeClr val="dk1"/>
-              </a:buClr>
-              <a:buSzPts val="1600"/>
-              <a:buFont typeface="Play"/>
-              <a:buChar char="➔"/>
-            </a:pPr>
-            <a:r>
-              <a:rPr lang="en-GB">
-                <a:solidFill>
-                  <a:schemeClr val="dk1"/>
-                </a:solidFill>
-                <a:latin typeface="Play"/>
-                <a:ea typeface="Play"/>
-                <a:cs typeface="Play"/>
-                <a:sym typeface="Play"/>
-              </a:rPr>
-              <a:t>Soni, Radhika &amp; Thapar, Radhika. (2019). Acceptance of Chatbots by Millennial Consumers. 10.18231/2454-9150.2018.1343.</a:t>
-            </a:r>
-            <a:endParaRPr>
-              <a:solidFill>
-                <a:schemeClr val="dk1"/>
-              </a:solidFill>
-              <a:latin typeface="Play"/>
-              <a:ea typeface="Play"/>
-              <a:cs typeface="Play"/>
-              <a:sym typeface="Play"/>
-            </a:endParaRPr>
-          </a:p>
-          <a:p>
-            <a:pPr indent="0" lvl="0" marL="0" rtl="0" algn="just">
-              <a:lnSpc>
-                <a:spcPct val="150000"/>
-              </a:lnSpc>
-              <a:spcBef>
-                <a:spcPts val="237"/>
-              </a:spcBef>
-              <a:spcAft>
-                <a:spcPts val="0"/>
-              </a:spcAft>
-              <a:buNone/>
-            </a:pPr>
-            <a:r>
-              <a:t/>
-            </a:r>
-            <a:endParaRPr b="1" sz="1200">
-              <a:solidFill>
-                <a:schemeClr val="dk1"/>
-              </a:solidFill>
-              <a:latin typeface="Play"/>
-              <a:ea typeface="Play"/>
-              <a:cs typeface="Play"/>
-              <a:sym typeface="Play"/>
-            </a:endParaRPr>
-          </a:p>
-          <a:p>
-            <a:pPr indent="-317500" lvl="0" marL="457200" rtl="0" algn="just">
-              <a:lnSpc>
-                <a:spcPct val="150000"/>
-              </a:lnSpc>
-              <a:spcBef>
-                <a:spcPts val="0"/>
-              </a:spcBef>
-              <a:spcAft>
-                <a:spcPts val="0"/>
-              </a:spcAft>
-              <a:buClr>
-                <a:schemeClr val="dk1"/>
-              </a:buClr>
-              <a:buSzPts val="1400"/>
-              <a:buFont typeface="Play"/>
-              <a:buChar char="➔"/>
-            </a:pPr>
-            <a:r>
-              <a:rPr lang="en-GB" u="sng">
-                <a:solidFill>
-                  <a:srgbClr val="0000FF"/>
-                </a:solidFill>
-                <a:latin typeface="Play"/>
-                <a:ea typeface="Play"/>
-                <a:cs typeface="Play"/>
-                <a:sym typeface="Play"/>
-                <a:hlinkClick r:id="rId3">
-                  <a:extLst>
-                    <a:ext uri="{A12FA001-AC4F-418D-AE19-62706E023703}">
-                      <ahyp:hlinkClr val="tx"/>
-                    </a:ext>
-                  </a:extLst>
-                </a:hlinkClick>
-              </a:rPr>
-              <a:t>https://aws.amazon.com</a:t>
-            </a:r>
-            <a:endParaRPr>
-              <a:solidFill>
-                <a:srgbClr val="0000FF"/>
-              </a:solidFill>
-              <a:latin typeface="Play"/>
-              <a:ea typeface="Play"/>
-              <a:cs typeface="Play"/>
-              <a:sym typeface="Play"/>
-            </a:endParaRPr>
-          </a:p>
-          <a:p>
-            <a:pPr indent="0" lvl="0" marL="0" rtl="0" algn="just">
-              <a:lnSpc>
-                <a:spcPct val="150000"/>
-              </a:lnSpc>
-              <a:spcBef>
-                <a:spcPts val="0"/>
-              </a:spcBef>
-              <a:spcAft>
-                <a:spcPts val="0"/>
-              </a:spcAft>
-              <a:buNone/>
-            </a:pPr>
-            <a:r>
-              <a:t/>
-            </a:r>
-            <a:endParaRPr>
-              <a:solidFill>
-                <a:srgbClr val="0000FF"/>
-              </a:solidFill>
-              <a:latin typeface="Play"/>
-              <a:ea typeface="Play"/>
-              <a:cs typeface="Play"/>
-              <a:sym typeface="Play"/>
-            </a:endParaRPr>
-          </a:p>
-          <a:p>
-            <a:pPr indent="-317500" lvl="0" marL="457200" rtl="0" algn="just">
-              <a:lnSpc>
-                <a:spcPct val="150000"/>
-              </a:lnSpc>
-              <a:spcBef>
-                <a:spcPts val="0"/>
-              </a:spcBef>
-              <a:spcAft>
-                <a:spcPts val="0"/>
-              </a:spcAft>
-              <a:buClr>
-                <a:schemeClr val="dk1"/>
-              </a:buClr>
-              <a:buSzPts val="1400"/>
-              <a:buFont typeface="Play"/>
-              <a:buChar char="➔"/>
-            </a:pPr>
-            <a:r>
-              <a:rPr lang="en-GB" u="sng">
-                <a:solidFill>
-                  <a:srgbClr val="0000FF"/>
-                </a:solidFill>
-                <a:latin typeface="Play"/>
-                <a:ea typeface="Play"/>
-                <a:cs typeface="Play"/>
-                <a:sym typeface="Play"/>
-                <a:hlinkClick r:id="rId4">
-                  <a:extLst>
-                    <a:ext uri="{A12FA001-AC4F-418D-AE19-62706E023703}">
-                      <ahyp:hlinkClr val="tx"/>
-                    </a:ext>
-                  </a:extLst>
-                </a:hlinkClick>
-              </a:rPr>
-              <a:t>https://docs.aws.amazon.com</a:t>
-            </a:r>
-            <a:endParaRPr>
-              <a:solidFill>
-                <a:srgbClr val="0000FF"/>
-              </a:solidFill>
-              <a:latin typeface="Play"/>
-              <a:ea typeface="Play"/>
-              <a:cs typeface="Play"/>
-              <a:sym typeface="Play"/>
-            </a:endParaRPr>
-          </a:p>
-          <a:p>
-            <a:pPr indent="0" lvl="0" marL="0" rtl="0" algn="just">
-              <a:lnSpc>
-                <a:spcPct val="150000"/>
-              </a:lnSpc>
-              <a:spcBef>
-                <a:spcPts val="0"/>
-              </a:spcBef>
-              <a:spcAft>
-                <a:spcPts val="0"/>
-              </a:spcAft>
-              <a:buNone/>
-            </a:pPr>
-            <a:r>
-              <a:t/>
-            </a:r>
-            <a:endParaRPr>
-              <a:solidFill>
-                <a:srgbClr val="0000FF"/>
-              </a:solidFill>
-              <a:latin typeface="Play"/>
-              <a:ea typeface="Play"/>
-              <a:cs typeface="Play"/>
-              <a:sym typeface="Play"/>
-            </a:endParaRPr>
-          </a:p>
-          <a:p>
-            <a:pPr indent="-317500" lvl="0" marL="457200" rtl="0" algn="just">
-              <a:lnSpc>
-                <a:spcPct val="150000"/>
-              </a:lnSpc>
-              <a:spcBef>
-                <a:spcPts val="0"/>
-              </a:spcBef>
-              <a:spcAft>
-                <a:spcPts val="0"/>
-              </a:spcAft>
-              <a:buClr>
-                <a:schemeClr val="dk1"/>
-              </a:buClr>
-              <a:buSzPts val="1400"/>
-              <a:buFont typeface="Play"/>
-              <a:buChar char="➔"/>
-            </a:pPr>
-            <a:r>
-              <a:rPr lang="en-GB" u="sng">
-                <a:solidFill>
-                  <a:srgbClr val="0000FF"/>
-                </a:solidFill>
-                <a:latin typeface="Play"/>
-                <a:ea typeface="Play"/>
-                <a:cs typeface="Play"/>
-                <a:sym typeface="Play"/>
-                <a:hlinkClick r:id="rId5">
-                  <a:extLst>
-                    <a:ext uri="{A12FA001-AC4F-418D-AE19-62706E023703}">
-                      <ahyp:hlinkClr val="tx"/>
-                    </a:ext>
-                  </a:extLst>
-                </a:hlinkClick>
-              </a:rPr>
-              <a:t>https://aws.amazon.com/lex</a:t>
-            </a:r>
-            <a:endParaRPr>
-              <a:solidFill>
-                <a:srgbClr val="0000FF"/>
-              </a:solidFill>
-              <a:latin typeface="Play"/>
-              <a:ea typeface="Play"/>
-              <a:cs typeface="Play"/>
-              <a:sym typeface="Play"/>
-            </a:endParaRPr>
-          </a:p>
-          <a:p>
-            <a:pPr indent="0" lvl="0" marL="0" rtl="0" algn="just">
-              <a:lnSpc>
-                <a:spcPct val="150000"/>
-              </a:lnSpc>
-              <a:spcBef>
-                <a:spcPts val="0"/>
-              </a:spcBef>
-              <a:spcAft>
-                <a:spcPts val="0"/>
-              </a:spcAft>
-              <a:buNone/>
-            </a:pPr>
-            <a:r>
-              <a:t/>
-            </a:r>
-            <a:endParaRPr>
-              <a:solidFill>
-                <a:srgbClr val="0000FF"/>
-              </a:solidFill>
-              <a:latin typeface="Play"/>
-              <a:ea typeface="Play"/>
-              <a:cs typeface="Play"/>
-              <a:sym typeface="Play"/>
-            </a:endParaRPr>
-          </a:p>
-          <a:p>
-            <a:pPr indent="-317500" lvl="0" marL="457200" rtl="0" algn="just">
-              <a:lnSpc>
-                <a:spcPct val="150000"/>
-              </a:lnSpc>
-              <a:spcBef>
-                <a:spcPts val="0"/>
-              </a:spcBef>
-              <a:spcAft>
-                <a:spcPts val="0"/>
-              </a:spcAft>
-              <a:buClr>
-                <a:schemeClr val="dk1"/>
-              </a:buClr>
-              <a:buSzPts val="1400"/>
-              <a:buFont typeface="Play"/>
-              <a:buChar char="➔"/>
-            </a:pPr>
-            <a:r>
-              <a:rPr lang="en-GB" u="sng">
-                <a:solidFill>
-                  <a:srgbClr val="0000FF"/>
-                </a:solidFill>
-                <a:latin typeface="Play"/>
-                <a:ea typeface="Play"/>
-                <a:cs typeface="Play"/>
-                <a:sym typeface="Play"/>
-                <a:hlinkClick r:id="rId6">
-                  <a:extLst>
-                    <a:ext uri="{A12FA001-AC4F-418D-AE19-62706E023703}">
-                      <ahyp:hlinkClr val="tx"/>
-                    </a:ext>
-                  </a:extLst>
-                </a:hlinkClick>
-              </a:rPr>
-              <a:t>https://docs.aws.amazon.com/lex/index.html</a:t>
-            </a:r>
-            <a:endParaRPr sz="1600"/>
-          </a:p>
-        </p:txBody>
-      </p:sp>
-    </p:spTree>
-  </p:cSld>
-  <p:clrMapOvr>
-    <a:masterClrMapping/>
-  </p:clrMapOvr>
-</p:sld>
-</file>
-
-<file path=ppt/slides/slide29.xml><?xml version="1.0" encoding="utf-8"?>
-<p:sld xmlns:a="http://schemas.openxmlformats.org/drawingml/2006/main" xmlns:r="http://schemas.openxmlformats.org/officeDocument/2006/relationships" xmlns:mc="http://schemas.openxmlformats.org/markup-compatibility/2006" xmlns:mv="urn:schemas-microsoft-com:mac:vml" xmlns:p="http://schemas.openxmlformats.org/presentationml/2006/main" xmlns:c="http://schemas.openxmlformats.org/drawingml/2006/chart" xmlns:dgm="http://schemas.openxmlformats.org/drawingml/2006/diagram" xmlns:o="urn:schemas-microsoft-com:office:office" xmlns:v="urn:schemas-microsoft-com:vml" xmlns:pvml="urn:schemas-microsoft-com:office:powerpoint" xmlns:com="http://schemas.openxmlformats.org/drawingml/2006/compatibility" xmlns:p14="http://schemas.microsoft.com/office/powerpoint/2010/main" xmlns:p15="http://schemas.microsoft.com/office/powerpoint/2012/main" xmlns:ahyp="http://schemas.microsoft.com/office/drawing/2018/hyperlinkcolor">
-  <p:cSld>
-    <p:spTree>
-      <p:nvGrpSpPr>
-        <p:cNvPr id="316" name="Shape 316"/>
-        <p:cNvGrpSpPr/>
-        <p:nvPr/>
-      </p:nvGrpSpPr>
-      <p:grpSpPr>
-        <a:xfrm>
-          <a:off x="0" y="0"/>
-          <a:ext cx="0" cy="0"/>
-          <a:chOff x="0" y="0"/>
-          <a:chExt cx="0" cy="0"/>
-        </a:xfrm>
-      </p:grpSpPr>
-      <p:sp>
-        <p:nvSpPr>
-          <p:cNvPr id="317" name="Google Shape;317;p41"/>
           <p:cNvSpPr txBox="1"/>
           <p:nvPr>
             <p:ph type="title"/>
@@ -16241,7 +16306,7 @@
       </p:sp>
       <p:sp>
         <p:nvSpPr>
-          <p:cNvPr id="318" name="Google Shape;318;p41"/>
+          <p:cNvPr id="313" name="Google Shape;313;p40"/>
           <p:cNvSpPr txBox="1"/>
           <p:nvPr/>
         </p:nvSpPr>
